--- a/SeleniumOverview.pptx
+++ b/SeleniumOverview.pptx
@@ -4,9 +4,22 @@
   <p:sldMasterIdLst>
     <p:sldMasterId id="2147483689" r:id="rId1"/>
   </p:sldMasterIdLst>
+  <p:notesMasterIdLst>
+    <p:notesMasterId r:id="rId14"/>
+  </p:notesMasterIdLst>
   <p:sldIdLst>
     <p:sldId id="256" r:id="rId2"/>
     <p:sldId id="257" r:id="rId3"/>
+    <p:sldId id="258" r:id="rId4"/>
+    <p:sldId id="259" r:id="rId5"/>
+    <p:sldId id="260" r:id="rId6"/>
+    <p:sldId id="261" r:id="rId7"/>
+    <p:sldId id="262" r:id="rId8"/>
+    <p:sldId id="263" r:id="rId9"/>
+    <p:sldId id="264" r:id="rId10"/>
+    <p:sldId id="265" r:id="rId11"/>
+    <p:sldId id="266" r:id="rId12"/>
+    <p:sldId id="267" r:id="rId13"/>
   </p:sldIdLst>
   <p:sldSz cx="12192000" cy="6858000"/>
   <p:notesSz cx="6858000" cy="9144000"/>
@@ -106,6 +119,4156 @@
     </a:lvl9pPr>
   </p:defaultTextStyle>
 </p:presentation>
+</file>
+
+<file path=ppt/diagrams/colors1.xml><?xml version="1.0" encoding="utf-8"?>
+<dgm:colorsDef xmlns:dgm="http://schemas.openxmlformats.org/drawingml/2006/diagram" xmlns:a="http://schemas.openxmlformats.org/drawingml/2006/main" uniqueId="urn:microsoft.com/office/officeart/2005/8/colors/accent1_2">
+  <dgm:title val=""/>
+  <dgm:desc val=""/>
+  <dgm:catLst>
+    <dgm:cat type="accent1" pri="11200"/>
+  </dgm:catLst>
+  <dgm:styleLbl name="node0">
+    <dgm:fillClrLst meth="repeat">
+      <a:schemeClr val="accent1"/>
+    </dgm:fillClrLst>
+    <dgm:linClrLst meth="repeat">
+      <a:schemeClr val="lt1"/>
+    </dgm:linClrLst>
+    <dgm:effectClrLst/>
+    <dgm:txLinClrLst/>
+    <dgm:txFillClrLst/>
+    <dgm:txEffectClrLst/>
+  </dgm:styleLbl>
+  <dgm:styleLbl name="alignNode1">
+    <dgm:fillClrLst meth="repeat">
+      <a:schemeClr val="accent1"/>
+    </dgm:fillClrLst>
+    <dgm:linClrLst meth="repeat">
+      <a:schemeClr val="accent1"/>
+    </dgm:linClrLst>
+    <dgm:effectClrLst/>
+    <dgm:txLinClrLst/>
+    <dgm:txFillClrLst/>
+    <dgm:txEffectClrLst/>
+  </dgm:styleLbl>
+  <dgm:styleLbl name="node1">
+    <dgm:fillClrLst meth="repeat">
+      <a:schemeClr val="accent1"/>
+    </dgm:fillClrLst>
+    <dgm:linClrLst meth="repeat">
+      <a:schemeClr val="lt1"/>
+    </dgm:linClrLst>
+    <dgm:effectClrLst/>
+    <dgm:txLinClrLst/>
+    <dgm:txFillClrLst/>
+    <dgm:txEffectClrLst/>
+  </dgm:styleLbl>
+  <dgm:styleLbl name="lnNode1">
+    <dgm:fillClrLst meth="repeat">
+      <a:schemeClr val="accent1"/>
+    </dgm:fillClrLst>
+    <dgm:linClrLst meth="repeat">
+      <a:schemeClr val="lt1"/>
+    </dgm:linClrLst>
+    <dgm:effectClrLst/>
+    <dgm:txLinClrLst/>
+    <dgm:txFillClrLst/>
+    <dgm:txEffectClrLst/>
+  </dgm:styleLbl>
+  <dgm:styleLbl name="vennNode1">
+    <dgm:fillClrLst meth="repeat">
+      <a:schemeClr val="accent1">
+        <a:alpha val="50000"/>
+      </a:schemeClr>
+    </dgm:fillClrLst>
+    <dgm:linClrLst meth="repeat">
+      <a:schemeClr val="lt1"/>
+    </dgm:linClrLst>
+    <dgm:effectClrLst/>
+    <dgm:txLinClrLst/>
+    <dgm:txFillClrLst/>
+    <dgm:txEffectClrLst/>
+  </dgm:styleLbl>
+  <dgm:styleLbl name="node2">
+    <dgm:fillClrLst meth="repeat">
+      <a:schemeClr val="accent1"/>
+    </dgm:fillClrLst>
+    <dgm:linClrLst meth="repeat">
+      <a:schemeClr val="lt1"/>
+    </dgm:linClrLst>
+    <dgm:effectClrLst/>
+    <dgm:txLinClrLst/>
+    <dgm:txFillClrLst/>
+    <dgm:txEffectClrLst/>
+  </dgm:styleLbl>
+  <dgm:styleLbl name="node3">
+    <dgm:fillClrLst meth="repeat">
+      <a:schemeClr val="accent1"/>
+    </dgm:fillClrLst>
+    <dgm:linClrLst meth="repeat">
+      <a:schemeClr val="lt1"/>
+    </dgm:linClrLst>
+    <dgm:effectClrLst/>
+    <dgm:txLinClrLst/>
+    <dgm:txFillClrLst/>
+    <dgm:txEffectClrLst/>
+  </dgm:styleLbl>
+  <dgm:styleLbl name="node4">
+    <dgm:fillClrLst meth="repeat">
+      <a:schemeClr val="accent1"/>
+    </dgm:fillClrLst>
+    <dgm:linClrLst meth="repeat">
+      <a:schemeClr val="lt1"/>
+    </dgm:linClrLst>
+    <dgm:effectClrLst/>
+    <dgm:txLinClrLst/>
+    <dgm:txFillClrLst/>
+    <dgm:txEffectClrLst/>
+  </dgm:styleLbl>
+  <dgm:styleLbl name="fgImgPlace1">
+    <dgm:fillClrLst meth="repeat">
+      <a:schemeClr val="accent1">
+        <a:tint val="50000"/>
+      </a:schemeClr>
+    </dgm:fillClrLst>
+    <dgm:linClrLst meth="repeat">
+      <a:schemeClr val="lt1"/>
+    </dgm:linClrLst>
+    <dgm:effectClrLst/>
+    <dgm:txLinClrLst/>
+    <dgm:txFillClrLst meth="repeat">
+      <a:schemeClr val="lt1"/>
+    </dgm:txFillClrLst>
+    <dgm:txEffectClrLst/>
+  </dgm:styleLbl>
+  <dgm:styleLbl name="alignImgPlace1">
+    <dgm:fillClrLst meth="repeat">
+      <a:schemeClr val="accent1">
+        <a:tint val="50000"/>
+      </a:schemeClr>
+    </dgm:fillClrLst>
+    <dgm:linClrLst meth="repeat">
+      <a:schemeClr val="lt1"/>
+    </dgm:linClrLst>
+    <dgm:effectClrLst/>
+    <dgm:txLinClrLst/>
+    <dgm:txFillClrLst meth="repeat">
+      <a:schemeClr val="lt1"/>
+    </dgm:txFillClrLst>
+    <dgm:txEffectClrLst/>
+  </dgm:styleLbl>
+  <dgm:styleLbl name="bgImgPlace1">
+    <dgm:fillClrLst meth="repeat">
+      <a:schemeClr val="accent1">
+        <a:tint val="50000"/>
+      </a:schemeClr>
+    </dgm:fillClrLst>
+    <dgm:linClrLst meth="repeat">
+      <a:schemeClr val="lt1"/>
+    </dgm:linClrLst>
+    <dgm:effectClrLst/>
+    <dgm:txLinClrLst/>
+    <dgm:txFillClrLst meth="repeat">
+      <a:schemeClr val="lt1"/>
+    </dgm:txFillClrLst>
+    <dgm:txEffectClrLst/>
+  </dgm:styleLbl>
+  <dgm:styleLbl name="sibTrans2D1">
+    <dgm:fillClrLst meth="repeat">
+      <a:schemeClr val="accent1">
+        <a:tint val="60000"/>
+      </a:schemeClr>
+    </dgm:fillClrLst>
+    <dgm:linClrLst meth="repeat">
+      <a:schemeClr val="accent1">
+        <a:tint val="60000"/>
+      </a:schemeClr>
+    </dgm:linClrLst>
+    <dgm:effectClrLst/>
+    <dgm:txLinClrLst/>
+    <dgm:txFillClrLst/>
+    <dgm:txEffectClrLst/>
+  </dgm:styleLbl>
+  <dgm:styleLbl name="fgSibTrans2D1">
+    <dgm:fillClrLst meth="repeat">
+      <a:schemeClr val="accent1">
+        <a:tint val="60000"/>
+      </a:schemeClr>
+    </dgm:fillClrLst>
+    <dgm:linClrLst meth="repeat">
+      <a:schemeClr val="accent1">
+        <a:tint val="60000"/>
+      </a:schemeClr>
+    </dgm:linClrLst>
+    <dgm:effectClrLst/>
+    <dgm:txLinClrLst/>
+    <dgm:txFillClrLst/>
+    <dgm:txEffectClrLst/>
+  </dgm:styleLbl>
+  <dgm:styleLbl name="bgSibTrans2D1">
+    <dgm:fillClrLst meth="repeat">
+      <a:schemeClr val="accent1">
+        <a:tint val="60000"/>
+      </a:schemeClr>
+    </dgm:fillClrLst>
+    <dgm:linClrLst meth="repeat">
+      <a:schemeClr val="accent1">
+        <a:tint val="60000"/>
+      </a:schemeClr>
+    </dgm:linClrLst>
+    <dgm:effectClrLst/>
+    <dgm:txLinClrLst/>
+    <dgm:txFillClrLst/>
+    <dgm:txEffectClrLst/>
+  </dgm:styleLbl>
+  <dgm:styleLbl name="sibTrans1D1">
+    <dgm:fillClrLst meth="repeat">
+      <a:schemeClr val="accent1"/>
+    </dgm:fillClrLst>
+    <dgm:linClrLst meth="repeat">
+      <a:schemeClr val="accent1"/>
+    </dgm:linClrLst>
+    <dgm:effectClrLst/>
+    <dgm:txLinClrLst/>
+    <dgm:txFillClrLst meth="repeat">
+      <a:schemeClr val="tx1"/>
+    </dgm:txFillClrLst>
+    <dgm:txEffectClrLst/>
+  </dgm:styleLbl>
+  <dgm:styleLbl name="callout">
+    <dgm:fillClrLst meth="repeat">
+      <a:schemeClr val="accent1"/>
+    </dgm:fillClrLst>
+    <dgm:linClrLst meth="repeat">
+      <a:schemeClr val="accent1">
+        <a:tint val="50000"/>
+      </a:schemeClr>
+    </dgm:linClrLst>
+    <dgm:effectClrLst/>
+    <dgm:txLinClrLst/>
+    <dgm:txFillClrLst meth="repeat">
+      <a:schemeClr val="tx1"/>
+    </dgm:txFillClrLst>
+    <dgm:txEffectClrLst/>
+  </dgm:styleLbl>
+  <dgm:styleLbl name="asst0">
+    <dgm:fillClrLst meth="repeat">
+      <a:schemeClr val="accent1"/>
+    </dgm:fillClrLst>
+    <dgm:linClrLst meth="repeat">
+      <a:schemeClr val="lt1"/>
+    </dgm:linClrLst>
+    <dgm:effectClrLst/>
+    <dgm:txLinClrLst/>
+    <dgm:txFillClrLst/>
+    <dgm:txEffectClrLst/>
+  </dgm:styleLbl>
+  <dgm:styleLbl name="asst1">
+    <dgm:fillClrLst meth="repeat">
+      <a:schemeClr val="accent1"/>
+    </dgm:fillClrLst>
+    <dgm:linClrLst meth="repeat">
+      <a:schemeClr val="lt1"/>
+    </dgm:linClrLst>
+    <dgm:effectClrLst/>
+    <dgm:txLinClrLst/>
+    <dgm:txFillClrLst/>
+    <dgm:txEffectClrLst/>
+  </dgm:styleLbl>
+  <dgm:styleLbl name="asst2">
+    <dgm:fillClrLst meth="repeat">
+      <a:schemeClr val="accent1"/>
+    </dgm:fillClrLst>
+    <dgm:linClrLst meth="repeat">
+      <a:schemeClr val="lt1"/>
+    </dgm:linClrLst>
+    <dgm:effectClrLst/>
+    <dgm:txLinClrLst/>
+    <dgm:txFillClrLst/>
+    <dgm:txEffectClrLst/>
+  </dgm:styleLbl>
+  <dgm:styleLbl name="asst3">
+    <dgm:fillClrLst meth="repeat">
+      <a:schemeClr val="accent1"/>
+    </dgm:fillClrLst>
+    <dgm:linClrLst meth="repeat">
+      <a:schemeClr val="lt1"/>
+    </dgm:linClrLst>
+    <dgm:effectClrLst/>
+    <dgm:txLinClrLst/>
+    <dgm:txFillClrLst/>
+    <dgm:txEffectClrLst/>
+  </dgm:styleLbl>
+  <dgm:styleLbl name="asst4">
+    <dgm:fillClrLst meth="repeat">
+      <a:schemeClr val="accent1"/>
+    </dgm:fillClrLst>
+    <dgm:linClrLst meth="repeat">
+      <a:schemeClr val="lt1"/>
+    </dgm:linClrLst>
+    <dgm:effectClrLst/>
+    <dgm:txLinClrLst/>
+    <dgm:txFillClrLst/>
+    <dgm:txEffectClrLst/>
+  </dgm:styleLbl>
+  <dgm:styleLbl name="parChTrans2D1">
+    <dgm:fillClrLst meth="repeat">
+      <a:schemeClr val="accent1">
+        <a:tint val="60000"/>
+      </a:schemeClr>
+    </dgm:fillClrLst>
+    <dgm:linClrLst meth="repeat">
+      <a:schemeClr val="accent1">
+        <a:tint val="60000"/>
+      </a:schemeClr>
+    </dgm:linClrLst>
+    <dgm:effectClrLst/>
+    <dgm:txLinClrLst/>
+    <dgm:txFillClrLst meth="repeat">
+      <a:schemeClr val="lt1"/>
+    </dgm:txFillClrLst>
+    <dgm:txEffectClrLst/>
+  </dgm:styleLbl>
+  <dgm:styleLbl name="parChTrans2D2">
+    <dgm:fillClrLst meth="repeat">
+      <a:schemeClr val="accent1"/>
+    </dgm:fillClrLst>
+    <dgm:linClrLst meth="repeat">
+      <a:schemeClr val="accent1"/>
+    </dgm:linClrLst>
+    <dgm:effectClrLst/>
+    <dgm:txLinClrLst/>
+    <dgm:txFillClrLst meth="repeat">
+      <a:schemeClr val="lt1"/>
+    </dgm:txFillClrLst>
+    <dgm:txEffectClrLst/>
+  </dgm:styleLbl>
+  <dgm:styleLbl name="parChTrans2D3">
+    <dgm:fillClrLst meth="repeat">
+      <a:schemeClr val="accent1"/>
+    </dgm:fillClrLst>
+    <dgm:linClrLst meth="repeat">
+      <a:schemeClr val="accent1"/>
+    </dgm:linClrLst>
+    <dgm:effectClrLst/>
+    <dgm:txLinClrLst/>
+    <dgm:txFillClrLst meth="repeat">
+      <a:schemeClr val="lt1"/>
+    </dgm:txFillClrLst>
+    <dgm:txEffectClrLst/>
+  </dgm:styleLbl>
+  <dgm:styleLbl name="parChTrans2D4">
+    <dgm:fillClrLst meth="repeat">
+      <a:schemeClr val="accent1"/>
+    </dgm:fillClrLst>
+    <dgm:linClrLst meth="repeat">
+      <a:schemeClr val="accent1"/>
+    </dgm:linClrLst>
+    <dgm:effectClrLst/>
+    <dgm:txLinClrLst/>
+    <dgm:txFillClrLst meth="repeat">
+      <a:schemeClr val="lt1"/>
+    </dgm:txFillClrLst>
+    <dgm:txEffectClrLst/>
+  </dgm:styleLbl>
+  <dgm:styleLbl name="parChTrans1D1">
+    <dgm:fillClrLst meth="repeat">
+      <a:schemeClr val="accent1"/>
+    </dgm:fillClrLst>
+    <dgm:linClrLst meth="repeat">
+      <a:schemeClr val="accent1">
+        <a:shade val="60000"/>
+      </a:schemeClr>
+    </dgm:linClrLst>
+    <dgm:effectClrLst/>
+    <dgm:txLinClrLst/>
+    <dgm:txFillClrLst meth="repeat">
+      <a:schemeClr val="tx1"/>
+    </dgm:txFillClrLst>
+    <dgm:txEffectClrLst/>
+  </dgm:styleLbl>
+  <dgm:styleLbl name="parChTrans1D2">
+    <dgm:fillClrLst meth="repeat">
+      <a:schemeClr val="accent1"/>
+    </dgm:fillClrLst>
+    <dgm:linClrLst meth="repeat">
+      <a:schemeClr val="accent1">
+        <a:shade val="60000"/>
+      </a:schemeClr>
+    </dgm:linClrLst>
+    <dgm:effectClrLst/>
+    <dgm:txLinClrLst/>
+    <dgm:txFillClrLst meth="repeat">
+      <a:schemeClr val="tx1"/>
+    </dgm:txFillClrLst>
+    <dgm:txEffectClrLst/>
+  </dgm:styleLbl>
+  <dgm:styleLbl name="parChTrans1D3">
+    <dgm:fillClrLst meth="repeat">
+      <a:schemeClr val="accent1"/>
+    </dgm:fillClrLst>
+    <dgm:linClrLst meth="repeat">
+      <a:schemeClr val="accent1">
+        <a:shade val="80000"/>
+      </a:schemeClr>
+    </dgm:linClrLst>
+    <dgm:effectClrLst/>
+    <dgm:txLinClrLst/>
+    <dgm:txFillClrLst meth="repeat">
+      <a:schemeClr val="tx1"/>
+    </dgm:txFillClrLst>
+    <dgm:txEffectClrLst/>
+  </dgm:styleLbl>
+  <dgm:styleLbl name="parChTrans1D4">
+    <dgm:fillClrLst meth="repeat">
+      <a:schemeClr val="accent1"/>
+    </dgm:fillClrLst>
+    <dgm:linClrLst meth="repeat">
+      <a:schemeClr val="accent1">
+        <a:shade val="80000"/>
+      </a:schemeClr>
+    </dgm:linClrLst>
+    <dgm:effectClrLst/>
+    <dgm:txLinClrLst/>
+    <dgm:txFillClrLst meth="repeat">
+      <a:schemeClr val="tx1"/>
+    </dgm:txFillClrLst>
+    <dgm:txEffectClrLst/>
+  </dgm:styleLbl>
+  <dgm:styleLbl name="fgAcc1">
+    <dgm:fillClrLst meth="repeat">
+      <a:schemeClr val="lt1">
+        <a:alpha val="90000"/>
+      </a:schemeClr>
+    </dgm:fillClrLst>
+    <dgm:linClrLst meth="repeat">
+      <a:schemeClr val="accent1"/>
+    </dgm:linClrLst>
+    <dgm:effectClrLst/>
+    <dgm:txLinClrLst/>
+    <dgm:txFillClrLst meth="repeat">
+      <a:schemeClr val="dk1"/>
+    </dgm:txFillClrLst>
+    <dgm:txEffectClrLst/>
+  </dgm:styleLbl>
+  <dgm:styleLbl name="conFgAcc1">
+    <dgm:fillClrLst meth="repeat">
+      <a:schemeClr val="lt1">
+        <a:alpha val="90000"/>
+      </a:schemeClr>
+    </dgm:fillClrLst>
+    <dgm:linClrLst meth="repeat">
+      <a:schemeClr val="accent1"/>
+    </dgm:linClrLst>
+    <dgm:effectClrLst/>
+    <dgm:txLinClrLst/>
+    <dgm:txFillClrLst meth="repeat">
+      <a:schemeClr val="dk1"/>
+    </dgm:txFillClrLst>
+    <dgm:txEffectClrLst/>
+  </dgm:styleLbl>
+  <dgm:styleLbl name="alignAcc1">
+    <dgm:fillClrLst meth="repeat">
+      <a:schemeClr val="lt1">
+        <a:alpha val="90000"/>
+      </a:schemeClr>
+    </dgm:fillClrLst>
+    <dgm:linClrLst meth="repeat">
+      <a:schemeClr val="accent1"/>
+    </dgm:linClrLst>
+    <dgm:effectClrLst/>
+    <dgm:txLinClrLst/>
+    <dgm:txFillClrLst meth="repeat">
+      <a:schemeClr val="dk1"/>
+    </dgm:txFillClrLst>
+    <dgm:txEffectClrLst/>
+  </dgm:styleLbl>
+  <dgm:styleLbl name="trAlignAcc1">
+    <dgm:fillClrLst meth="repeat">
+      <a:schemeClr val="lt1">
+        <a:alpha val="40000"/>
+      </a:schemeClr>
+    </dgm:fillClrLst>
+    <dgm:linClrLst meth="repeat">
+      <a:schemeClr val="accent1"/>
+    </dgm:linClrLst>
+    <dgm:effectClrLst/>
+    <dgm:txLinClrLst/>
+    <dgm:txFillClrLst meth="repeat">
+      <a:schemeClr val="dk1"/>
+    </dgm:txFillClrLst>
+    <dgm:txEffectClrLst/>
+  </dgm:styleLbl>
+  <dgm:styleLbl name="bgAcc1">
+    <dgm:fillClrLst meth="repeat">
+      <a:schemeClr val="lt1">
+        <a:alpha val="90000"/>
+      </a:schemeClr>
+    </dgm:fillClrLst>
+    <dgm:linClrLst meth="repeat">
+      <a:schemeClr val="accent1"/>
+    </dgm:linClrLst>
+    <dgm:effectClrLst/>
+    <dgm:txLinClrLst/>
+    <dgm:txFillClrLst meth="repeat">
+      <a:schemeClr val="dk1"/>
+    </dgm:txFillClrLst>
+    <dgm:txEffectClrLst/>
+  </dgm:styleLbl>
+  <dgm:styleLbl name="solidFgAcc1">
+    <dgm:fillClrLst meth="repeat">
+      <a:schemeClr val="lt1"/>
+    </dgm:fillClrLst>
+    <dgm:linClrLst meth="repeat">
+      <a:schemeClr val="accent1"/>
+    </dgm:linClrLst>
+    <dgm:effectClrLst/>
+    <dgm:txLinClrLst/>
+    <dgm:txFillClrLst meth="repeat">
+      <a:schemeClr val="dk1"/>
+    </dgm:txFillClrLst>
+    <dgm:txEffectClrLst/>
+  </dgm:styleLbl>
+  <dgm:styleLbl name="solidAlignAcc1">
+    <dgm:fillClrLst meth="repeat">
+      <a:schemeClr val="lt1"/>
+    </dgm:fillClrLst>
+    <dgm:linClrLst meth="repeat">
+      <a:schemeClr val="accent1"/>
+    </dgm:linClrLst>
+    <dgm:effectClrLst/>
+    <dgm:txLinClrLst/>
+    <dgm:txFillClrLst meth="repeat">
+      <a:schemeClr val="dk1"/>
+    </dgm:txFillClrLst>
+    <dgm:txEffectClrLst/>
+  </dgm:styleLbl>
+  <dgm:styleLbl name="solidBgAcc1">
+    <dgm:fillClrLst meth="repeat">
+      <a:schemeClr val="lt1"/>
+    </dgm:fillClrLst>
+    <dgm:linClrLst meth="repeat">
+      <a:schemeClr val="accent1"/>
+    </dgm:linClrLst>
+    <dgm:effectClrLst/>
+    <dgm:txLinClrLst/>
+    <dgm:txFillClrLst meth="repeat">
+      <a:schemeClr val="dk1"/>
+    </dgm:txFillClrLst>
+    <dgm:txEffectClrLst/>
+  </dgm:styleLbl>
+  <dgm:styleLbl name="fgAccFollowNode1">
+    <dgm:fillClrLst meth="repeat">
+      <a:schemeClr val="accent1">
+        <a:alpha val="90000"/>
+        <a:tint val="40000"/>
+      </a:schemeClr>
+    </dgm:fillClrLst>
+    <dgm:linClrLst meth="repeat">
+      <a:schemeClr val="accent1">
+        <a:alpha val="90000"/>
+        <a:tint val="40000"/>
+      </a:schemeClr>
+    </dgm:linClrLst>
+    <dgm:effectClrLst/>
+    <dgm:txLinClrLst/>
+    <dgm:txFillClrLst meth="repeat">
+      <a:schemeClr val="dk1"/>
+    </dgm:txFillClrLst>
+    <dgm:txEffectClrLst/>
+  </dgm:styleLbl>
+  <dgm:styleLbl name="alignAccFollowNode1">
+    <dgm:fillClrLst meth="repeat">
+      <a:schemeClr val="accent1">
+        <a:alpha val="90000"/>
+        <a:tint val="40000"/>
+      </a:schemeClr>
+    </dgm:fillClrLst>
+    <dgm:linClrLst meth="repeat">
+      <a:schemeClr val="accent1">
+        <a:alpha val="90000"/>
+        <a:tint val="40000"/>
+      </a:schemeClr>
+    </dgm:linClrLst>
+    <dgm:effectClrLst/>
+    <dgm:txLinClrLst/>
+    <dgm:txFillClrLst meth="repeat">
+      <a:schemeClr val="dk1"/>
+    </dgm:txFillClrLst>
+    <dgm:txEffectClrLst/>
+  </dgm:styleLbl>
+  <dgm:styleLbl name="bgAccFollowNode1">
+    <dgm:fillClrLst meth="repeat">
+      <a:schemeClr val="accent1">
+        <a:alpha val="90000"/>
+        <a:tint val="40000"/>
+      </a:schemeClr>
+    </dgm:fillClrLst>
+    <dgm:linClrLst meth="repeat">
+      <a:schemeClr val="accent1">
+        <a:alpha val="90000"/>
+        <a:tint val="40000"/>
+      </a:schemeClr>
+    </dgm:linClrLst>
+    <dgm:effectClrLst/>
+    <dgm:txLinClrLst/>
+    <dgm:txFillClrLst meth="repeat">
+      <a:schemeClr val="dk1"/>
+    </dgm:txFillClrLst>
+    <dgm:txEffectClrLst/>
+  </dgm:styleLbl>
+  <dgm:styleLbl name="fgAcc0">
+    <dgm:fillClrLst meth="repeat">
+      <a:schemeClr val="lt1">
+        <a:alpha val="90000"/>
+      </a:schemeClr>
+    </dgm:fillClrLst>
+    <dgm:linClrLst meth="repeat">
+      <a:schemeClr val="accent1"/>
+    </dgm:linClrLst>
+    <dgm:effectClrLst/>
+    <dgm:txLinClrLst/>
+    <dgm:txFillClrLst meth="repeat">
+      <a:schemeClr val="dk1"/>
+    </dgm:txFillClrLst>
+    <dgm:txEffectClrLst/>
+  </dgm:styleLbl>
+  <dgm:styleLbl name="fgAcc2">
+    <dgm:fillClrLst meth="repeat">
+      <a:schemeClr val="lt1">
+        <a:alpha val="90000"/>
+      </a:schemeClr>
+    </dgm:fillClrLst>
+    <dgm:linClrLst meth="repeat">
+      <a:schemeClr val="accent1"/>
+    </dgm:linClrLst>
+    <dgm:effectClrLst/>
+    <dgm:txLinClrLst/>
+    <dgm:txFillClrLst meth="repeat">
+      <a:schemeClr val="dk1"/>
+    </dgm:txFillClrLst>
+    <dgm:txEffectClrLst/>
+  </dgm:styleLbl>
+  <dgm:styleLbl name="fgAcc3">
+    <dgm:fillClrLst meth="repeat">
+      <a:schemeClr val="lt1">
+        <a:alpha val="90000"/>
+      </a:schemeClr>
+    </dgm:fillClrLst>
+    <dgm:linClrLst meth="repeat">
+      <a:schemeClr val="accent1"/>
+    </dgm:linClrLst>
+    <dgm:effectClrLst/>
+    <dgm:txLinClrLst/>
+    <dgm:txFillClrLst meth="repeat">
+      <a:schemeClr val="dk1"/>
+    </dgm:txFillClrLst>
+    <dgm:txEffectClrLst/>
+  </dgm:styleLbl>
+  <dgm:styleLbl name="fgAcc4">
+    <dgm:fillClrLst meth="repeat">
+      <a:schemeClr val="lt1">
+        <a:alpha val="90000"/>
+      </a:schemeClr>
+    </dgm:fillClrLst>
+    <dgm:linClrLst meth="repeat">
+      <a:schemeClr val="accent1"/>
+    </dgm:linClrLst>
+    <dgm:effectClrLst/>
+    <dgm:txLinClrLst/>
+    <dgm:txFillClrLst meth="repeat">
+      <a:schemeClr val="dk1"/>
+    </dgm:txFillClrLst>
+    <dgm:txEffectClrLst/>
+  </dgm:styleLbl>
+  <dgm:styleLbl name="bgShp">
+    <dgm:fillClrLst meth="repeat">
+      <a:schemeClr val="accent1">
+        <a:tint val="40000"/>
+      </a:schemeClr>
+    </dgm:fillClrLst>
+    <dgm:linClrLst meth="repeat">
+      <a:schemeClr val="accent1"/>
+    </dgm:linClrLst>
+    <dgm:effectClrLst/>
+    <dgm:txLinClrLst/>
+    <dgm:txFillClrLst meth="repeat">
+      <a:schemeClr val="dk1"/>
+    </dgm:txFillClrLst>
+    <dgm:txEffectClrLst/>
+  </dgm:styleLbl>
+  <dgm:styleLbl name="dkBgShp">
+    <dgm:fillClrLst meth="repeat">
+      <a:schemeClr val="accent1">
+        <a:shade val="80000"/>
+      </a:schemeClr>
+    </dgm:fillClrLst>
+    <dgm:linClrLst meth="repeat">
+      <a:schemeClr val="accent1"/>
+    </dgm:linClrLst>
+    <dgm:effectClrLst/>
+    <dgm:txLinClrLst/>
+    <dgm:txFillClrLst meth="repeat">
+      <a:schemeClr val="lt1"/>
+    </dgm:txFillClrLst>
+    <dgm:txEffectClrLst/>
+  </dgm:styleLbl>
+  <dgm:styleLbl name="trBgShp">
+    <dgm:fillClrLst meth="repeat">
+      <a:schemeClr val="accent1">
+        <a:tint val="50000"/>
+        <a:alpha val="40000"/>
+      </a:schemeClr>
+    </dgm:fillClrLst>
+    <dgm:linClrLst meth="repeat">
+      <a:schemeClr val="accent1"/>
+    </dgm:linClrLst>
+    <dgm:effectClrLst/>
+    <dgm:txLinClrLst/>
+    <dgm:txFillClrLst meth="repeat">
+      <a:schemeClr val="lt1"/>
+    </dgm:txFillClrLst>
+    <dgm:txEffectClrLst/>
+  </dgm:styleLbl>
+  <dgm:styleLbl name="fgShp">
+    <dgm:fillClrLst meth="repeat">
+      <a:schemeClr val="accent1">
+        <a:tint val="60000"/>
+      </a:schemeClr>
+    </dgm:fillClrLst>
+    <dgm:linClrLst meth="repeat">
+      <a:schemeClr val="lt1"/>
+    </dgm:linClrLst>
+    <dgm:effectClrLst/>
+    <dgm:txLinClrLst/>
+    <dgm:txFillClrLst meth="repeat">
+      <a:schemeClr val="dk1"/>
+    </dgm:txFillClrLst>
+    <dgm:txEffectClrLst/>
+  </dgm:styleLbl>
+  <dgm:styleLbl name="revTx">
+    <dgm:fillClrLst meth="repeat">
+      <a:schemeClr val="lt1">
+        <a:alpha val="0"/>
+      </a:schemeClr>
+    </dgm:fillClrLst>
+    <dgm:linClrLst meth="repeat">
+      <a:schemeClr val="dk1">
+        <a:alpha val="0"/>
+      </a:schemeClr>
+    </dgm:linClrLst>
+    <dgm:effectClrLst/>
+    <dgm:txLinClrLst/>
+    <dgm:txFillClrLst meth="repeat">
+      <a:schemeClr val="tx1"/>
+    </dgm:txFillClrLst>
+    <dgm:txEffectClrLst/>
+  </dgm:styleLbl>
+</dgm:colorsDef>
+</file>
+
+<file path=ppt/diagrams/data1.xml><?xml version="1.0" encoding="utf-8"?>
+<dgm:dataModel xmlns:dgm="http://schemas.openxmlformats.org/drawingml/2006/diagram" xmlns:a="http://schemas.openxmlformats.org/drawingml/2006/main">
+  <dgm:ptLst>
+    <dgm:pt modelId="{4D7D60FA-ACE1-4698-824A-424AAC4A77EF}" type="doc">
+      <dgm:prSet loTypeId="urn:microsoft.com/office/officeart/2005/8/layout/vList5" loCatId="list" qsTypeId="urn:microsoft.com/office/officeart/2005/8/quickstyle/simple1" qsCatId="simple" csTypeId="urn:microsoft.com/office/officeart/2005/8/colors/accent1_2" csCatId="accent1" phldr="1"/>
+      <dgm:spPr/>
+      <dgm:t>
+        <a:bodyPr/>
+        <a:lstStyle/>
+        <a:p>
+          <a:endParaRPr lang="en-US"/>
+        </a:p>
+      </dgm:t>
+    </dgm:pt>
+    <dgm:pt modelId="{26AE94EC-AF2A-4D98-8795-AD683AFC67D2}">
+      <dgm:prSet phldrT="[Text]"/>
+      <dgm:spPr/>
+      <dgm:t>
+        <a:bodyPr/>
+        <a:lstStyle/>
+        <a:p>
+          <a:r>
+            <a:rPr lang="en-US" dirty="0" smtClean="0"/>
+            <a:t>Pros</a:t>
+          </a:r>
+          <a:endParaRPr lang="en-US" dirty="0"/>
+        </a:p>
+      </dgm:t>
+    </dgm:pt>
+    <dgm:pt modelId="{406572AB-40DB-48E9-877E-463ADB34C757}" type="parTrans" cxnId="{E2915A74-5F75-4E3C-92CF-6E62EBF0A2FF}">
+      <dgm:prSet/>
+      <dgm:spPr/>
+      <dgm:t>
+        <a:bodyPr/>
+        <a:lstStyle/>
+        <a:p>
+          <a:endParaRPr lang="en-US"/>
+        </a:p>
+      </dgm:t>
+    </dgm:pt>
+    <dgm:pt modelId="{54E657B7-4F2E-416F-9404-2A2EB6D2D4A0}" type="sibTrans" cxnId="{E2915A74-5F75-4E3C-92CF-6E62EBF0A2FF}">
+      <dgm:prSet/>
+      <dgm:spPr/>
+      <dgm:t>
+        <a:bodyPr/>
+        <a:lstStyle/>
+        <a:p>
+          <a:endParaRPr lang="en-US"/>
+        </a:p>
+      </dgm:t>
+    </dgm:pt>
+    <dgm:pt modelId="{AA677EB2-51DC-4A75-9018-A97C9584612B}">
+      <dgm:prSet phldrT="[Text]"/>
+      <dgm:spPr/>
+      <dgm:t>
+        <a:bodyPr/>
+        <a:lstStyle/>
+        <a:p>
+          <a:r>
+            <a:rPr lang="en-US" dirty="0" smtClean="0"/>
+            <a:t>Good Documentation</a:t>
+          </a:r>
+          <a:endParaRPr lang="en-US" dirty="0"/>
+        </a:p>
+      </dgm:t>
+    </dgm:pt>
+    <dgm:pt modelId="{C134D194-6EA9-4785-BED9-29802A715ABD}" type="parTrans" cxnId="{8943A201-6DB0-4260-B442-8071317CB17D}">
+      <dgm:prSet/>
+      <dgm:spPr/>
+      <dgm:t>
+        <a:bodyPr/>
+        <a:lstStyle/>
+        <a:p>
+          <a:endParaRPr lang="en-US"/>
+        </a:p>
+      </dgm:t>
+    </dgm:pt>
+    <dgm:pt modelId="{CE864CDF-D56F-4FB5-BE20-6AFF9B11E6A7}" type="sibTrans" cxnId="{8943A201-6DB0-4260-B442-8071317CB17D}">
+      <dgm:prSet/>
+      <dgm:spPr/>
+      <dgm:t>
+        <a:bodyPr/>
+        <a:lstStyle/>
+        <a:p>
+          <a:endParaRPr lang="en-US"/>
+        </a:p>
+      </dgm:t>
+    </dgm:pt>
+    <dgm:pt modelId="{EF39A31B-74CE-4E82-9DD2-C7C761AA81D2}">
+      <dgm:prSet phldrT="[Text]"/>
+      <dgm:spPr/>
+      <dgm:t>
+        <a:bodyPr/>
+        <a:lstStyle/>
+        <a:p>
+          <a:r>
+            <a:rPr lang="en-US" dirty="0" smtClean="0"/>
+            <a:t>Various Instruments</a:t>
+          </a:r>
+          <a:endParaRPr lang="en-US" dirty="0"/>
+        </a:p>
+      </dgm:t>
+    </dgm:pt>
+    <dgm:pt modelId="{4204A5FD-9C53-4B35-9191-99958A6306AA}" type="parTrans" cxnId="{4DD72703-4062-4432-BEF8-147CDC601F72}">
+      <dgm:prSet/>
+      <dgm:spPr/>
+      <dgm:t>
+        <a:bodyPr/>
+        <a:lstStyle/>
+        <a:p>
+          <a:endParaRPr lang="en-US"/>
+        </a:p>
+      </dgm:t>
+    </dgm:pt>
+    <dgm:pt modelId="{188DA1CC-5E28-4D99-B2F8-D4A201762A0C}" type="sibTrans" cxnId="{4DD72703-4062-4432-BEF8-147CDC601F72}">
+      <dgm:prSet/>
+      <dgm:spPr/>
+      <dgm:t>
+        <a:bodyPr/>
+        <a:lstStyle/>
+        <a:p>
+          <a:endParaRPr lang="en-US"/>
+        </a:p>
+      </dgm:t>
+    </dgm:pt>
+    <dgm:pt modelId="{0CB3B1F7-E540-4B81-AD08-76BBB1E9CDCA}">
+      <dgm:prSet phldrT="[Text]"/>
+      <dgm:spPr/>
+      <dgm:t>
+        <a:bodyPr/>
+        <a:lstStyle/>
+        <a:p>
+          <a:r>
+            <a:rPr lang="en-US" dirty="0" smtClean="0"/>
+            <a:t>Cons</a:t>
+          </a:r>
+          <a:endParaRPr lang="en-US" dirty="0"/>
+        </a:p>
+      </dgm:t>
+    </dgm:pt>
+    <dgm:pt modelId="{6835E8A4-9EB9-47FD-B0A7-CA744211F0C6}" type="parTrans" cxnId="{21451AFE-37C3-4ED3-A610-643868DC2F6A}">
+      <dgm:prSet/>
+      <dgm:spPr/>
+      <dgm:t>
+        <a:bodyPr/>
+        <a:lstStyle/>
+        <a:p>
+          <a:endParaRPr lang="en-US"/>
+        </a:p>
+      </dgm:t>
+    </dgm:pt>
+    <dgm:pt modelId="{49E6A03B-913D-4DAC-921F-325C2F505200}" type="sibTrans" cxnId="{21451AFE-37C3-4ED3-A610-643868DC2F6A}">
+      <dgm:prSet/>
+      <dgm:spPr/>
+      <dgm:t>
+        <a:bodyPr/>
+        <a:lstStyle/>
+        <a:p>
+          <a:endParaRPr lang="en-US"/>
+        </a:p>
+      </dgm:t>
+    </dgm:pt>
+    <dgm:pt modelId="{20672938-0D36-43D6-86AC-8389156B8A6B}">
+      <dgm:prSet phldrT="[Text]"/>
+      <dgm:spPr/>
+      <dgm:t>
+        <a:bodyPr/>
+        <a:lstStyle/>
+        <a:p>
+          <a:r>
+            <a:rPr lang="en-US" dirty="0" smtClean="0"/>
+            <a:t>Difficulties when using non-best HTML structure</a:t>
+          </a:r>
+          <a:endParaRPr lang="en-US" dirty="0"/>
+        </a:p>
+      </dgm:t>
+    </dgm:pt>
+    <dgm:pt modelId="{218A2EF4-8C14-4118-AA40-238AAF483A8C}" type="parTrans" cxnId="{7A857B9F-4B5A-4C2B-9EA6-19919CDD3631}">
+      <dgm:prSet/>
+      <dgm:spPr/>
+      <dgm:t>
+        <a:bodyPr/>
+        <a:lstStyle/>
+        <a:p>
+          <a:endParaRPr lang="en-US"/>
+        </a:p>
+      </dgm:t>
+    </dgm:pt>
+    <dgm:pt modelId="{10F59FB7-2962-40C7-A97D-7E6A20260A61}" type="sibTrans" cxnId="{7A857B9F-4B5A-4C2B-9EA6-19919CDD3631}">
+      <dgm:prSet/>
+      <dgm:spPr/>
+      <dgm:t>
+        <a:bodyPr/>
+        <a:lstStyle/>
+        <a:p>
+          <a:endParaRPr lang="en-US"/>
+        </a:p>
+      </dgm:t>
+    </dgm:pt>
+    <dgm:pt modelId="{1AC9F2A9-C610-4D8B-BCE2-2691AD1E843D}">
+      <dgm:prSet phldrT="[Text]"/>
+      <dgm:spPr/>
+      <dgm:t>
+        <a:bodyPr/>
+        <a:lstStyle/>
+        <a:p>
+          <a:r>
+            <a:rPr lang="en-US" dirty="0" smtClean="0"/>
+            <a:t>Can be accidentally thrown an “Directory not found exception”</a:t>
+          </a:r>
+          <a:endParaRPr lang="en-US" dirty="0"/>
+        </a:p>
+      </dgm:t>
+    </dgm:pt>
+    <dgm:pt modelId="{3FC76F23-E0D6-4421-8C89-7F23B4DB3BFE}" type="parTrans" cxnId="{C7CDAE3F-5268-4626-9828-A637D83B8FB9}">
+      <dgm:prSet/>
+      <dgm:spPr/>
+      <dgm:t>
+        <a:bodyPr/>
+        <a:lstStyle/>
+        <a:p>
+          <a:endParaRPr lang="en-US"/>
+        </a:p>
+      </dgm:t>
+    </dgm:pt>
+    <dgm:pt modelId="{C4CD254A-90BC-418D-AA50-368754F13CD7}" type="sibTrans" cxnId="{C7CDAE3F-5268-4626-9828-A637D83B8FB9}">
+      <dgm:prSet/>
+      <dgm:spPr/>
+      <dgm:t>
+        <a:bodyPr/>
+        <a:lstStyle/>
+        <a:p>
+          <a:endParaRPr lang="en-US"/>
+        </a:p>
+      </dgm:t>
+    </dgm:pt>
+    <dgm:pt modelId="{859894A0-A44E-47C3-B680-93240143C432}">
+      <dgm:prSet phldrT="[Text]"/>
+      <dgm:spPr/>
+      <dgm:t>
+        <a:bodyPr/>
+        <a:lstStyle/>
+        <a:p>
+          <a:r>
+            <a:rPr lang="en-US" dirty="0" smtClean="0"/>
+            <a:t>Easy to work in general</a:t>
+          </a:r>
+          <a:endParaRPr lang="en-US" dirty="0"/>
+        </a:p>
+      </dgm:t>
+    </dgm:pt>
+    <dgm:pt modelId="{D45643B2-D847-4803-899A-47A6A5294524}" type="parTrans" cxnId="{4D324CB0-00C0-4D88-8DAD-9BEF6047F736}">
+      <dgm:prSet/>
+      <dgm:spPr/>
+      <dgm:t>
+        <a:bodyPr/>
+        <a:lstStyle/>
+        <a:p>
+          <a:endParaRPr lang="en-US"/>
+        </a:p>
+      </dgm:t>
+    </dgm:pt>
+    <dgm:pt modelId="{796C9429-6E67-4A88-9F1C-6EC20D0258DC}" type="sibTrans" cxnId="{4D324CB0-00C0-4D88-8DAD-9BEF6047F736}">
+      <dgm:prSet/>
+      <dgm:spPr/>
+      <dgm:t>
+        <a:bodyPr/>
+        <a:lstStyle/>
+        <a:p>
+          <a:endParaRPr lang="en-US"/>
+        </a:p>
+      </dgm:t>
+    </dgm:pt>
+    <dgm:pt modelId="{78371243-1A99-4938-9385-5F00B7933E31}" type="pres">
+      <dgm:prSet presAssocID="{4D7D60FA-ACE1-4698-824A-424AAC4A77EF}" presName="Name0" presStyleCnt="0">
+        <dgm:presLayoutVars>
+          <dgm:dir/>
+          <dgm:animLvl val="lvl"/>
+          <dgm:resizeHandles val="exact"/>
+        </dgm:presLayoutVars>
+      </dgm:prSet>
+      <dgm:spPr/>
+    </dgm:pt>
+    <dgm:pt modelId="{7C093604-A1AF-40AF-990E-A0AF2D7FFEC3}" type="pres">
+      <dgm:prSet presAssocID="{26AE94EC-AF2A-4D98-8795-AD683AFC67D2}" presName="linNode" presStyleCnt="0"/>
+      <dgm:spPr/>
+    </dgm:pt>
+    <dgm:pt modelId="{258566A4-033E-4C2B-B43C-36ED2E0F43B6}" type="pres">
+      <dgm:prSet presAssocID="{26AE94EC-AF2A-4D98-8795-AD683AFC67D2}" presName="parentText" presStyleLbl="node1" presStyleIdx="0" presStyleCnt="2">
+        <dgm:presLayoutVars>
+          <dgm:chMax val="1"/>
+          <dgm:bulletEnabled val="1"/>
+        </dgm:presLayoutVars>
+      </dgm:prSet>
+      <dgm:spPr/>
+    </dgm:pt>
+    <dgm:pt modelId="{8390BF4F-F856-4F41-BDF7-E63A6D07DAF8}" type="pres">
+      <dgm:prSet presAssocID="{26AE94EC-AF2A-4D98-8795-AD683AFC67D2}" presName="descendantText" presStyleLbl="alignAccFollowNode1" presStyleIdx="0" presStyleCnt="2">
+        <dgm:presLayoutVars>
+          <dgm:bulletEnabled val="1"/>
+        </dgm:presLayoutVars>
+      </dgm:prSet>
+      <dgm:spPr/>
+      <dgm:t>
+        <a:bodyPr/>
+        <a:lstStyle/>
+        <a:p>
+          <a:endParaRPr lang="en-US"/>
+        </a:p>
+      </dgm:t>
+    </dgm:pt>
+    <dgm:pt modelId="{21AC4B30-A355-4C5B-80BF-BC8E7A67B6F0}" type="pres">
+      <dgm:prSet presAssocID="{54E657B7-4F2E-416F-9404-2A2EB6D2D4A0}" presName="sp" presStyleCnt="0"/>
+      <dgm:spPr/>
+    </dgm:pt>
+    <dgm:pt modelId="{92E6BEBB-E565-4AB4-B29F-0C42DFF2D457}" type="pres">
+      <dgm:prSet presAssocID="{0CB3B1F7-E540-4B81-AD08-76BBB1E9CDCA}" presName="linNode" presStyleCnt="0"/>
+      <dgm:spPr/>
+    </dgm:pt>
+    <dgm:pt modelId="{8D84ECD9-2DB0-4B5A-A783-30A089CAED24}" type="pres">
+      <dgm:prSet presAssocID="{0CB3B1F7-E540-4B81-AD08-76BBB1E9CDCA}" presName="parentText" presStyleLbl="node1" presStyleIdx="1" presStyleCnt="2">
+        <dgm:presLayoutVars>
+          <dgm:chMax val="1"/>
+          <dgm:bulletEnabled val="1"/>
+        </dgm:presLayoutVars>
+      </dgm:prSet>
+      <dgm:spPr/>
+    </dgm:pt>
+    <dgm:pt modelId="{F3594678-428E-4AB3-862F-BE7B84E8E9AD}" type="pres">
+      <dgm:prSet presAssocID="{0CB3B1F7-E540-4B81-AD08-76BBB1E9CDCA}" presName="descendantText" presStyleLbl="alignAccFollowNode1" presStyleIdx="1" presStyleCnt="2">
+        <dgm:presLayoutVars>
+          <dgm:bulletEnabled val="1"/>
+        </dgm:presLayoutVars>
+      </dgm:prSet>
+      <dgm:spPr/>
+      <dgm:t>
+        <a:bodyPr/>
+        <a:lstStyle/>
+        <a:p>
+          <a:endParaRPr lang="en-US"/>
+        </a:p>
+      </dgm:t>
+    </dgm:pt>
+  </dgm:ptLst>
+  <dgm:cxnLst>
+    <dgm:cxn modelId="{E22DEB0B-D811-4ACC-AF81-62B0ACA34FCB}" type="presOf" srcId="{20672938-0D36-43D6-86AC-8389156B8A6B}" destId="{F3594678-428E-4AB3-862F-BE7B84E8E9AD}" srcOrd="0" destOrd="0" presId="urn:microsoft.com/office/officeart/2005/8/layout/vList5"/>
+    <dgm:cxn modelId="{21451AFE-37C3-4ED3-A610-643868DC2F6A}" srcId="{4D7D60FA-ACE1-4698-824A-424AAC4A77EF}" destId="{0CB3B1F7-E540-4B81-AD08-76BBB1E9CDCA}" srcOrd="1" destOrd="0" parTransId="{6835E8A4-9EB9-47FD-B0A7-CA744211F0C6}" sibTransId="{49E6A03B-913D-4DAC-921F-325C2F505200}"/>
+    <dgm:cxn modelId="{7A857B9F-4B5A-4C2B-9EA6-19919CDD3631}" srcId="{0CB3B1F7-E540-4B81-AD08-76BBB1E9CDCA}" destId="{20672938-0D36-43D6-86AC-8389156B8A6B}" srcOrd="0" destOrd="0" parTransId="{218A2EF4-8C14-4118-AA40-238AAF483A8C}" sibTransId="{10F59FB7-2962-40C7-A97D-7E6A20260A61}"/>
+    <dgm:cxn modelId="{8943A201-6DB0-4260-B442-8071317CB17D}" srcId="{26AE94EC-AF2A-4D98-8795-AD683AFC67D2}" destId="{AA677EB2-51DC-4A75-9018-A97C9584612B}" srcOrd="0" destOrd="0" parTransId="{C134D194-6EA9-4785-BED9-29802A715ABD}" sibTransId="{CE864CDF-D56F-4FB5-BE20-6AFF9B11E6A7}"/>
+    <dgm:cxn modelId="{C7CDAE3F-5268-4626-9828-A637D83B8FB9}" srcId="{0CB3B1F7-E540-4B81-AD08-76BBB1E9CDCA}" destId="{1AC9F2A9-C610-4D8B-BCE2-2691AD1E843D}" srcOrd="1" destOrd="0" parTransId="{3FC76F23-E0D6-4421-8C89-7F23B4DB3BFE}" sibTransId="{C4CD254A-90BC-418D-AA50-368754F13CD7}"/>
+    <dgm:cxn modelId="{0C0DB3CD-1E80-4AEE-9DD7-5F7A3801BB89}" type="presOf" srcId="{1AC9F2A9-C610-4D8B-BCE2-2691AD1E843D}" destId="{F3594678-428E-4AB3-862F-BE7B84E8E9AD}" srcOrd="0" destOrd="1" presId="urn:microsoft.com/office/officeart/2005/8/layout/vList5"/>
+    <dgm:cxn modelId="{697AE67F-E351-4E58-83BD-81D7CB560F93}" type="presOf" srcId="{EF39A31B-74CE-4E82-9DD2-C7C761AA81D2}" destId="{8390BF4F-F856-4F41-BDF7-E63A6D07DAF8}" srcOrd="0" destOrd="1" presId="urn:microsoft.com/office/officeart/2005/8/layout/vList5"/>
+    <dgm:cxn modelId="{4D324CB0-00C0-4D88-8DAD-9BEF6047F736}" srcId="{26AE94EC-AF2A-4D98-8795-AD683AFC67D2}" destId="{859894A0-A44E-47C3-B680-93240143C432}" srcOrd="2" destOrd="0" parTransId="{D45643B2-D847-4803-899A-47A6A5294524}" sibTransId="{796C9429-6E67-4A88-9F1C-6EC20D0258DC}"/>
+    <dgm:cxn modelId="{57710D95-2E69-4DAA-A300-EF5F2D132A7C}" type="presOf" srcId="{4D7D60FA-ACE1-4698-824A-424AAC4A77EF}" destId="{78371243-1A99-4938-9385-5F00B7933E31}" srcOrd="0" destOrd="0" presId="urn:microsoft.com/office/officeart/2005/8/layout/vList5"/>
+    <dgm:cxn modelId="{4A026413-E1A0-43E5-8DFF-B1A7F9C4C718}" type="presOf" srcId="{0CB3B1F7-E540-4B81-AD08-76BBB1E9CDCA}" destId="{8D84ECD9-2DB0-4B5A-A783-30A089CAED24}" srcOrd="0" destOrd="0" presId="urn:microsoft.com/office/officeart/2005/8/layout/vList5"/>
+    <dgm:cxn modelId="{94E44A00-33CA-492C-99DE-4D1E15183536}" type="presOf" srcId="{859894A0-A44E-47C3-B680-93240143C432}" destId="{8390BF4F-F856-4F41-BDF7-E63A6D07DAF8}" srcOrd="0" destOrd="2" presId="urn:microsoft.com/office/officeart/2005/8/layout/vList5"/>
+    <dgm:cxn modelId="{3B65C2C5-AAA7-4519-8C88-C68CF30B1691}" type="presOf" srcId="{AA677EB2-51DC-4A75-9018-A97C9584612B}" destId="{8390BF4F-F856-4F41-BDF7-E63A6D07DAF8}" srcOrd="0" destOrd="0" presId="urn:microsoft.com/office/officeart/2005/8/layout/vList5"/>
+    <dgm:cxn modelId="{4DD72703-4062-4432-BEF8-147CDC601F72}" srcId="{26AE94EC-AF2A-4D98-8795-AD683AFC67D2}" destId="{EF39A31B-74CE-4E82-9DD2-C7C761AA81D2}" srcOrd="1" destOrd="0" parTransId="{4204A5FD-9C53-4B35-9191-99958A6306AA}" sibTransId="{188DA1CC-5E28-4D99-B2F8-D4A201762A0C}"/>
+    <dgm:cxn modelId="{7113DBA4-F07A-4035-9EC6-4C4ABADBEE44}" type="presOf" srcId="{26AE94EC-AF2A-4D98-8795-AD683AFC67D2}" destId="{258566A4-033E-4C2B-B43C-36ED2E0F43B6}" srcOrd="0" destOrd="0" presId="urn:microsoft.com/office/officeart/2005/8/layout/vList5"/>
+    <dgm:cxn modelId="{E2915A74-5F75-4E3C-92CF-6E62EBF0A2FF}" srcId="{4D7D60FA-ACE1-4698-824A-424AAC4A77EF}" destId="{26AE94EC-AF2A-4D98-8795-AD683AFC67D2}" srcOrd="0" destOrd="0" parTransId="{406572AB-40DB-48E9-877E-463ADB34C757}" sibTransId="{54E657B7-4F2E-416F-9404-2A2EB6D2D4A0}"/>
+    <dgm:cxn modelId="{7FA4BB63-33B4-4B30-82B7-7E18CCC301F2}" type="presParOf" srcId="{78371243-1A99-4938-9385-5F00B7933E31}" destId="{7C093604-A1AF-40AF-990E-A0AF2D7FFEC3}" srcOrd="0" destOrd="0" presId="urn:microsoft.com/office/officeart/2005/8/layout/vList5"/>
+    <dgm:cxn modelId="{8BEF8EEB-19D3-4460-A245-959BED29C7DA}" type="presParOf" srcId="{7C093604-A1AF-40AF-990E-A0AF2D7FFEC3}" destId="{258566A4-033E-4C2B-B43C-36ED2E0F43B6}" srcOrd="0" destOrd="0" presId="urn:microsoft.com/office/officeart/2005/8/layout/vList5"/>
+    <dgm:cxn modelId="{3CD58166-4B9A-4007-A9D8-62CF82789279}" type="presParOf" srcId="{7C093604-A1AF-40AF-990E-A0AF2D7FFEC3}" destId="{8390BF4F-F856-4F41-BDF7-E63A6D07DAF8}" srcOrd="1" destOrd="0" presId="urn:microsoft.com/office/officeart/2005/8/layout/vList5"/>
+    <dgm:cxn modelId="{991257DA-27BE-4094-B7E8-081E80BA94FD}" type="presParOf" srcId="{78371243-1A99-4938-9385-5F00B7933E31}" destId="{21AC4B30-A355-4C5B-80BF-BC8E7A67B6F0}" srcOrd="1" destOrd="0" presId="urn:microsoft.com/office/officeart/2005/8/layout/vList5"/>
+    <dgm:cxn modelId="{F2828ABD-35F7-47A0-A877-C8B38D713B0F}" type="presParOf" srcId="{78371243-1A99-4938-9385-5F00B7933E31}" destId="{92E6BEBB-E565-4AB4-B29F-0C42DFF2D457}" srcOrd="2" destOrd="0" presId="urn:microsoft.com/office/officeart/2005/8/layout/vList5"/>
+    <dgm:cxn modelId="{9EF61E05-2E0D-4C15-9A88-B9CA8A5B6839}" type="presParOf" srcId="{92E6BEBB-E565-4AB4-B29F-0C42DFF2D457}" destId="{8D84ECD9-2DB0-4B5A-A783-30A089CAED24}" srcOrd="0" destOrd="0" presId="urn:microsoft.com/office/officeart/2005/8/layout/vList5"/>
+    <dgm:cxn modelId="{4326B2DE-7E56-45A6-9D2B-503C34145A60}" type="presParOf" srcId="{92E6BEBB-E565-4AB4-B29F-0C42DFF2D457}" destId="{F3594678-428E-4AB3-862F-BE7B84E8E9AD}" srcOrd="1" destOrd="0" presId="urn:microsoft.com/office/officeart/2005/8/layout/vList5"/>
+  </dgm:cxnLst>
+  <dgm:bg/>
+  <dgm:whole/>
+  <dgm:extLst>
+    <a:ext uri="http://schemas.microsoft.com/office/drawing/2008/diagram">
+      <dsp:dataModelExt xmlns:dsp="http://schemas.microsoft.com/office/drawing/2008/diagram" relId="rId7" minVer="http://schemas.openxmlformats.org/drawingml/2006/diagram"/>
+    </a:ext>
+  </dgm:extLst>
+</dgm:dataModel>
+</file>
+
+<file path=ppt/diagrams/drawing1.xml><?xml version="1.0" encoding="utf-8"?>
+<dsp:drawing xmlns:dgm="http://schemas.openxmlformats.org/drawingml/2006/diagram" xmlns:dsp="http://schemas.microsoft.com/office/drawing/2008/diagram" xmlns:a="http://schemas.openxmlformats.org/drawingml/2006/main">
+  <dsp:spTree>
+    <dsp:nvGrpSpPr>
+      <dsp:cNvPr id="0" name=""/>
+      <dsp:cNvGrpSpPr/>
+    </dsp:nvGrpSpPr>
+    <dsp:grpSpPr/>
+    <dsp:sp modelId="{8390BF4F-F856-4F41-BDF7-E63A6D07DAF8}">
+      <dsp:nvSpPr>
+        <dsp:cNvPr id="0" name=""/>
+        <dsp:cNvSpPr/>
+      </dsp:nvSpPr>
+      <dsp:spPr>
+        <a:xfrm rot="5400000">
+          <a:off x="6054809" y="-2237510"/>
+          <a:ext cx="1569805" cy="6437376"/>
+        </a:xfrm>
+        <a:prstGeom prst="round2SameRect">
+          <a:avLst/>
+        </a:prstGeom>
+        <a:solidFill>
+          <a:schemeClr val="accent1">
+            <a:alpha val="90000"/>
+            <a:tint val="40000"/>
+            <a:hueOff val="0"/>
+            <a:satOff val="0"/>
+            <a:lumOff val="0"/>
+            <a:alphaOff val="0"/>
+          </a:schemeClr>
+        </a:solidFill>
+        <a:ln w="15875" cap="flat" cmpd="sng" algn="ctr">
+          <a:solidFill>
+            <a:schemeClr val="accent1">
+              <a:alpha val="90000"/>
+              <a:tint val="40000"/>
+              <a:hueOff val="0"/>
+              <a:satOff val="0"/>
+              <a:lumOff val="0"/>
+              <a:alphaOff val="0"/>
+            </a:schemeClr>
+          </a:solidFill>
+          <a:prstDash val="solid"/>
+        </a:ln>
+        <a:effectLst/>
+      </dsp:spPr>
+      <dsp:style>
+        <a:lnRef idx="2">
+          <a:scrgbClr r="0" g="0" b="0"/>
+        </a:lnRef>
+        <a:fillRef idx="1">
+          <a:scrgbClr r="0" g="0" b="0"/>
+        </a:fillRef>
+        <a:effectRef idx="0">
+          <a:scrgbClr r="0" g="0" b="0"/>
+        </a:effectRef>
+        <a:fontRef idx="minor"/>
+      </dsp:style>
+      <dsp:txBody>
+        <a:bodyPr spcFirstLastPara="0" vert="horz" wrap="square" lIns="87630" tIns="43815" rIns="87630" bIns="43815" numCol="1" spcCol="1270" anchor="ctr" anchorCtr="0">
+          <a:noAutofit/>
+        </a:bodyPr>
+        <a:lstStyle/>
+        <a:p>
+          <a:pPr marL="228600" lvl="1" indent="-228600" algn="l" defTabSz="1022350">
+            <a:lnSpc>
+              <a:spcPct val="90000"/>
+            </a:lnSpc>
+            <a:spcBef>
+              <a:spcPct val="0"/>
+            </a:spcBef>
+            <a:spcAft>
+              <a:spcPct val="15000"/>
+            </a:spcAft>
+            <a:buChar char="••"/>
+          </a:pPr>
+          <a:r>
+            <a:rPr lang="en-US" sz="2300" kern="1200" dirty="0" smtClean="0"/>
+            <a:t>Good Documentation</a:t>
+          </a:r>
+          <a:endParaRPr lang="en-US" sz="2300" kern="1200" dirty="0"/>
+        </a:p>
+        <a:p>
+          <a:pPr marL="228600" lvl="1" indent="-228600" algn="l" defTabSz="1022350">
+            <a:lnSpc>
+              <a:spcPct val="90000"/>
+            </a:lnSpc>
+            <a:spcBef>
+              <a:spcPct val="0"/>
+            </a:spcBef>
+            <a:spcAft>
+              <a:spcPct val="15000"/>
+            </a:spcAft>
+            <a:buChar char="••"/>
+          </a:pPr>
+          <a:r>
+            <a:rPr lang="en-US" sz="2300" kern="1200" dirty="0" smtClean="0"/>
+            <a:t>Various Instruments</a:t>
+          </a:r>
+          <a:endParaRPr lang="en-US" sz="2300" kern="1200" dirty="0"/>
+        </a:p>
+        <a:p>
+          <a:pPr marL="228600" lvl="1" indent="-228600" algn="l" defTabSz="1022350">
+            <a:lnSpc>
+              <a:spcPct val="90000"/>
+            </a:lnSpc>
+            <a:spcBef>
+              <a:spcPct val="0"/>
+            </a:spcBef>
+            <a:spcAft>
+              <a:spcPct val="15000"/>
+            </a:spcAft>
+            <a:buChar char="••"/>
+          </a:pPr>
+          <a:r>
+            <a:rPr lang="en-US" sz="2300" kern="1200" dirty="0" smtClean="0"/>
+            <a:t>Easy to work in general</a:t>
+          </a:r>
+          <a:endParaRPr lang="en-US" sz="2300" kern="1200" dirty="0"/>
+        </a:p>
+      </dsp:txBody>
+      <dsp:txXfrm rot="-5400000">
+        <a:off x="3621024" y="272907"/>
+        <a:ext cx="6360744" cy="1416541"/>
+      </dsp:txXfrm>
+    </dsp:sp>
+    <dsp:sp modelId="{258566A4-033E-4C2B-B43C-36ED2E0F43B6}">
+      <dsp:nvSpPr>
+        <dsp:cNvPr id="0" name=""/>
+        <dsp:cNvSpPr/>
+      </dsp:nvSpPr>
+      <dsp:spPr>
+        <a:xfrm>
+          <a:off x="0" y="49"/>
+          <a:ext cx="3621024" cy="1962256"/>
+        </a:xfrm>
+        <a:prstGeom prst="roundRect">
+          <a:avLst/>
+        </a:prstGeom>
+        <a:solidFill>
+          <a:schemeClr val="accent1">
+            <a:hueOff val="0"/>
+            <a:satOff val="0"/>
+            <a:lumOff val="0"/>
+            <a:alphaOff val="0"/>
+          </a:schemeClr>
+        </a:solidFill>
+        <a:ln w="15875" cap="flat" cmpd="sng" algn="ctr">
+          <a:solidFill>
+            <a:schemeClr val="lt1">
+              <a:hueOff val="0"/>
+              <a:satOff val="0"/>
+              <a:lumOff val="0"/>
+              <a:alphaOff val="0"/>
+            </a:schemeClr>
+          </a:solidFill>
+          <a:prstDash val="solid"/>
+        </a:ln>
+        <a:effectLst/>
+      </dsp:spPr>
+      <dsp:style>
+        <a:lnRef idx="2">
+          <a:scrgbClr r="0" g="0" b="0"/>
+        </a:lnRef>
+        <a:fillRef idx="1">
+          <a:scrgbClr r="0" g="0" b="0"/>
+        </a:fillRef>
+        <a:effectRef idx="0">
+          <a:scrgbClr r="0" g="0" b="0"/>
+        </a:effectRef>
+        <a:fontRef idx="minor">
+          <a:schemeClr val="lt1"/>
+        </a:fontRef>
+      </dsp:style>
+      <dsp:txBody>
+        <a:bodyPr spcFirstLastPara="0" vert="horz" wrap="square" lIns="247650" tIns="123825" rIns="247650" bIns="123825" numCol="1" spcCol="1270" anchor="ctr" anchorCtr="0">
+          <a:noAutofit/>
+        </a:bodyPr>
+        <a:lstStyle/>
+        <a:p>
+          <a:pPr lvl="0" algn="ctr" defTabSz="2889250">
+            <a:lnSpc>
+              <a:spcPct val="90000"/>
+            </a:lnSpc>
+            <a:spcBef>
+              <a:spcPct val="0"/>
+            </a:spcBef>
+            <a:spcAft>
+              <a:spcPct val="35000"/>
+            </a:spcAft>
+          </a:pPr>
+          <a:r>
+            <a:rPr lang="en-US" sz="6500" kern="1200" dirty="0" smtClean="0"/>
+            <a:t>Pros</a:t>
+          </a:r>
+          <a:endParaRPr lang="en-US" sz="6500" kern="1200" dirty="0"/>
+        </a:p>
+      </dsp:txBody>
+      <dsp:txXfrm>
+        <a:off x="95789" y="95838"/>
+        <a:ext cx="3429446" cy="1770678"/>
+      </dsp:txXfrm>
+    </dsp:sp>
+    <dsp:sp modelId="{F3594678-428E-4AB3-862F-BE7B84E8E9AD}">
+      <dsp:nvSpPr>
+        <dsp:cNvPr id="0" name=""/>
+        <dsp:cNvSpPr/>
+      </dsp:nvSpPr>
+      <dsp:spPr>
+        <a:xfrm rot="5400000">
+          <a:off x="6054809" y="-177140"/>
+          <a:ext cx="1569805" cy="6437376"/>
+        </a:xfrm>
+        <a:prstGeom prst="round2SameRect">
+          <a:avLst/>
+        </a:prstGeom>
+        <a:solidFill>
+          <a:schemeClr val="accent1">
+            <a:alpha val="90000"/>
+            <a:tint val="40000"/>
+            <a:hueOff val="0"/>
+            <a:satOff val="0"/>
+            <a:lumOff val="0"/>
+            <a:alphaOff val="0"/>
+          </a:schemeClr>
+        </a:solidFill>
+        <a:ln w="15875" cap="flat" cmpd="sng" algn="ctr">
+          <a:solidFill>
+            <a:schemeClr val="accent1">
+              <a:alpha val="90000"/>
+              <a:tint val="40000"/>
+              <a:hueOff val="0"/>
+              <a:satOff val="0"/>
+              <a:lumOff val="0"/>
+              <a:alphaOff val="0"/>
+            </a:schemeClr>
+          </a:solidFill>
+          <a:prstDash val="solid"/>
+        </a:ln>
+        <a:effectLst/>
+      </dsp:spPr>
+      <dsp:style>
+        <a:lnRef idx="2">
+          <a:scrgbClr r="0" g="0" b="0"/>
+        </a:lnRef>
+        <a:fillRef idx="1">
+          <a:scrgbClr r="0" g="0" b="0"/>
+        </a:fillRef>
+        <a:effectRef idx="0">
+          <a:scrgbClr r="0" g="0" b="0"/>
+        </a:effectRef>
+        <a:fontRef idx="minor"/>
+      </dsp:style>
+      <dsp:txBody>
+        <a:bodyPr spcFirstLastPara="0" vert="horz" wrap="square" lIns="87630" tIns="43815" rIns="87630" bIns="43815" numCol="1" spcCol="1270" anchor="ctr" anchorCtr="0">
+          <a:noAutofit/>
+        </a:bodyPr>
+        <a:lstStyle/>
+        <a:p>
+          <a:pPr marL="228600" lvl="1" indent="-228600" algn="l" defTabSz="1022350">
+            <a:lnSpc>
+              <a:spcPct val="90000"/>
+            </a:lnSpc>
+            <a:spcBef>
+              <a:spcPct val="0"/>
+            </a:spcBef>
+            <a:spcAft>
+              <a:spcPct val="15000"/>
+            </a:spcAft>
+            <a:buChar char="••"/>
+          </a:pPr>
+          <a:r>
+            <a:rPr lang="en-US" sz="2300" kern="1200" dirty="0" smtClean="0"/>
+            <a:t>Difficulties when using non-best HTML structure</a:t>
+          </a:r>
+          <a:endParaRPr lang="en-US" sz="2300" kern="1200" dirty="0"/>
+        </a:p>
+        <a:p>
+          <a:pPr marL="228600" lvl="1" indent="-228600" algn="l" defTabSz="1022350">
+            <a:lnSpc>
+              <a:spcPct val="90000"/>
+            </a:lnSpc>
+            <a:spcBef>
+              <a:spcPct val="0"/>
+            </a:spcBef>
+            <a:spcAft>
+              <a:spcPct val="15000"/>
+            </a:spcAft>
+            <a:buChar char="••"/>
+          </a:pPr>
+          <a:r>
+            <a:rPr lang="en-US" sz="2300" kern="1200" dirty="0" smtClean="0"/>
+            <a:t>Can be accidentally thrown an “Directory not found exception”</a:t>
+          </a:r>
+          <a:endParaRPr lang="en-US" sz="2300" kern="1200" dirty="0"/>
+        </a:p>
+      </dsp:txBody>
+      <dsp:txXfrm rot="-5400000">
+        <a:off x="3621024" y="2333277"/>
+        <a:ext cx="6360744" cy="1416541"/>
+      </dsp:txXfrm>
+    </dsp:sp>
+    <dsp:sp modelId="{8D84ECD9-2DB0-4B5A-A783-30A089CAED24}">
+      <dsp:nvSpPr>
+        <dsp:cNvPr id="0" name=""/>
+        <dsp:cNvSpPr/>
+      </dsp:nvSpPr>
+      <dsp:spPr>
+        <a:xfrm>
+          <a:off x="0" y="2060418"/>
+          <a:ext cx="3621024" cy="1962256"/>
+        </a:xfrm>
+        <a:prstGeom prst="roundRect">
+          <a:avLst/>
+        </a:prstGeom>
+        <a:solidFill>
+          <a:schemeClr val="accent1">
+            <a:hueOff val="0"/>
+            <a:satOff val="0"/>
+            <a:lumOff val="0"/>
+            <a:alphaOff val="0"/>
+          </a:schemeClr>
+        </a:solidFill>
+        <a:ln w="15875" cap="flat" cmpd="sng" algn="ctr">
+          <a:solidFill>
+            <a:schemeClr val="lt1">
+              <a:hueOff val="0"/>
+              <a:satOff val="0"/>
+              <a:lumOff val="0"/>
+              <a:alphaOff val="0"/>
+            </a:schemeClr>
+          </a:solidFill>
+          <a:prstDash val="solid"/>
+        </a:ln>
+        <a:effectLst/>
+      </dsp:spPr>
+      <dsp:style>
+        <a:lnRef idx="2">
+          <a:scrgbClr r="0" g="0" b="0"/>
+        </a:lnRef>
+        <a:fillRef idx="1">
+          <a:scrgbClr r="0" g="0" b="0"/>
+        </a:fillRef>
+        <a:effectRef idx="0">
+          <a:scrgbClr r="0" g="0" b="0"/>
+        </a:effectRef>
+        <a:fontRef idx="minor">
+          <a:schemeClr val="lt1"/>
+        </a:fontRef>
+      </dsp:style>
+      <dsp:txBody>
+        <a:bodyPr spcFirstLastPara="0" vert="horz" wrap="square" lIns="247650" tIns="123825" rIns="247650" bIns="123825" numCol="1" spcCol="1270" anchor="ctr" anchorCtr="0">
+          <a:noAutofit/>
+        </a:bodyPr>
+        <a:lstStyle/>
+        <a:p>
+          <a:pPr lvl="0" algn="ctr" defTabSz="2889250">
+            <a:lnSpc>
+              <a:spcPct val="90000"/>
+            </a:lnSpc>
+            <a:spcBef>
+              <a:spcPct val="0"/>
+            </a:spcBef>
+            <a:spcAft>
+              <a:spcPct val="35000"/>
+            </a:spcAft>
+          </a:pPr>
+          <a:r>
+            <a:rPr lang="en-US" sz="6500" kern="1200" dirty="0" smtClean="0"/>
+            <a:t>Cons</a:t>
+          </a:r>
+          <a:endParaRPr lang="en-US" sz="6500" kern="1200" dirty="0"/>
+        </a:p>
+      </dsp:txBody>
+      <dsp:txXfrm>
+        <a:off x="95789" y="2156207"/>
+        <a:ext cx="3429446" cy="1770678"/>
+      </dsp:txXfrm>
+    </dsp:sp>
+  </dsp:spTree>
+</dsp:drawing>
+</file>
+
+<file path=ppt/diagrams/layout1.xml><?xml version="1.0" encoding="utf-8"?>
+<dgm:layoutDef xmlns:dgm="http://schemas.openxmlformats.org/drawingml/2006/diagram" xmlns:a="http://schemas.openxmlformats.org/drawingml/2006/main" uniqueId="urn:microsoft.com/office/officeart/2005/8/layout/vList5">
+  <dgm:title val=""/>
+  <dgm:desc val=""/>
+  <dgm:catLst>
+    <dgm:cat type="list" pri="15000"/>
+    <dgm:cat type="convert" pri="2000"/>
+  </dgm:catLst>
+  <dgm:sampData>
+    <dgm:dataModel>
+      <dgm:ptLst>
+        <dgm:pt modelId="0" type="doc"/>
+        <dgm:pt modelId="1">
+          <dgm:prSet phldr="1"/>
+        </dgm:pt>
+        <dgm:pt modelId="11">
+          <dgm:prSet phldr="1"/>
+        </dgm:pt>
+        <dgm:pt modelId="12">
+          <dgm:prSet phldr="1"/>
+        </dgm:pt>
+        <dgm:pt modelId="2">
+          <dgm:prSet phldr="1"/>
+        </dgm:pt>
+        <dgm:pt modelId="21">
+          <dgm:prSet phldr="1"/>
+        </dgm:pt>
+        <dgm:pt modelId="22">
+          <dgm:prSet phldr="1"/>
+        </dgm:pt>
+        <dgm:pt modelId="3">
+          <dgm:prSet phldr="1"/>
+        </dgm:pt>
+        <dgm:pt modelId="31">
+          <dgm:prSet phldr="1"/>
+        </dgm:pt>
+        <dgm:pt modelId="32">
+          <dgm:prSet phldr="1"/>
+        </dgm:pt>
+      </dgm:ptLst>
+      <dgm:cxnLst>
+        <dgm:cxn modelId="4" srcId="0" destId="1" srcOrd="0" destOrd="0"/>
+        <dgm:cxn modelId="5" srcId="0" destId="2" srcOrd="1" destOrd="0"/>
+        <dgm:cxn modelId="6" srcId="0" destId="3" srcOrd="2" destOrd="0"/>
+        <dgm:cxn modelId="13" srcId="1" destId="11" srcOrd="0" destOrd="0"/>
+        <dgm:cxn modelId="14" srcId="1" destId="12" srcOrd="1" destOrd="0"/>
+        <dgm:cxn modelId="23" srcId="2" destId="21" srcOrd="0" destOrd="0"/>
+        <dgm:cxn modelId="24" srcId="2" destId="22" srcOrd="1" destOrd="0"/>
+        <dgm:cxn modelId="33" srcId="3" destId="31" srcOrd="0" destOrd="0"/>
+        <dgm:cxn modelId="34" srcId="3" destId="32" srcOrd="1" destOrd="0"/>
+      </dgm:cxnLst>
+      <dgm:bg/>
+      <dgm:whole/>
+    </dgm:dataModel>
+  </dgm:sampData>
+  <dgm:styleData>
+    <dgm:dataModel>
+      <dgm:ptLst>
+        <dgm:pt modelId="0" type="doc"/>
+        <dgm:pt modelId="1"/>
+        <dgm:pt modelId="11"/>
+        <dgm:pt modelId="2"/>
+        <dgm:pt modelId="21"/>
+      </dgm:ptLst>
+      <dgm:cxnLst>
+        <dgm:cxn modelId="4" srcId="0" destId="1" srcOrd="0" destOrd="0"/>
+        <dgm:cxn modelId="5" srcId="0" destId="2" srcOrd="1" destOrd="0"/>
+        <dgm:cxn modelId="13" srcId="1" destId="11" srcOrd="0" destOrd="0"/>
+        <dgm:cxn modelId="23" srcId="2" destId="21" srcOrd="0" destOrd="0"/>
+      </dgm:cxnLst>
+      <dgm:bg/>
+      <dgm:whole/>
+    </dgm:dataModel>
+  </dgm:styleData>
+  <dgm:clrData>
+    <dgm:dataModel>
+      <dgm:ptLst>
+        <dgm:pt modelId="0" type="doc"/>
+        <dgm:pt modelId="1"/>
+        <dgm:pt modelId="11"/>
+        <dgm:pt modelId="2"/>
+        <dgm:pt modelId="21"/>
+        <dgm:pt modelId="3"/>
+        <dgm:pt modelId="31"/>
+        <dgm:pt modelId="4"/>
+        <dgm:pt modelId="41"/>
+      </dgm:ptLst>
+      <dgm:cxnLst>
+        <dgm:cxn modelId="5" srcId="0" destId="1" srcOrd="0" destOrd="0"/>
+        <dgm:cxn modelId="6" srcId="0" destId="2" srcOrd="1" destOrd="0"/>
+        <dgm:cxn modelId="7" srcId="0" destId="3" srcOrd="2" destOrd="0"/>
+        <dgm:cxn modelId="8" srcId="0" destId="4" srcOrd="3" destOrd="0"/>
+        <dgm:cxn modelId="13" srcId="1" destId="11" srcOrd="0" destOrd="0"/>
+        <dgm:cxn modelId="23" srcId="2" destId="21" srcOrd="0" destOrd="0"/>
+        <dgm:cxn modelId="33" srcId="3" destId="31" srcOrd="0" destOrd="0"/>
+        <dgm:cxn modelId="43" srcId="4" destId="41" srcOrd="0" destOrd="0"/>
+      </dgm:cxnLst>
+      <dgm:bg/>
+      <dgm:whole/>
+    </dgm:dataModel>
+  </dgm:clrData>
+  <dgm:layoutNode name="Name0">
+    <dgm:varLst>
+      <dgm:dir/>
+      <dgm:animLvl val="lvl"/>
+      <dgm:resizeHandles val="exact"/>
+    </dgm:varLst>
+    <dgm:choose name="Name1">
+      <dgm:if name="Name2" func="var" arg="dir" op="equ" val="norm">
+        <dgm:alg type="lin">
+          <dgm:param type="linDir" val="fromT"/>
+          <dgm:param type="nodeHorzAlign" val="l"/>
+        </dgm:alg>
+      </dgm:if>
+      <dgm:else name="Name3">
+        <dgm:alg type="lin">
+          <dgm:param type="linDir" val="fromT"/>
+          <dgm:param type="nodeHorzAlign" val="r"/>
+        </dgm:alg>
+      </dgm:else>
+    </dgm:choose>
+    <dgm:shape xmlns:r="http://schemas.openxmlformats.org/officeDocument/2006/relationships" r:blip="">
+      <dgm:adjLst/>
+    </dgm:shape>
+    <dgm:presOf/>
+    <dgm:constrLst>
+      <dgm:constr type="h" for="ch" forName="linNode" refType="h"/>
+      <dgm:constr type="w" for="ch" forName="linNode" refType="w"/>
+      <dgm:constr type="h" for="ch" forName="sp" refType="h" fact="0.05"/>
+      <dgm:constr type="primFontSz" for="des" forName="parentText" op="equ" val="65"/>
+      <dgm:constr type="secFontSz" for="des" forName="descendantText" op="equ"/>
+    </dgm:constrLst>
+    <dgm:ruleLst/>
+    <dgm:forEach name="Name4" axis="ch" ptType="node">
+      <dgm:layoutNode name="linNode">
+        <dgm:choose name="Name5">
+          <dgm:if name="Name6" func="var" arg="dir" op="equ" val="norm">
+            <dgm:alg type="lin">
+              <dgm:param type="linDir" val="fromL"/>
+            </dgm:alg>
+          </dgm:if>
+          <dgm:else name="Name7">
+            <dgm:alg type="lin">
+              <dgm:param type="linDir" val="fromR"/>
+            </dgm:alg>
+          </dgm:else>
+        </dgm:choose>
+        <dgm:shape xmlns:r="http://schemas.openxmlformats.org/officeDocument/2006/relationships" r:blip="">
+          <dgm:adjLst/>
+        </dgm:shape>
+        <dgm:presOf/>
+        <dgm:constrLst>
+          <dgm:constr type="w" for="ch" forName="parentText" refType="w" fact="0.36"/>
+          <dgm:constr type="w" for="ch" forName="descendantText" refType="w" fact="0.64"/>
+          <dgm:constr type="h" for="ch" forName="parentText" refType="h"/>
+          <dgm:constr type="h" for="ch" forName="descendantText" refType="h" refFor="ch" refForName="parentText" fact="0.8"/>
+        </dgm:constrLst>
+        <dgm:ruleLst/>
+        <dgm:layoutNode name="parentText">
+          <dgm:varLst>
+            <dgm:chMax val="1"/>
+            <dgm:bulletEnabled val="1"/>
+          </dgm:varLst>
+          <dgm:alg type="tx"/>
+          <dgm:shape xmlns:r="http://schemas.openxmlformats.org/officeDocument/2006/relationships" type="roundRect" r:blip="" zOrderOff="3">
+            <dgm:adjLst/>
+          </dgm:shape>
+          <dgm:presOf axis="self" ptType="node"/>
+          <dgm:constrLst>
+            <dgm:constr type="tMarg" refType="primFontSz" fact="0.15"/>
+            <dgm:constr type="bMarg" refType="primFontSz" fact="0.15"/>
+            <dgm:constr type="lMarg" refType="primFontSz" fact="0.3"/>
+            <dgm:constr type="rMarg" refType="primFontSz" fact="0.3"/>
+          </dgm:constrLst>
+          <dgm:ruleLst>
+            <dgm:rule type="primFontSz" val="5" fact="NaN" max="NaN"/>
+          </dgm:ruleLst>
+        </dgm:layoutNode>
+        <dgm:choose name="Name8">
+          <dgm:if name="Name9" axis="ch" ptType="node" func="cnt" op="gte" val="1">
+            <dgm:layoutNode name="descendantText" styleLbl="alignAccFollowNode1">
+              <dgm:varLst>
+                <dgm:bulletEnabled val="1"/>
+              </dgm:varLst>
+              <dgm:alg type="tx">
+                <dgm:param type="stBulletLvl" val="1"/>
+                <dgm:param type="txAnchorVertCh" val="mid"/>
+              </dgm:alg>
+              <dgm:choose name="Name10">
+                <dgm:if name="Name11" func="var" arg="dir" op="equ" val="norm">
+                  <dgm:shape xmlns:r="http://schemas.openxmlformats.org/officeDocument/2006/relationships" rot="90" type="round2SameRect" r:blip="">
+                    <dgm:adjLst/>
+                  </dgm:shape>
+                </dgm:if>
+                <dgm:else name="Name12">
+                  <dgm:shape xmlns:r="http://schemas.openxmlformats.org/officeDocument/2006/relationships" rot="-90" type="round2SameRect" r:blip="">
+                    <dgm:adjLst/>
+                  </dgm:shape>
+                </dgm:else>
+              </dgm:choose>
+              <dgm:presOf axis="des" ptType="node"/>
+              <dgm:constrLst>
+                <dgm:constr type="secFontSz" val="65"/>
+                <dgm:constr type="primFontSz" refType="secFontSz"/>
+                <dgm:constr type="lMarg" refType="secFontSz" fact="0.3"/>
+                <dgm:constr type="rMarg" refType="secFontSz" fact="0.3"/>
+                <dgm:constr type="tMarg" refType="secFontSz" fact="0.15"/>
+                <dgm:constr type="bMarg" refType="secFontSz" fact="0.15"/>
+              </dgm:constrLst>
+              <dgm:ruleLst>
+                <dgm:rule type="secFontSz" val="5" fact="NaN" max="NaN"/>
+              </dgm:ruleLst>
+            </dgm:layoutNode>
+          </dgm:if>
+          <dgm:else name="Name13"/>
+        </dgm:choose>
+      </dgm:layoutNode>
+      <dgm:forEach name="Name14" axis="followSib" ptType="sibTrans" cnt="1">
+        <dgm:layoutNode name="sp">
+          <dgm:alg type="sp"/>
+          <dgm:shape xmlns:r="http://schemas.openxmlformats.org/officeDocument/2006/relationships" r:blip="">
+            <dgm:adjLst/>
+          </dgm:shape>
+          <dgm:presOf/>
+          <dgm:constrLst/>
+          <dgm:ruleLst/>
+        </dgm:layoutNode>
+      </dgm:forEach>
+    </dgm:forEach>
+  </dgm:layoutNode>
+</dgm:layoutDef>
+</file>
+
+<file path=ppt/diagrams/quickStyle1.xml><?xml version="1.0" encoding="utf-8"?>
+<dgm:styleDef xmlns:dgm="http://schemas.openxmlformats.org/drawingml/2006/diagram" xmlns:a="http://schemas.openxmlformats.org/drawingml/2006/main" uniqueId="urn:microsoft.com/office/officeart/2005/8/quickstyle/simple1">
+  <dgm:title val=""/>
+  <dgm:desc val=""/>
+  <dgm:catLst>
+    <dgm:cat type="simple" pri="10100"/>
+  </dgm:catLst>
+  <dgm:scene3d>
+    <a:camera prst="orthographicFront"/>
+    <a:lightRig rig="threePt" dir="t"/>
+  </dgm:scene3d>
+  <dgm:styleLbl name="node0">
+    <dgm:scene3d>
+      <a:camera prst="orthographicFront"/>
+      <a:lightRig rig="threePt" dir="t"/>
+    </dgm:scene3d>
+    <dgm:sp3d/>
+    <dgm:txPr/>
+    <dgm:style>
+      <a:lnRef idx="2">
+        <a:scrgbClr r="0" g="0" b="0"/>
+      </a:lnRef>
+      <a:fillRef idx="1">
+        <a:scrgbClr r="0" g="0" b="0"/>
+      </a:fillRef>
+      <a:effectRef idx="0">
+        <a:scrgbClr r="0" g="0" b="0"/>
+      </a:effectRef>
+      <a:fontRef idx="minor">
+        <a:schemeClr val="lt1"/>
+      </a:fontRef>
+    </dgm:style>
+  </dgm:styleLbl>
+  <dgm:styleLbl name="lnNode1">
+    <dgm:scene3d>
+      <a:camera prst="orthographicFront"/>
+      <a:lightRig rig="threePt" dir="t"/>
+    </dgm:scene3d>
+    <dgm:sp3d/>
+    <dgm:txPr/>
+    <dgm:style>
+      <a:lnRef idx="2">
+        <a:scrgbClr r="0" g="0" b="0"/>
+      </a:lnRef>
+      <a:fillRef idx="1">
+        <a:scrgbClr r="0" g="0" b="0"/>
+      </a:fillRef>
+      <a:effectRef idx="0">
+        <a:scrgbClr r="0" g="0" b="0"/>
+      </a:effectRef>
+      <a:fontRef idx="minor">
+        <a:schemeClr val="lt1"/>
+      </a:fontRef>
+    </dgm:style>
+  </dgm:styleLbl>
+  <dgm:styleLbl name="vennNode1">
+    <dgm:scene3d>
+      <a:camera prst="orthographicFront"/>
+      <a:lightRig rig="threePt" dir="t"/>
+    </dgm:scene3d>
+    <dgm:sp3d/>
+    <dgm:txPr/>
+    <dgm:style>
+      <a:lnRef idx="2">
+        <a:scrgbClr r="0" g="0" b="0"/>
+      </a:lnRef>
+      <a:fillRef idx="1">
+        <a:scrgbClr r="0" g="0" b="0"/>
+      </a:fillRef>
+      <a:effectRef idx="0">
+        <a:scrgbClr r="0" g="0" b="0"/>
+      </a:effectRef>
+      <a:fontRef idx="minor">
+        <a:schemeClr val="tx1"/>
+      </a:fontRef>
+    </dgm:style>
+  </dgm:styleLbl>
+  <dgm:styleLbl name="alignNode1">
+    <dgm:scene3d>
+      <a:camera prst="orthographicFront"/>
+      <a:lightRig rig="threePt" dir="t"/>
+    </dgm:scene3d>
+    <dgm:sp3d/>
+    <dgm:txPr/>
+    <dgm:style>
+      <a:lnRef idx="2">
+        <a:scrgbClr r="0" g="0" b="0"/>
+      </a:lnRef>
+      <a:fillRef idx="1">
+        <a:scrgbClr r="0" g="0" b="0"/>
+      </a:fillRef>
+      <a:effectRef idx="0">
+        <a:scrgbClr r="0" g="0" b="0"/>
+      </a:effectRef>
+      <a:fontRef idx="minor">
+        <a:schemeClr val="lt1"/>
+      </a:fontRef>
+    </dgm:style>
+  </dgm:styleLbl>
+  <dgm:styleLbl name="node1">
+    <dgm:scene3d>
+      <a:camera prst="orthographicFront"/>
+      <a:lightRig rig="threePt" dir="t"/>
+    </dgm:scene3d>
+    <dgm:sp3d/>
+    <dgm:txPr/>
+    <dgm:style>
+      <a:lnRef idx="2">
+        <a:scrgbClr r="0" g="0" b="0"/>
+      </a:lnRef>
+      <a:fillRef idx="1">
+        <a:scrgbClr r="0" g="0" b="0"/>
+      </a:fillRef>
+      <a:effectRef idx="0">
+        <a:scrgbClr r="0" g="0" b="0"/>
+      </a:effectRef>
+      <a:fontRef idx="minor">
+        <a:schemeClr val="lt1"/>
+      </a:fontRef>
+    </dgm:style>
+  </dgm:styleLbl>
+  <dgm:styleLbl name="node2">
+    <dgm:scene3d>
+      <a:camera prst="orthographicFront"/>
+      <a:lightRig rig="threePt" dir="t"/>
+    </dgm:scene3d>
+    <dgm:sp3d/>
+    <dgm:txPr/>
+    <dgm:style>
+      <a:lnRef idx="2">
+        <a:scrgbClr r="0" g="0" b="0"/>
+      </a:lnRef>
+      <a:fillRef idx="1">
+        <a:scrgbClr r="0" g="0" b="0"/>
+      </a:fillRef>
+      <a:effectRef idx="0">
+        <a:scrgbClr r="0" g="0" b="0"/>
+      </a:effectRef>
+      <a:fontRef idx="minor">
+        <a:schemeClr val="lt1"/>
+      </a:fontRef>
+    </dgm:style>
+  </dgm:styleLbl>
+  <dgm:styleLbl name="node3">
+    <dgm:scene3d>
+      <a:camera prst="orthographicFront"/>
+      <a:lightRig rig="threePt" dir="t"/>
+    </dgm:scene3d>
+    <dgm:sp3d/>
+    <dgm:txPr/>
+    <dgm:style>
+      <a:lnRef idx="2">
+        <a:scrgbClr r="0" g="0" b="0"/>
+      </a:lnRef>
+      <a:fillRef idx="1">
+        <a:scrgbClr r="0" g="0" b="0"/>
+      </a:fillRef>
+      <a:effectRef idx="0">
+        <a:scrgbClr r="0" g="0" b="0"/>
+      </a:effectRef>
+      <a:fontRef idx="minor">
+        <a:schemeClr val="lt1"/>
+      </a:fontRef>
+    </dgm:style>
+  </dgm:styleLbl>
+  <dgm:styleLbl name="node4">
+    <dgm:scene3d>
+      <a:camera prst="orthographicFront"/>
+      <a:lightRig rig="threePt" dir="t"/>
+    </dgm:scene3d>
+    <dgm:sp3d/>
+    <dgm:txPr/>
+    <dgm:style>
+      <a:lnRef idx="2">
+        <a:scrgbClr r="0" g="0" b="0"/>
+      </a:lnRef>
+      <a:fillRef idx="1">
+        <a:scrgbClr r="0" g="0" b="0"/>
+      </a:fillRef>
+      <a:effectRef idx="0">
+        <a:scrgbClr r="0" g="0" b="0"/>
+      </a:effectRef>
+      <a:fontRef idx="minor">
+        <a:schemeClr val="lt1"/>
+      </a:fontRef>
+    </dgm:style>
+  </dgm:styleLbl>
+  <dgm:styleLbl name="fgImgPlace1">
+    <dgm:scene3d>
+      <a:camera prst="orthographicFront"/>
+      <a:lightRig rig="threePt" dir="t"/>
+    </dgm:scene3d>
+    <dgm:sp3d/>
+    <dgm:txPr/>
+    <dgm:style>
+      <a:lnRef idx="2">
+        <a:scrgbClr r="0" g="0" b="0"/>
+      </a:lnRef>
+      <a:fillRef idx="1">
+        <a:scrgbClr r="0" g="0" b="0"/>
+      </a:fillRef>
+      <a:effectRef idx="0">
+        <a:scrgbClr r="0" g="0" b="0"/>
+      </a:effectRef>
+      <a:fontRef idx="minor"/>
+    </dgm:style>
+  </dgm:styleLbl>
+  <dgm:styleLbl name="alignImgPlace1">
+    <dgm:scene3d>
+      <a:camera prst="orthographicFront"/>
+      <a:lightRig rig="threePt" dir="t"/>
+    </dgm:scene3d>
+    <dgm:sp3d/>
+    <dgm:txPr/>
+    <dgm:style>
+      <a:lnRef idx="2">
+        <a:scrgbClr r="0" g="0" b="0"/>
+      </a:lnRef>
+      <a:fillRef idx="1">
+        <a:scrgbClr r="0" g="0" b="0"/>
+      </a:fillRef>
+      <a:effectRef idx="0">
+        <a:scrgbClr r="0" g="0" b="0"/>
+      </a:effectRef>
+      <a:fontRef idx="minor"/>
+    </dgm:style>
+  </dgm:styleLbl>
+  <dgm:styleLbl name="bgImgPlace1">
+    <dgm:scene3d>
+      <a:camera prst="orthographicFront"/>
+      <a:lightRig rig="threePt" dir="t"/>
+    </dgm:scene3d>
+    <dgm:sp3d/>
+    <dgm:txPr/>
+    <dgm:style>
+      <a:lnRef idx="2">
+        <a:scrgbClr r="0" g="0" b="0"/>
+      </a:lnRef>
+      <a:fillRef idx="1">
+        <a:scrgbClr r="0" g="0" b="0"/>
+      </a:fillRef>
+      <a:effectRef idx="0">
+        <a:scrgbClr r="0" g="0" b="0"/>
+      </a:effectRef>
+      <a:fontRef idx="minor"/>
+    </dgm:style>
+  </dgm:styleLbl>
+  <dgm:styleLbl name="sibTrans2D1">
+    <dgm:scene3d>
+      <a:camera prst="orthographicFront"/>
+      <a:lightRig rig="threePt" dir="t"/>
+    </dgm:scene3d>
+    <dgm:sp3d/>
+    <dgm:txPr/>
+    <dgm:style>
+      <a:lnRef idx="0">
+        <a:scrgbClr r="0" g="0" b="0"/>
+      </a:lnRef>
+      <a:fillRef idx="1">
+        <a:scrgbClr r="0" g="0" b="0"/>
+      </a:fillRef>
+      <a:effectRef idx="0">
+        <a:scrgbClr r="0" g="0" b="0"/>
+      </a:effectRef>
+      <a:fontRef idx="minor">
+        <a:schemeClr val="lt1"/>
+      </a:fontRef>
+    </dgm:style>
+  </dgm:styleLbl>
+  <dgm:styleLbl name="fgSibTrans2D1">
+    <dgm:scene3d>
+      <a:camera prst="orthographicFront"/>
+      <a:lightRig rig="threePt" dir="t"/>
+    </dgm:scene3d>
+    <dgm:sp3d/>
+    <dgm:txPr/>
+    <dgm:style>
+      <a:lnRef idx="0">
+        <a:scrgbClr r="0" g="0" b="0"/>
+      </a:lnRef>
+      <a:fillRef idx="1">
+        <a:scrgbClr r="0" g="0" b="0"/>
+      </a:fillRef>
+      <a:effectRef idx="0">
+        <a:scrgbClr r="0" g="0" b="0"/>
+      </a:effectRef>
+      <a:fontRef idx="minor">
+        <a:schemeClr val="lt1"/>
+      </a:fontRef>
+    </dgm:style>
+  </dgm:styleLbl>
+  <dgm:styleLbl name="bgSibTrans2D1">
+    <dgm:scene3d>
+      <a:camera prst="orthographicFront"/>
+      <a:lightRig rig="threePt" dir="t"/>
+    </dgm:scene3d>
+    <dgm:sp3d/>
+    <dgm:txPr/>
+    <dgm:style>
+      <a:lnRef idx="0">
+        <a:scrgbClr r="0" g="0" b="0"/>
+      </a:lnRef>
+      <a:fillRef idx="1">
+        <a:scrgbClr r="0" g="0" b="0"/>
+      </a:fillRef>
+      <a:effectRef idx="0">
+        <a:scrgbClr r="0" g="0" b="0"/>
+      </a:effectRef>
+      <a:fontRef idx="minor">
+        <a:schemeClr val="lt1"/>
+      </a:fontRef>
+    </dgm:style>
+  </dgm:styleLbl>
+  <dgm:styleLbl name="sibTrans1D1">
+    <dgm:scene3d>
+      <a:camera prst="orthographicFront"/>
+      <a:lightRig rig="threePt" dir="t"/>
+    </dgm:scene3d>
+    <dgm:sp3d/>
+    <dgm:txPr/>
+    <dgm:style>
+      <a:lnRef idx="1">
+        <a:scrgbClr r="0" g="0" b="0"/>
+      </a:lnRef>
+      <a:fillRef idx="0">
+        <a:scrgbClr r="0" g="0" b="0"/>
+      </a:fillRef>
+      <a:effectRef idx="0">
+        <a:scrgbClr r="0" g="0" b="0"/>
+      </a:effectRef>
+      <a:fontRef idx="minor"/>
+    </dgm:style>
+  </dgm:styleLbl>
+  <dgm:styleLbl name="callout">
+    <dgm:scene3d>
+      <a:camera prst="orthographicFront"/>
+      <a:lightRig rig="threePt" dir="t"/>
+    </dgm:scene3d>
+    <dgm:sp3d/>
+    <dgm:txPr/>
+    <dgm:style>
+      <a:lnRef idx="2">
+        <a:scrgbClr r="0" g="0" b="0"/>
+      </a:lnRef>
+      <a:fillRef idx="1">
+        <a:scrgbClr r="0" g="0" b="0"/>
+      </a:fillRef>
+      <a:effectRef idx="0">
+        <a:scrgbClr r="0" g="0" b="0"/>
+      </a:effectRef>
+      <a:fontRef idx="minor"/>
+    </dgm:style>
+  </dgm:styleLbl>
+  <dgm:styleLbl name="asst0">
+    <dgm:scene3d>
+      <a:camera prst="orthographicFront"/>
+      <a:lightRig rig="threePt" dir="t"/>
+    </dgm:scene3d>
+    <dgm:sp3d/>
+    <dgm:txPr/>
+    <dgm:style>
+      <a:lnRef idx="2">
+        <a:scrgbClr r="0" g="0" b="0"/>
+      </a:lnRef>
+      <a:fillRef idx="1">
+        <a:scrgbClr r="0" g="0" b="0"/>
+      </a:fillRef>
+      <a:effectRef idx="0">
+        <a:scrgbClr r="0" g="0" b="0"/>
+      </a:effectRef>
+      <a:fontRef idx="minor">
+        <a:schemeClr val="lt1"/>
+      </a:fontRef>
+    </dgm:style>
+  </dgm:styleLbl>
+  <dgm:styleLbl name="asst1">
+    <dgm:scene3d>
+      <a:camera prst="orthographicFront"/>
+      <a:lightRig rig="threePt" dir="t"/>
+    </dgm:scene3d>
+    <dgm:sp3d/>
+    <dgm:txPr/>
+    <dgm:style>
+      <a:lnRef idx="2">
+        <a:scrgbClr r="0" g="0" b="0"/>
+      </a:lnRef>
+      <a:fillRef idx="1">
+        <a:scrgbClr r="0" g="0" b="0"/>
+      </a:fillRef>
+      <a:effectRef idx="0">
+        <a:scrgbClr r="0" g="0" b="0"/>
+      </a:effectRef>
+      <a:fontRef idx="minor">
+        <a:schemeClr val="lt1"/>
+      </a:fontRef>
+    </dgm:style>
+  </dgm:styleLbl>
+  <dgm:styleLbl name="asst2">
+    <dgm:scene3d>
+      <a:camera prst="orthographicFront"/>
+      <a:lightRig rig="threePt" dir="t"/>
+    </dgm:scene3d>
+    <dgm:sp3d/>
+    <dgm:txPr/>
+    <dgm:style>
+      <a:lnRef idx="2">
+        <a:scrgbClr r="0" g="0" b="0"/>
+      </a:lnRef>
+      <a:fillRef idx="1">
+        <a:scrgbClr r="0" g="0" b="0"/>
+      </a:fillRef>
+      <a:effectRef idx="0">
+        <a:scrgbClr r="0" g="0" b="0"/>
+      </a:effectRef>
+      <a:fontRef idx="minor">
+        <a:schemeClr val="lt1"/>
+      </a:fontRef>
+    </dgm:style>
+  </dgm:styleLbl>
+  <dgm:styleLbl name="asst3">
+    <dgm:scene3d>
+      <a:camera prst="orthographicFront"/>
+      <a:lightRig rig="threePt" dir="t"/>
+    </dgm:scene3d>
+    <dgm:sp3d/>
+    <dgm:txPr/>
+    <dgm:style>
+      <a:lnRef idx="2">
+        <a:scrgbClr r="0" g="0" b="0"/>
+      </a:lnRef>
+      <a:fillRef idx="1">
+        <a:scrgbClr r="0" g="0" b="0"/>
+      </a:fillRef>
+      <a:effectRef idx="0">
+        <a:scrgbClr r="0" g="0" b="0"/>
+      </a:effectRef>
+      <a:fontRef idx="minor">
+        <a:schemeClr val="lt1"/>
+      </a:fontRef>
+    </dgm:style>
+  </dgm:styleLbl>
+  <dgm:styleLbl name="asst4">
+    <dgm:scene3d>
+      <a:camera prst="orthographicFront"/>
+      <a:lightRig rig="threePt" dir="t"/>
+    </dgm:scene3d>
+    <dgm:sp3d/>
+    <dgm:txPr/>
+    <dgm:style>
+      <a:lnRef idx="2">
+        <a:scrgbClr r="0" g="0" b="0"/>
+      </a:lnRef>
+      <a:fillRef idx="1">
+        <a:scrgbClr r="0" g="0" b="0"/>
+      </a:fillRef>
+      <a:effectRef idx="0">
+        <a:scrgbClr r="0" g="0" b="0"/>
+      </a:effectRef>
+      <a:fontRef idx="minor">
+        <a:schemeClr val="lt1"/>
+      </a:fontRef>
+    </dgm:style>
+  </dgm:styleLbl>
+  <dgm:styleLbl name="parChTrans2D1">
+    <dgm:scene3d>
+      <a:camera prst="orthographicFront"/>
+      <a:lightRig rig="threePt" dir="t"/>
+    </dgm:scene3d>
+    <dgm:sp3d/>
+    <dgm:txPr/>
+    <dgm:style>
+      <a:lnRef idx="2">
+        <a:scrgbClr r="0" g="0" b="0"/>
+      </a:lnRef>
+      <a:fillRef idx="1">
+        <a:scrgbClr r="0" g="0" b="0"/>
+      </a:fillRef>
+      <a:effectRef idx="0">
+        <a:scrgbClr r="0" g="0" b="0"/>
+      </a:effectRef>
+      <a:fontRef idx="minor">
+        <a:schemeClr val="lt1"/>
+      </a:fontRef>
+    </dgm:style>
+  </dgm:styleLbl>
+  <dgm:styleLbl name="parChTrans2D2">
+    <dgm:scene3d>
+      <a:camera prst="orthographicFront"/>
+      <a:lightRig rig="threePt" dir="t"/>
+    </dgm:scene3d>
+    <dgm:sp3d/>
+    <dgm:txPr/>
+    <dgm:style>
+      <a:lnRef idx="2">
+        <a:scrgbClr r="0" g="0" b="0"/>
+      </a:lnRef>
+      <a:fillRef idx="1">
+        <a:scrgbClr r="0" g="0" b="0"/>
+      </a:fillRef>
+      <a:effectRef idx="0">
+        <a:scrgbClr r="0" g="0" b="0"/>
+      </a:effectRef>
+      <a:fontRef idx="minor">
+        <a:schemeClr val="lt1"/>
+      </a:fontRef>
+    </dgm:style>
+  </dgm:styleLbl>
+  <dgm:styleLbl name="parChTrans2D3">
+    <dgm:scene3d>
+      <a:camera prst="orthographicFront"/>
+      <a:lightRig rig="threePt" dir="t"/>
+    </dgm:scene3d>
+    <dgm:sp3d/>
+    <dgm:txPr/>
+    <dgm:style>
+      <a:lnRef idx="2">
+        <a:scrgbClr r="0" g="0" b="0"/>
+      </a:lnRef>
+      <a:fillRef idx="1">
+        <a:scrgbClr r="0" g="0" b="0"/>
+      </a:fillRef>
+      <a:effectRef idx="0">
+        <a:scrgbClr r="0" g="0" b="0"/>
+      </a:effectRef>
+      <a:fontRef idx="minor">
+        <a:schemeClr val="lt1"/>
+      </a:fontRef>
+    </dgm:style>
+  </dgm:styleLbl>
+  <dgm:styleLbl name="parChTrans2D4">
+    <dgm:scene3d>
+      <a:camera prst="orthographicFront"/>
+      <a:lightRig rig="threePt" dir="t"/>
+    </dgm:scene3d>
+    <dgm:sp3d/>
+    <dgm:txPr/>
+    <dgm:style>
+      <a:lnRef idx="2">
+        <a:scrgbClr r="0" g="0" b="0"/>
+      </a:lnRef>
+      <a:fillRef idx="1">
+        <a:scrgbClr r="0" g="0" b="0"/>
+      </a:fillRef>
+      <a:effectRef idx="0">
+        <a:scrgbClr r="0" g="0" b="0"/>
+      </a:effectRef>
+      <a:fontRef idx="minor">
+        <a:schemeClr val="lt1"/>
+      </a:fontRef>
+    </dgm:style>
+  </dgm:styleLbl>
+  <dgm:styleLbl name="parChTrans1D1">
+    <dgm:scene3d>
+      <a:camera prst="orthographicFront"/>
+      <a:lightRig rig="threePt" dir="t"/>
+    </dgm:scene3d>
+    <dgm:sp3d/>
+    <dgm:txPr/>
+    <dgm:style>
+      <a:lnRef idx="2">
+        <a:scrgbClr r="0" g="0" b="0"/>
+      </a:lnRef>
+      <a:fillRef idx="0">
+        <a:scrgbClr r="0" g="0" b="0"/>
+      </a:fillRef>
+      <a:effectRef idx="0">
+        <a:scrgbClr r="0" g="0" b="0"/>
+      </a:effectRef>
+      <a:fontRef idx="minor"/>
+    </dgm:style>
+  </dgm:styleLbl>
+  <dgm:styleLbl name="parChTrans1D2">
+    <dgm:scene3d>
+      <a:camera prst="orthographicFront"/>
+      <a:lightRig rig="threePt" dir="t"/>
+    </dgm:scene3d>
+    <dgm:sp3d/>
+    <dgm:txPr/>
+    <dgm:style>
+      <a:lnRef idx="2">
+        <a:scrgbClr r="0" g="0" b="0"/>
+      </a:lnRef>
+      <a:fillRef idx="0">
+        <a:scrgbClr r="0" g="0" b="0"/>
+      </a:fillRef>
+      <a:effectRef idx="0">
+        <a:scrgbClr r="0" g="0" b="0"/>
+      </a:effectRef>
+      <a:fontRef idx="minor"/>
+    </dgm:style>
+  </dgm:styleLbl>
+  <dgm:styleLbl name="parChTrans1D3">
+    <dgm:scene3d>
+      <a:camera prst="orthographicFront"/>
+      <a:lightRig rig="threePt" dir="t"/>
+    </dgm:scene3d>
+    <dgm:sp3d/>
+    <dgm:txPr/>
+    <dgm:style>
+      <a:lnRef idx="2">
+        <a:scrgbClr r="0" g="0" b="0"/>
+      </a:lnRef>
+      <a:fillRef idx="0">
+        <a:scrgbClr r="0" g="0" b="0"/>
+      </a:fillRef>
+      <a:effectRef idx="0">
+        <a:scrgbClr r="0" g="0" b="0"/>
+      </a:effectRef>
+      <a:fontRef idx="minor"/>
+    </dgm:style>
+  </dgm:styleLbl>
+  <dgm:styleLbl name="parChTrans1D4">
+    <dgm:scene3d>
+      <a:camera prst="orthographicFront"/>
+      <a:lightRig rig="threePt" dir="t"/>
+    </dgm:scene3d>
+    <dgm:sp3d/>
+    <dgm:txPr/>
+    <dgm:style>
+      <a:lnRef idx="2">
+        <a:scrgbClr r="0" g="0" b="0"/>
+      </a:lnRef>
+      <a:fillRef idx="0">
+        <a:scrgbClr r="0" g="0" b="0"/>
+      </a:fillRef>
+      <a:effectRef idx="0">
+        <a:scrgbClr r="0" g="0" b="0"/>
+      </a:effectRef>
+      <a:fontRef idx="minor"/>
+    </dgm:style>
+  </dgm:styleLbl>
+  <dgm:styleLbl name="fgAcc1">
+    <dgm:scene3d>
+      <a:camera prst="orthographicFront"/>
+      <a:lightRig rig="threePt" dir="t"/>
+    </dgm:scene3d>
+    <dgm:sp3d/>
+    <dgm:txPr/>
+    <dgm:style>
+      <a:lnRef idx="2">
+        <a:scrgbClr r="0" g="0" b="0"/>
+      </a:lnRef>
+      <a:fillRef idx="1">
+        <a:scrgbClr r="0" g="0" b="0"/>
+      </a:fillRef>
+      <a:effectRef idx="0">
+        <a:scrgbClr r="0" g="0" b="0"/>
+      </a:effectRef>
+      <a:fontRef idx="minor"/>
+    </dgm:style>
+  </dgm:styleLbl>
+  <dgm:styleLbl name="conFgAcc1">
+    <dgm:scene3d>
+      <a:camera prst="orthographicFront"/>
+      <a:lightRig rig="threePt" dir="t"/>
+    </dgm:scene3d>
+    <dgm:sp3d/>
+    <dgm:txPr/>
+    <dgm:style>
+      <a:lnRef idx="2">
+        <a:scrgbClr r="0" g="0" b="0"/>
+      </a:lnRef>
+      <a:fillRef idx="1">
+        <a:scrgbClr r="0" g="0" b="0"/>
+      </a:fillRef>
+      <a:effectRef idx="0">
+        <a:scrgbClr r="0" g="0" b="0"/>
+      </a:effectRef>
+      <a:fontRef idx="minor"/>
+    </dgm:style>
+  </dgm:styleLbl>
+  <dgm:styleLbl name="alignAcc1">
+    <dgm:scene3d>
+      <a:camera prst="orthographicFront"/>
+      <a:lightRig rig="threePt" dir="t"/>
+    </dgm:scene3d>
+    <dgm:sp3d/>
+    <dgm:txPr/>
+    <dgm:style>
+      <a:lnRef idx="2">
+        <a:scrgbClr r="0" g="0" b="0"/>
+      </a:lnRef>
+      <a:fillRef idx="1">
+        <a:scrgbClr r="0" g="0" b="0"/>
+      </a:fillRef>
+      <a:effectRef idx="0">
+        <a:scrgbClr r="0" g="0" b="0"/>
+      </a:effectRef>
+      <a:fontRef idx="minor"/>
+    </dgm:style>
+  </dgm:styleLbl>
+  <dgm:styleLbl name="trAlignAcc1">
+    <dgm:scene3d>
+      <a:camera prst="orthographicFront"/>
+      <a:lightRig rig="threePt" dir="t"/>
+    </dgm:scene3d>
+    <dgm:sp3d/>
+    <dgm:txPr/>
+    <dgm:style>
+      <a:lnRef idx="1">
+        <a:scrgbClr r="0" g="0" b="0"/>
+      </a:lnRef>
+      <a:fillRef idx="1">
+        <a:scrgbClr r="0" g="0" b="0"/>
+      </a:fillRef>
+      <a:effectRef idx="0">
+        <a:scrgbClr r="0" g="0" b="0"/>
+      </a:effectRef>
+      <a:fontRef idx="minor"/>
+    </dgm:style>
+  </dgm:styleLbl>
+  <dgm:styleLbl name="bgAcc1">
+    <dgm:scene3d>
+      <a:camera prst="orthographicFront"/>
+      <a:lightRig rig="threePt" dir="t"/>
+    </dgm:scene3d>
+    <dgm:sp3d/>
+    <dgm:txPr/>
+    <dgm:style>
+      <a:lnRef idx="2">
+        <a:scrgbClr r="0" g="0" b="0"/>
+      </a:lnRef>
+      <a:fillRef idx="1">
+        <a:scrgbClr r="0" g="0" b="0"/>
+      </a:fillRef>
+      <a:effectRef idx="0">
+        <a:scrgbClr r="0" g="0" b="0"/>
+      </a:effectRef>
+      <a:fontRef idx="minor"/>
+    </dgm:style>
+  </dgm:styleLbl>
+  <dgm:styleLbl name="solidFgAcc1">
+    <dgm:scene3d>
+      <a:camera prst="orthographicFront"/>
+      <a:lightRig rig="threePt" dir="t"/>
+    </dgm:scene3d>
+    <dgm:sp3d/>
+    <dgm:txPr/>
+    <dgm:style>
+      <a:lnRef idx="2">
+        <a:scrgbClr r="0" g="0" b="0"/>
+      </a:lnRef>
+      <a:fillRef idx="1">
+        <a:scrgbClr r="0" g="0" b="0"/>
+      </a:fillRef>
+      <a:effectRef idx="0">
+        <a:scrgbClr r="0" g="0" b="0"/>
+      </a:effectRef>
+      <a:fontRef idx="minor"/>
+    </dgm:style>
+  </dgm:styleLbl>
+  <dgm:styleLbl name="solidAlignAcc1">
+    <dgm:scene3d>
+      <a:camera prst="orthographicFront"/>
+      <a:lightRig rig="threePt" dir="t"/>
+    </dgm:scene3d>
+    <dgm:sp3d/>
+    <dgm:txPr/>
+    <dgm:style>
+      <a:lnRef idx="2">
+        <a:scrgbClr r="0" g="0" b="0"/>
+      </a:lnRef>
+      <a:fillRef idx="1">
+        <a:scrgbClr r="0" g="0" b="0"/>
+      </a:fillRef>
+      <a:effectRef idx="0">
+        <a:scrgbClr r="0" g="0" b="0"/>
+      </a:effectRef>
+      <a:fontRef idx="minor"/>
+    </dgm:style>
+  </dgm:styleLbl>
+  <dgm:styleLbl name="solidBgAcc1">
+    <dgm:scene3d>
+      <a:camera prst="orthographicFront"/>
+      <a:lightRig rig="threePt" dir="t"/>
+    </dgm:scene3d>
+    <dgm:sp3d/>
+    <dgm:txPr/>
+    <dgm:style>
+      <a:lnRef idx="2">
+        <a:scrgbClr r="0" g="0" b="0"/>
+      </a:lnRef>
+      <a:fillRef idx="1">
+        <a:scrgbClr r="0" g="0" b="0"/>
+      </a:fillRef>
+      <a:effectRef idx="0">
+        <a:scrgbClr r="0" g="0" b="0"/>
+      </a:effectRef>
+      <a:fontRef idx="minor"/>
+    </dgm:style>
+  </dgm:styleLbl>
+  <dgm:styleLbl name="fgAccFollowNode1">
+    <dgm:scene3d>
+      <a:camera prst="orthographicFront"/>
+      <a:lightRig rig="threePt" dir="t"/>
+    </dgm:scene3d>
+    <dgm:sp3d/>
+    <dgm:txPr/>
+    <dgm:style>
+      <a:lnRef idx="2">
+        <a:scrgbClr r="0" g="0" b="0"/>
+      </a:lnRef>
+      <a:fillRef idx="1">
+        <a:scrgbClr r="0" g="0" b="0"/>
+      </a:fillRef>
+      <a:effectRef idx="0">
+        <a:scrgbClr r="0" g="0" b="0"/>
+      </a:effectRef>
+      <a:fontRef idx="minor"/>
+    </dgm:style>
+  </dgm:styleLbl>
+  <dgm:styleLbl name="alignAccFollowNode1">
+    <dgm:scene3d>
+      <a:camera prst="orthographicFront"/>
+      <a:lightRig rig="threePt" dir="t"/>
+    </dgm:scene3d>
+    <dgm:sp3d/>
+    <dgm:txPr/>
+    <dgm:style>
+      <a:lnRef idx="2">
+        <a:scrgbClr r="0" g="0" b="0"/>
+      </a:lnRef>
+      <a:fillRef idx="1">
+        <a:scrgbClr r="0" g="0" b="0"/>
+      </a:fillRef>
+      <a:effectRef idx="0">
+        <a:scrgbClr r="0" g="0" b="0"/>
+      </a:effectRef>
+      <a:fontRef idx="minor"/>
+    </dgm:style>
+  </dgm:styleLbl>
+  <dgm:styleLbl name="bgAccFollowNode1">
+    <dgm:scene3d>
+      <a:camera prst="orthographicFront"/>
+      <a:lightRig rig="threePt" dir="t"/>
+    </dgm:scene3d>
+    <dgm:sp3d/>
+    <dgm:txPr/>
+    <dgm:style>
+      <a:lnRef idx="2">
+        <a:scrgbClr r="0" g="0" b="0"/>
+      </a:lnRef>
+      <a:fillRef idx="1">
+        <a:scrgbClr r="0" g="0" b="0"/>
+      </a:fillRef>
+      <a:effectRef idx="0">
+        <a:scrgbClr r="0" g="0" b="0"/>
+      </a:effectRef>
+      <a:fontRef idx="minor"/>
+    </dgm:style>
+  </dgm:styleLbl>
+  <dgm:styleLbl name="fgAcc0">
+    <dgm:scene3d>
+      <a:camera prst="orthographicFront"/>
+      <a:lightRig rig="threePt" dir="t"/>
+    </dgm:scene3d>
+    <dgm:sp3d/>
+    <dgm:txPr/>
+    <dgm:style>
+      <a:lnRef idx="2">
+        <a:scrgbClr r="0" g="0" b="0"/>
+      </a:lnRef>
+      <a:fillRef idx="1">
+        <a:scrgbClr r="0" g="0" b="0"/>
+      </a:fillRef>
+      <a:effectRef idx="0">
+        <a:scrgbClr r="0" g="0" b="0"/>
+      </a:effectRef>
+      <a:fontRef idx="minor"/>
+    </dgm:style>
+  </dgm:styleLbl>
+  <dgm:styleLbl name="fgAcc2">
+    <dgm:scene3d>
+      <a:camera prst="orthographicFront"/>
+      <a:lightRig rig="threePt" dir="t"/>
+    </dgm:scene3d>
+    <dgm:sp3d/>
+    <dgm:txPr/>
+    <dgm:style>
+      <a:lnRef idx="2">
+        <a:scrgbClr r="0" g="0" b="0"/>
+      </a:lnRef>
+      <a:fillRef idx="1">
+        <a:scrgbClr r="0" g="0" b="0"/>
+      </a:fillRef>
+      <a:effectRef idx="0">
+        <a:scrgbClr r="0" g="0" b="0"/>
+      </a:effectRef>
+      <a:fontRef idx="minor"/>
+    </dgm:style>
+  </dgm:styleLbl>
+  <dgm:styleLbl name="fgAcc3">
+    <dgm:scene3d>
+      <a:camera prst="orthographicFront"/>
+      <a:lightRig rig="threePt" dir="t"/>
+    </dgm:scene3d>
+    <dgm:sp3d/>
+    <dgm:txPr/>
+    <dgm:style>
+      <a:lnRef idx="2">
+        <a:scrgbClr r="0" g="0" b="0"/>
+      </a:lnRef>
+      <a:fillRef idx="1">
+        <a:scrgbClr r="0" g="0" b="0"/>
+      </a:fillRef>
+      <a:effectRef idx="0">
+        <a:scrgbClr r="0" g="0" b="0"/>
+      </a:effectRef>
+      <a:fontRef idx="minor"/>
+    </dgm:style>
+  </dgm:styleLbl>
+  <dgm:styleLbl name="fgAcc4">
+    <dgm:scene3d>
+      <a:camera prst="orthographicFront"/>
+      <a:lightRig rig="threePt" dir="t"/>
+    </dgm:scene3d>
+    <dgm:sp3d/>
+    <dgm:txPr/>
+    <dgm:style>
+      <a:lnRef idx="2">
+        <a:scrgbClr r="0" g="0" b="0"/>
+      </a:lnRef>
+      <a:fillRef idx="1">
+        <a:scrgbClr r="0" g="0" b="0"/>
+      </a:fillRef>
+      <a:effectRef idx="0">
+        <a:scrgbClr r="0" g="0" b="0"/>
+      </a:effectRef>
+      <a:fontRef idx="minor"/>
+    </dgm:style>
+  </dgm:styleLbl>
+  <dgm:styleLbl name="bgShp">
+    <dgm:scene3d>
+      <a:camera prst="orthographicFront"/>
+      <a:lightRig rig="threePt" dir="t"/>
+    </dgm:scene3d>
+    <dgm:sp3d/>
+    <dgm:txPr/>
+    <dgm:style>
+      <a:lnRef idx="0">
+        <a:scrgbClr r="0" g="0" b="0"/>
+      </a:lnRef>
+      <a:fillRef idx="1">
+        <a:scrgbClr r="0" g="0" b="0"/>
+      </a:fillRef>
+      <a:effectRef idx="0">
+        <a:scrgbClr r="0" g="0" b="0"/>
+      </a:effectRef>
+      <a:fontRef idx="minor"/>
+    </dgm:style>
+  </dgm:styleLbl>
+  <dgm:styleLbl name="dkBgShp">
+    <dgm:scene3d>
+      <a:camera prst="orthographicFront"/>
+      <a:lightRig rig="threePt" dir="t"/>
+    </dgm:scene3d>
+    <dgm:sp3d/>
+    <dgm:txPr/>
+    <dgm:style>
+      <a:lnRef idx="0">
+        <a:scrgbClr r="0" g="0" b="0"/>
+      </a:lnRef>
+      <a:fillRef idx="1">
+        <a:scrgbClr r="0" g="0" b="0"/>
+      </a:fillRef>
+      <a:effectRef idx="0">
+        <a:scrgbClr r="0" g="0" b="0"/>
+      </a:effectRef>
+      <a:fontRef idx="minor"/>
+    </dgm:style>
+  </dgm:styleLbl>
+  <dgm:styleLbl name="trBgShp">
+    <dgm:scene3d>
+      <a:camera prst="orthographicFront"/>
+      <a:lightRig rig="threePt" dir="t"/>
+    </dgm:scene3d>
+    <dgm:sp3d/>
+    <dgm:txPr/>
+    <dgm:style>
+      <a:lnRef idx="0">
+        <a:scrgbClr r="0" g="0" b="0"/>
+      </a:lnRef>
+      <a:fillRef idx="1">
+        <a:scrgbClr r="0" g="0" b="0"/>
+      </a:fillRef>
+      <a:effectRef idx="0">
+        <a:scrgbClr r="0" g="0" b="0"/>
+      </a:effectRef>
+      <a:fontRef idx="minor"/>
+    </dgm:style>
+  </dgm:styleLbl>
+  <dgm:styleLbl name="fgShp">
+    <dgm:scene3d>
+      <a:camera prst="orthographicFront"/>
+      <a:lightRig rig="threePt" dir="t"/>
+    </dgm:scene3d>
+    <dgm:sp3d/>
+    <dgm:txPr/>
+    <dgm:style>
+      <a:lnRef idx="2">
+        <a:scrgbClr r="0" g="0" b="0"/>
+      </a:lnRef>
+      <a:fillRef idx="1">
+        <a:scrgbClr r="0" g="0" b="0"/>
+      </a:fillRef>
+      <a:effectRef idx="0">
+        <a:scrgbClr r="0" g="0" b="0"/>
+      </a:effectRef>
+      <a:fontRef idx="minor"/>
+    </dgm:style>
+  </dgm:styleLbl>
+  <dgm:styleLbl name="revTx">
+    <dgm:scene3d>
+      <a:camera prst="orthographicFront"/>
+      <a:lightRig rig="threePt" dir="t"/>
+    </dgm:scene3d>
+    <dgm:sp3d/>
+    <dgm:txPr/>
+    <dgm:style>
+      <a:lnRef idx="0">
+        <a:scrgbClr r="0" g="0" b="0"/>
+      </a:lnRef>
+      <a:fillRef idx="0">
+        <a:scrgbClr r="0" g="0" b="0"/>
+      </a:fillRef>
+      <a:effectRef idx="0">
+        <a:scrgbClr r="0" g="0" b="0"/>
+      </a:effectRef>
+      <a:fontRef idx="minor"/>
+    </dgm:style>
+  </dgm:styleLbl>
+</dgm:styleDef>
+</file>
+
+<file path=ppt/notesMasters/notesMaster1.xml><?xml version="1.0" encoding="utf-8"?>
+<p:notesMaster xmlns:a="http://schemas.openxmlformats.org/drawingml/2006/main" xmlns:r="http://schemas.openxmlformats.org/officeDocument/2006/relationships" xmlns:p="http://schemas.openxmlformats.org/presentationml/2006/main">
+  <p:cSld>
+    <p:bg>
+      <p:bgRef idx="1001">
+        <a:schemeClr val="bg1"/>
+      </p:bgRef>
+    </p:bg>
+    <p:spTree>
+      <p:nvGrpSpPr>
+        <p:cNvPr id="1" name=""/>
+        <p:cNvGrpSpPr/>
+        <p:nvPr/>
+      </p:nvGrpSpPr>
+      <p:grpSpPr>
+        <a:xfrm>
+          <a:off x="0" y="0"/>
+          <a:ext cx="0" cy="0"/>
+          <a:chOff x="0" y="0"/>
+          <a:chExt cx="0" cy="0"/>
+        </a:xfrm>
+      </p:grpSpPr>
+      <p:sp>
+        <p:nvSpPr>
+          <p:cNvPr id="2" name="Header Placeholder 1"/>
+          <p:cNvSpPr>
+            <a:spLocks noGrp="1"/>
+          </p:cNvSpPr>
+          <p:nvPr>
+            <p:ph type="hdr" sz="quarter"/>
+          </p:nvPr>
+        </p:nvSpPr>
+        <p:spPr>
+          <a:xfrm>
+            <a:off x="0" y="0"/>
+            <a:ext cx="2971800" cy="458788"/>
+          </a:xfrm>
+          <a:prstGeom prst="rect">
+            <a:avLst/>
+          </a:prstGeom>
+        </p:spPr>
+        <p:txBody>
+          <a:bodyPr vert="horz" lIns="91440" tIns="45720" rIns="91440" bIns="45720" rtlCol="0"/>
+          <a:lstStyle>
+            <a:lvl1pPr algn="l">
+              <a:defRPr sz="1200"/>
+            </a:lvl1pPr>
+          </a:lstStyle>
+          <a:p>
+            <a:endParaRPr lang="uk-UA"/>
+          </a:p>
+        </p:txBody>
+      </p:sp>
+      <p:sp>
+        <p:nvSpPr>
+          <p:cNvPr id="3" name="Date Placeholder 2"/>
+          <p:cNvSpPr>
+            <a:spLocks noGrp="1"/>
+          </p:cNvSpPr>
+          <p:nvPr>
+            <p:ph type="dt" idx="1"/>
+          </p:nvPr>
+        </p:nvSpPr>
+        <p:spPr>
+          <a:xfrm>
+            <a:off x="3884613" y="0"/>
+            <a:ext cx="2971800" cy="458788"/>
+          </a:xfrm>
+          <a:prstGeom prst="rect">
+            <a:avLst/>
+          </a:prstGeom>
+        </p:spPr>
+        <p:txBody>
+          <a:bodyPr vert="horz" lIns="91440" tIns="45720" rIns="91440" bIns="45720" rtlCol="0"/>
+          <a:lstStyle>
+            <a:lvl1pPr algn="r">
+              <a:defRPr sz="1200"/>
+            </a:lvl1pPr>
+          </a:lstStyle>
+          <a:p>
+            <a:fld id="{80BA4606-B14D-45EF-8CAC-2D7780CCEFF2}" type="datetimeFigureOut">
+              <a:rPr lang="uk-UA" smtClean="0"/>
+              <a:t>08.04.2019</a:t>
+            </a:fld>
+            <a:endParaRPr lang="uk-UA"/>
+          </a:p>
+        </p:txBody>
+      </p:sp>
+      <p:sp>
+        <p:nvSpPr>
+          <p:cNvPr id="4" name="Slide Image Placeholder 3"/>
+          <p:cNvSpPr>
+            <a:spLocks noGrp="1" noRot="1" noChangeAspect="1"/>
+          </p:cNvSpPr>
+          <p:nvPr>
+            <p:ph type="sldImg" idx="2"/>
+          </p:nvPr>
+        </p:nvSpPr>
+        <p:spPr>
+          <a:xfrm>
+            <a:off x="685800" y="1143000"/>
+            <a:ext cx="5486400" cy="3086100"/>
+          </a:xfrm>
+          <a:prstGeom prst="rect">
+            <a:avLst/>
+          </a:prstGeom>
+          <a:noFill/>
+          <a:ln w="12700">
+            <a:solidFill>
+              <a:prstClr val="black"/>
+            </a:solidFill>
+          </a:ln>
+        </p:spPr>
+        <p:txBody>
+          <a:bodyPr vert="horz" lIns="91440" tIns="45720" rIns="91440" bIns="45720" rtlCol="0" anchor="ctr"/>
+          <a:lstStyle/>
+          <a:p>
+            <a:endParaRPr lang="uk-UA"/>
+          </a:p>
+        </p:txBody>
+      </p:sp>
+      <p:sp>
+        <p:nvSpPr>
+          <p:cNvPr id="5" name="Notes Placeholder 4"/>
+          <p:cNvSpPr>
+            <a:spLocks noGrp="1"/>
+          </p:cNvSpPr>
+          <p:nvPr>
+            <p:ph type="body" sz="quarter" idx="3"/>
+          </p:nvPr>
+        </p:nvSpPr>
+        <p:spPr>
+          <a:xfrm>
+            <a:off x="685800" y="4400550"/>
+            <a:ext cx="5486400" cy="3600450"/>
+          </a:xfrm>
+          <a:prstGeom prst="rect">
+            <a:avLst/>
+          </a:prstGeom>
+        </p:spPr>
+        <p:txBody>
+          <a:bodyPr vert="horz" lIns="91440" tIns="45720" rIns="91440" bIns="45720" rtlCol="0"/>
+          <a:lstStyle/>
+          <a:p>
+            <a:pPr lvl="0"/>
+            <a:r>
+              <a:rPr lang="en-US" smtClean="0"/>
+              <a:t>Edit Master text styles</a:t>
+            </a:r>
+          </a:p>
+          <a:p>
+            <a:pPr lvl="1"/>
+            <a:r>
+              <a:rPr lang="en-US" smtClean="0"/>
+              <a:t>Second level</a:t>
+            </a:r>
+          </a:p>
+          <a:p>
+            <a:pPr lvl="2"/>
+            <a:r>
+              <a:rPr lang="en-US" smtClean="0"/>
+              <a:t>Third level</a:t>
+            </a:r>
+          </a:p>
+          <a:p>
+            <a:pPr lvl="3"/>
+            <a:r>
+              <a:rPr lang="en-US" smtClean="0"/>
+              <a:t>Fourth level</a:t>
+            </a:r>
+          </a:p>
+          <a:p>
+            <a:pPr lvl="4"/>
+            <a:r>
+              <a:rPr lang="en-US" smtClean="0"/>
+              <a:t>Fifth level</a:t>
+            </a:r>
+            <a:endParaRPr lang="uk-UA"/>
+          </a:p>
+        </p:txBody>
+      </p:sp>
+      <p:sp>
+        <p:nvSpPr>
+          <p:cNvPr id="6" name="Footer Placeholder 5"/>
+          <p:cNvSpPr>
+            <a:spLocks noGrp="1"/>
+          </p:cNvSpPr>
+          <p:nvPr>
+            <p:ph type="ftr" sz="quarter" idx="4"/>
+          </p:nvPr>
+        </p:nvSpPr>
+        <p:spPr>
+          <a:xfrm>
+            <a:off x="0" y="8685213"/>
+            <a:ext cx="2971800" cy="458787"/>
+          </a:xfrm>
+          <a:prstGeom prst="rect">
+            <a:avLst/>
+          </a:prstGeom>
+        </p:spPr>
+        <p:txBody>
+          <a:bodyPr vert="horz" lIns="91440" tIns="45720" rIns="91440" bIns="45720" rtlCol="0" anchor="b"/>
+          <a:lstStyle>
+            <a:lvl1pPr algn="l">
+              <a:defRPr sz="1200"/>
+            </a:lvl1pPr>
+          </a:lstStyle>
+          <a:p>
+            <a:endParaRPr lang="uk-UA"/>
+          </a:p>
+        </p:txBody>
+      </p:sp>
+      <p:sp>
+        <p:nvSpPr>
+          <p:cNvPr id="7" name="Slide Number Placeholder 6"/>
+          <p:cNvSpPr>
+            <a:spLocks noGrp="1"/>
+          </p:cNvSpPr>
+          <p:nvPr>
+            <p:ph type="sldNum" sz="quarter" idx="5"/>
+          </p:nvPr>
+        </p:nvSpPr>
+        <p:spPr>
+          <a:xfrm>
+            <a:off x="3884613" y="8685213"/>
+            <a:ext cx="2971800" cy="458787"/>
+          </a:xfrm>
+          <a:prstGeom prst="rect">
+            <a:avLst/>
+          </a:prstGeom>
+        </p:spPr>
+        <p:txBody>
+          <a:bodyPr vert="horz" lIns="91440" tIns="45720" rIns="91440" bIns="45720" rtlCol="0" anchor="b"/>
+          <a:lstStyle>
+            <a:lvl1pPr algn="r">
+              <a:defRPr sz="1200"/>
+            </a:lvl1pPr>
+          </a:lstStyle>
+          <a:p>
+            <a:fld id="{90B2056C-F2F4-49F3-9520-6B94758027D3}" type="slidenum">
+              <a:rPr lang="uk-UA" smtClean="0"/>
+              <a:t>‹#›</a:t>
+            </a:fld>
+            <a:endParaRPr lang="uk-UA"/>
+          </a:p>
+        </p:txBody>
+      </p:sp>
+    </p:spTree>
+    <p:extLst>
+      <p:ext uri="{BB962C8B-B14F-4D97-AF65-F5344CB8AC3E}">
+        <p14:creationId xmlns:p14="http://schemas.microsoft.com/office/powerpoint/2010/main" val="632837299"/>
+      </p:ext>
+    </p:extLst>
+  </p:cSld>
+  <p:clrMap bg1="lt1" tx1="dk1" bg2="lt2" tx2="dk2" accent1="accent1" accent2="accent2" accent3="accent3" accent4="accent4" accent5="accent5" accent6="accent6" hlink="hlink" folHlink="folHlink"/>
+  <p:notesStyle>
+    <a:lvl1pPr marL="0" algn="l" defTabSz="914400" rtl="0" eaLnBrk="1" latinLnBrk="0" hangingPunct="1">
+      <a:defRPr sz="1200" kern="1200">
+        <a:solidFill>
+          <a:schemeClr val="tx1"/>
+        </a:solidFill>
+        <a:latin typeface="+mn-lt"/>
+        <a:ea typeface="+mn-ea"/>
+        <a:cs typeface="+mn-cs"/>
+      </a:defRPr>
+    </a:lvl1pPr>
+    <a:lvl2pPr marL="457200" algn="l" defTabSz="914400" rtl="0" eaLnBrk="1" latinLnBrk="0" hangingPunct="1">
+      <a:defRPr sz="1200" kern="1200">
+        <a:solidFill>
+          <a:schemeClr val="tx1"/>
+        </a:solidFill>
+        <a:latin typeface="+mn-lt"/>
+        <a:ea typeface="+mn-ea"/>
+        <a:cs typeface="+mn-cs"/>
+      </a:defRPr>
+    </a:lvl2pPr>
+    <a:lvl3pPr marL="914400" algn="l" defTabSz="914400" rtl="0" eaLnBrk="1" latinLnBrk="0" hangingPunct="1">
+      <a:defRPr sz="1200" kern="1200">
+        <a:solidFill>
+          <a:schemeClr val="tx1"/>
+        </a:solidFill>
+        <a:latin typeface="+mn-lt"/>
+        <a:ea typeface="+mn-ea"/>
+        <a:cs typeface="+mn-cs"/>
+      </a:defRPr>
+    </a:lvl3pPr>
+    <a:lvl4pPr marL="1371600" algn="l" defTabSz="914400" rtl="0" eaLnBrk="1" latinLnBrk="0" hangingPunct="1">
+      <a:defRPr sz="1200" kern="1200">
+        <a:solidFill>
+          <a:schemeClr val="tx1"/>
+        </a:solidFill>
+        <a:latin typeface="+mn-lt"/>
+        <a:ea typeface="+mn-ea"/>
+        <a:cs typeface="+mn-cs"/>
+      </a:defRPr>
+    </a:lvl4pPr>
+    <a:lvl5pPr marL="1828800" algn="l" defTabSz="914400" rtl="0" eaLnBrk="1" latinLnBrk="0" hangingPunct="1">
+      <a:defRPr sz="1200" kern="1200">
+        <a:solidFill>
+          <a:schemeClr val="tx1"/>
+        </a:solidFill>
+        <a:latin typeface="+mn-lt"/>
+        <a:ea typeface="+mn-ea"/>
+        <a:cs typeface="+mn-cs"/>
+      </a:defRPr>
+    </a:lvl5pPr>
+    <a:lvl6pPr marL="2286000" algn="l" defTabSz="914400" rtl="0" eaLnBrk="1" latinLnBrk="0" hangingPunct="1">
+      <a:defRPr sz="1200" kern="1200">
+        <a:solidFill>
+          <a:schemeClr val="tx1"/>
+        </a:solidFill>
+        <a:latin typeface="+mn-lt"/>
+        <a:ea typeface="+mn-ea"/>
+        <a:cs typeface="+mn-cs"/>
+      </a:defRPr>
+    </a:lvl6pPr>
+    <a:lvl7pPr marL="2743200" algn="l" defTabSz="914400" rtl="0" eaLnBrk="1" latinLnBrk="0" hangingPunct="1">
+      <a:defRPr sz="1200" kern="1200">
+        <a:solidFill>
+          <a:schemeClr val="tx1"/>
+        </a:solidFill>
+        <a:latin typeface="+mn-lt"/>
+        <a:ea typeface="+mn-ea"/>
+        <a:cs typeface="+mn-cs"/>
+      </a:defRPr>
+    </a:lvl7pPr>
+    <a:lvl8pPr marL="3200400" algn="l" defTabSz="914400" rtl="0" eaLnBrk="1" latinLnBrk="0" hangingPunct="1">
+      <a:defRPr sz="1200" kern="1200">
+        <a:solidFill>
+          <a:schemeClr val="tx1"/>
+        </a:solidFill>
+        <a:latin typeface="+mn-lt"/>
+        <a:ea typeface="+mn-ea"/>
+        <a:cs typeface="+mn-cs"/>
+      </a:defRPr>
+    </a:lvl8pPr>
+    <a:lvl9pPr marL="3657600" algn="l" defTabSz="914400" rtl="0" eaLnBrk="1" latinLnBrk="0" hangingPunct="1">
+      <a:defRPr sz="1200" kern="1200">
+        <a:solidFill>
+          <a:schemeClr val="tx1"/>
+        </a:solidFill>
+        <a:latin typeface="+mn-lt"/>
+        <a:ea typeface="+mn-ea"/>
+        <a:cs typeface="+mn-cs"/>
+      </a:defRPr>
+    </a:lvl9pPr>
+  </p:notesStyle>
+</p:notesMaster>
+</file>
+
+<file path=ppt/notesSlides/notesSlide1.xml><?xml version="1.0" encoding="utf-8"?>
+<p:notes xmlns:a="http://schemas.openxmlformats.org/drawingml/2006/main" xmlns:r="http://schemas.openxmlformats.org/officeDocument/2006/relationships" xmlns:p="http://schemas.openxmlformats.org/presentationml/2006/main">
+  <p:cSld>
+    <p:spTree>
+      <p:nvGrpSpPr>
+        <p:cNvPr id="1" name=""/>
+        <p:cNvGrpSpPr/>
+        <p:nvPr/>
+      </p:nvGrpSpPr>
+      <p:grpSpPr>
+        <a:xfrm>
+          <a:off x="0" y="0"/>
+          <a:ext cx="0" cy="0"/>
+          <a:chOff x="0" y="0"/>
+          <a:chExt cx="0" cy="0"/>
+        </a:xfrm>
+      </p:grpSpPr>
+      <p:sp>
+        <p:nvSpPr>
+          <p:cNvPr id="2" name="Slide Image Placeholder 1"/>
+          <p:cNvSpPr>
+            <a:spLocks noGrp="1" noRot="1" noChangeAspect="1"/>
+          </p:cNvSpPr>
+          <p:nvPr>
+            <p:ph type="sldImg"/>
+          </p:nvPr>
+        </p:nvSpPr>
+        <p:spPr/>
+      </p:sp>
+      <p:sp>
+        <p:nvSpPr>
+          <p:cNvPr id="3" name="Notes Placeholder 2"/>
+          <p:cNvSpPr>
+            <a:spLocks noGrp="1"/>
+          </p:cNvSpPr>
+          <p:nvPr>
+            <p:ph type="body" idx="1"/>
+          </p:nvPr>
+        </p:nvSpPr>
+        <p:spPr/>
+        <p:txBody>
+          <a:bodyPr/>
+          <a:lstStyle/>
+          <a:p>
+            <a:r>
+              <a:rPr lang="en-US" sz="1200" b="1" i="0" kern="1200" dirty="0" smtClean="0">
+                <a:solidFill>
+                  <a:schemeClr val="tx1"/>
+                </a:solidFill>
+                <a:effectLst/>
+                <a:latin typeface="+mn-lt"/>
+                <a:ea typeface="+mn-ea"/>
+                <a:cs typeface="+mn-cs"/>
+              </a:rPr>
+              <a:t>Selenium</a:t>
+            </a:r>
+            <a:r>
+              <a:rPr lang="en-US" sz="1200" b="0" i="0" kern="1200" dirty="0" smtClean="0">
+                <a:solidFill>
+                  <a:schemeClr val="tx1"/>
+                </a:solidFill>
+                <a:effectLst/>
+                <a:latin typeface="+mn-lt"/>
+                <a:ea typeface="+mn-ea"/>
+                <a:cs typeface="+mn-cs"/>
+              </a:rPr>
+              <a:t> is a portable </a:t>
+            </a:r>
+            <a:r>
+              <a:rPr lang="en-US" sz="1200" b="0" i="0" u="none" strike="noStrike" kern="1200" dirty="0" smtClean="0">
+                <a:solidFill>
+                  <a:schemeClr val="tx1"/>
+                </a:solidFill>
+                <a:effectLst/>
+                <a:latin typeface="+mn-lt"/>
+                <a:ea typeface="+mn-ea"/>
+                <a:cs typeface="+mn-cs"/>
+                <a:hlinkClick r:id="rId3" tooltip="Software framework"/>
+              </a:rPr>
+              <a:t>framework</a:t>
+            </a:r>
+            <a:r>
+              <a:rPr lang="en-US" sz="1200" b="0" i="0" kern="1200" dirty="0" smtClean="0">
+                <a:solidFill>
+                  <a:schemeClr val="tx1"/>
+                </a:solidFill>
+                <a:effectLst/>
+                <a:latin typeface="+mn-lt"/>
+                <a:ea typeface="+mn-ea"/>
+                <a:cs typeface="+mn-cs"/>
+              </a:rPr>
+              <a:t> for </a:t>
+            </a:r>
+            <a:r>
+              <a:rPr lang="en-US" sz="1200" b="0" i="0" u="none" strike="noStrike" kern="1200" dirty="0" smtClean="0">
+                <a:solidFill>
+                  <a:schemeClr val="tx1"/>
+                </a:solidFill>
+                <a:effectLst/>
+                <a:latin typeface="+mn-lt"/>
+                <a:ea typeface="+mn-ea"/>
+                <a:cs typeface="+mn-cs"/>
+                <a:hlinkClick r:id="rId4" tooltip="Software testing"/>
+              </a:rPr>
+              <a:t>testing</a:t>
+            </a:r>
+            <a:r>
+              <a:rPr lang="en-US" sz="1200" b="0" i="0" kern="1200" dirty="0" smtClean="0">
+                <a:solidFill>
+                  <a:schemeClr val="tx1"/>
+                </a:solidFill>
+                <a:effectLst/>
+                <a:latin typeface="+mn-lt"/>
+                <a:ea typeface="+mn-ea"/>
+                <a:cs typeface="+mn-cs"/>
+              </a:rPr>
+              <a:t> </a:t>
+            </a:r>
+            <a:r>
+              <a:rPr lang="en-US" sz="1200" b="0" i="0" u="none" strike="noStrike" kern="1200" dirty="0" smtClean="0">
+                <a:solidFill>
+                  <a:schemeClr val="tx1"/>
+                </a:solidFill>
+                <a:effectLst/>
+                <a:latin typeface="+mn-lt"/>
+                <a:ea typeface="+mn-ea"/>
+                <a:cs typeface="+mn-cs"/>
+                <a:hlinkClick r:id="rId5" tooltip="Web application"/>
+              </a:rPr>
+              <a:t>web applications</a:t>
+            </a:r>
+            <a:r>
+              <a:rPr lang="en-US" sz="1200" b="0" i="0" kern="1200" dirty="0" smtClean="0">
+                <a:solidFill>
+                  <a:schemeClr val="tx1"/>
+                </a:solidFill>
+                <a:effectLst/>
+                <a:latin typeface="+mn-lt"/>
+                <a:ea typeface="+mn-ea"/>
+                <a:cs typeface="+mn-cs"/>
+              </a:rPr>
+              <a:t>. Selenium provides a playback (formerly also recording) tool for authoring </a:t>
+            </a:r>
+            <a:r>
+              <a:rPr lang="en-US" sz="1200" b="0" i="0" u="none" strike="noStrike" kern="1200" dirty="0" smtClean="0">
+                <a:solidFill>
+                  <a:schemeClr val="tx1"/>
+                </a:solidFill>
+                <a:effectLst/>
+                <a:latin typeface="+mn-lt"/>
+                <a:ea typeface="+mn-ea"/>
+                <a:cs typeface="+mn-cs"/>
+                <a:hlinkClick r:id="rId6" tooltip="Functional testing"/>
+              </a:rPr>
+              <a:t>functional tests</a:t>
+            </a:r>
+            <a:r>
+              <a:rPr lang="en-US" sz="1200" b="0" i="0" kern="1200" dirty="0" smtClean="0">
+                <a:solidFill>
+                  <a:schemeClr val="tx1"/>
+                </a:solidFill>
+                <a:effectLst/>
+                <a:latin typeface="+mn-lt"/>
+                <a:ea typeface="+mn-ea"/>
+                <a:cs typeface="+mn-cs"/>
+              </a:rPr>
+              <a:t> without the need to learn a test </a:t>
+            </a:r>
+            <a:r>
+              <a:rPr lang="en-US" sz="1200" b="0" i="0" u="none" strike="noStrike" kern="1200" dirty="0" smtClean="0">
+                <a:solidFill>
+                  <a:schemeClr val="tx1"/>
+                </a:solidFill>
+                <a:effectLst/>
+                <a:latin typeface="+mn-lt"/>
+                <a:ea typeface="+mn-ea"/>
+                <a:cs typeface="+mn-cs"/>
+                <a:hlinkClick r:id="rId7" tooltip="Scripting language"/>
+              </a:rPr>
+              <a:t>scripting language</a:t>
+            </a:r>
+            <a:r>
+              <a:rPr lang="en-US" sz="1200" b="0" i="0" kern="1200" dirty="0" smtClean="0">
+                <a:solidFill>
+                  <a:schemeClr val="tx1"/>
+                </a:solidFill>
+                <a:effectLst/>
+                <a:latin typeface="+mn-lt"/>
+                <a:ea typeface="+mn-ea"/>
+                <a:cs typeface="+mn-cs"/>
+              </a:rPr>
+              <a:t> (Selenium IDE). It also provides a test </a:t>
+            </a:r>
+            <a:r>
+              <a:rPr lang="en-US" sz="1200" b="0" i="0" u="none" strike="noStrike" kern="1200" dirty="0" smtClean="0">
+                <a:solidFill>
+                  <a:schemeClr val="tx1"/>
+                </a:solidFill>
+                <a:effectLst/>
+                <a:latin typeface="+mn-lt"/>
+                <a:ea typeface="+mn-ea"/>
+                <a:cs typeface="+mn-cs"/>
+                <a:hlinkClick r:id="rId8" tooltip="Domain-specific language"/>
+              </a:rPr>
+              <a:t>domain-specific language</a:t>
+            </a:r>
+            <a:r>
+              <a:rPr lang="en-US" sz="1200" b="0" i="0" kern="1200" dirty="0" smtClean="0">
+                <a:solidFill>
+                  <a:schemeClr val="tx1"/>
+                </a:solidFill>
+                <a:effectLst/>
+                <a:latin typeface="+mn-lt"/>
+                <a:ea typeface="+mn-ea"/>
+                <a:cs typeface="+mn-cs"/>
+              </a:rPr>
+              <a:t> (</a:t>
+            </a:r>
+            <a:r>
+              <a:rPr lang="en-US" sz="1200" b="0" i="0" kern="1200" dirty="0" err="1" smtClean="0">
+                <a:solidFill>
+                  <a:schemeClr val="tx1"/>
+                </a:solidFill>
+                <a:effectLst/>
+                <a:latin typeface="+mn-lt"/>
+                <a:ea typeface="+mn-ea"/>
+                <a:cs typeface="+mn-cs"/>
+              </a:rPr>
+              <a:t>Selenese</a:t>
+            </a:r>
+            <a:r>
+              <a:rPr lang="en-US" sz="1200" b="0" i="0" kern="1200" dirty="0" smtClean="0">
+                <a:solidFill>
+                  <a:schemeClr val="tx1"/>
+                </a:solidFill>
+                <a:effectLst/>
+                <a:latin typeface="+mn-lt"/>
+                <a:ea typeface="+mn-ea"/>
+                <a:cs typeface="+mn-cs"/>
+              </a:rPr>
+              <a:t>) to write tests in a number of popular programming languages, including </a:t>
+            </a:r>
+            <a:r>
+              <a:rPr lang="en-US" sz="1200" b="0" i="0" u="none" strike="noStrike" kern="1200" dirty="0" smtClean="0">
+                <a:solidFill>
+                  <a:schemeClr val="tx1"/>
+                </a:solidFill>
+                <a:effectLst/>
+                <a:latin typeface="+mn-lt"/>
+                <a:ea typeface="+mn-ea"/>
+                <a:cs typeface="+mn-cs"/>
+                <a:hlinkClick r:id="rId9" tooltip="C Sharp (programming language)"/>
+              </a:rPr>
+              <a:t>C#</a:t>
+            </a:r>
+            <a:r>
+              <a:rPr lang="en-US" sz="1200" b="0" i="0" kern="1200" dirty="0" smtClean="0">
+                <a:solidFill>
+                  <a:schemeClr val="tx1"/>
+                </a:solidFill>
+                <a:effectLst/>
+                <a:latin typeface="+mn-lt"/>
+                <a:ea typeface="+mn-ea"/>
+                <a:cs typeface="+mn-cs"/>
+              </a:rPr>
+              <a:t>, </a:t>
+            </a:r>
+            <a:r>
+              <a:rPr lang="en-US" sz="1200" b="0" i="0" u="none" strike="noStrike" kern="1200" dirty="0" smtClean="0">
+                <a:solidFill>
+                  <a:schemeClr val="tx1"/>
+                </a:solidFill>
+                <a:effectLst/>
+                <a:latin typeface="+mn-lt"/>
+                <a:ea typeface="+mn-ea"/>
+                <a:cs typeface="+mn-cs"/>
+                <a:hlinkClick r:id="rId10" tooltip="Groovy (programming language)"/>
+              </a:rPr>
+              <a:t>Groovy</a:t>
+            </a:r>
+            <a:r>
+              <a:rPr lang="en-US" sz="1200" b="0" i="0" kern="1200" dirty="0" smtClean="0">
+                <a:solidFill>
+                  <a:schemeClr val="tx1"/>
+                </a:solidFill>
+                <a:effectLst/>
+                <a:latin typeface="+mn-lt"/>
+                <a:ea typeface="+mn-ea"/>
+                <a:cs typeface="+mn-cs"/>
+              </a:rPr>
+              <a:t>, </a:t>
+            </a:r>
+            <a:r>
+              <a:rPr lang="en-US" sz="1200" b="0" i="0" u="none" strike="noStrike" kern="1200" dirty="0" smtClean="0">
+                <a:solidFill>
+                  <a:schemeClr val="tx1"/>
+                </a:solidFill>
+                <a:effectLst/>
+                <a:latin typeface="+mn-lt"/>
+                <a:ea typeface="+mn-ea"/>
+                <a:cs typeface="+mn-cs"/>
+                <a:hlinkClick r:id="rId11" tooltip="Java (software platform)"/>
+              </a:rPr>
+              <a:t>Java</a:t>
+            </a:r>
+            <a:r>
+              <a:rPr lang="en-US" sz="1200" b="0" i="0" kern="1200" dirty="0" smtClean="0">
+                <a:solidFill>
+                  <a:schemeClr val="tx1"/>
+                </a:solidFill>
+                <a:effectLst/>
+                <a:latin typeface="+mn-lt"/>
+                <a:ea typeface="+mn-ea"/>
+                <a:cs typeface="+mn-cs"/>
+              </a:rPr>
+              <a:t>, </a:t>
+            </a:r>
+            <a:r>
+              <a:rPr lang="en-US" sz="1200" b="0" i="0" u="none" strike="noStrike" kern="1200" dirty="0" smtClean="0">
+                <a:solidFill>
+                  <a:schemeClr val="tx1"/>
+                </a:solidFill>
+                <a:effectLst/>
+                <a:latin typeface="+mn-lt"/>
+                <a:ea typeface="+mn-ea"/>
+                <a:cs typeface="+mn-cs"/>
+                <a:hlinkClick r:id="rId12" tooltip="Perl"/>
+              </a:rPr>
+              <a:t>Perl</a:t>
+            </a:r>
+            <a:r>
+              <a:rPr lang="en-US" sz="1200" b="0" i="0" kern="1200" dirty="0" smtClean="0">
+                <a:solidFill>
+                  <a:schemeClr val="tx1"/>
+                </a:solidFill>
+                <a:effectLst/>
+                <a:latin typeface="+mn-lt"/>
+                <a:ea typeface="+mn-ea"/>
+                <a:cs typeface="+mn-cs"/>
+              </a:rPr>
+              <a:t>, </a:t>
+            </a:r>
+            <a:r>
+              <a:rPr lang="en-US" sz="1200" b="0" i="0" u="none" strike="noStrike" kern="1200" dirty="0" smtClean="0">
+                <a:solidFill>
+                  <a:schemeClr val="tx1"/>
+                </a:solidFill>
+                <a:effectLst/>
+                <a:latin typeface="+mn-lt"/>
+                <a:ea typeface="+mn-ea"/>
+                <a:cs typeface="+mn-cs"/>
+                <a:hlinkClick r:id="rId13" tooltip="PHP"/>
+              </a:rPr>
+              <a:t>PHP</a:t>
+            </a:r>
+            <a:r>
+              <a:rPr lang="en-US" sz="1200" b="0" i="0" kern="1200" dirty="0" smtClean="0">
+                <a:solidFill>
+                  <a:schemeClr val="tx1"/>
+                </a:solidFill>
+                <a:effectLst/>
+                <a:latin typeface="+mn-lt"/>
+                <a:ea typeface="+mn-ea"/>
+                <a:cs typeface="+mn-cs"/>
+              </a:rPr>
+              <a:t>, </a:t>
+            </a:r>
+            <a:r>
+              <a:rPr lang="en-US" sz="1200" b="0" i="0" u="none" strike="noStrike" kern="1200" dirty="0" smtClean="0">
+                <a:solidFill>
+                  <a:schemeClr val="tx1"/>
+                </a:solidFill>
+                <a:effectLst/>
+                <a:latin typeface="+mn-lt"/>
+                <a:ea typeface="+mn-ea"/>
+                <a:cs typeface="+mn-cs"/>
+                <a:hlinkClick r:id="rId14" tooltip="Python (programming language)"/>
+              </a:rPr>
+              <a:t>Python</a:t>
+            </a:r>
+            <a:r>
+              <a:rPr lang="en-US" sz="1200" b="0" i="0" kern="1200" dirty="0" smtClean="0">
+                <a:solidFill>
+                  <a:schemeClr val="tx1"/>
+                </a:solidFill>
+                <a:effectLst/>
+                <a:latin typeface="+mn-lt"/>
+                <a:ea typeface="+mn-ea"/>
+                <a:cs typeface="+mn-cs"/>
+              </a:rPr>
+              <a:t>, </a:t>
+            </a:r>
+            <a:r>
+              <a:rPr lang="en-US" sz="1200" b="0" i="0" u="none" strike="noStrike" kern="1200" dirty="0" smtClean="0">
+                <a:solidFill>
+                  <a:schemeClr val="tx1"/>
+                </a:solidFill>
+                <a:effectLst/>
+                <a:latin typeface="+mn-lt"/>
+                <a:ea typeface="+mn-ea"/>
+                <a:cs typeface="+mn-cs"/>
+                <a:hlinkClick r:id="rId15" tooltip="Ruby (programming language)"/>
+              </a:rPr>
+              <a:t>Ruby</a:t>
+            </a:r>
+            <a:r>
+              <a:rPr lang="en-US" sz="1200" b="0" i="0" kern="1200" dirty="0" smtClean="0">
+                <a:solidFill>
+                  <a:schemeClr val="tx1"/>
+                </a:solidFill>
+                <a:effectLst/>
+                <a:latin typeface="+mn-lt"/>
+                <a:ea typeface="+mn-ea"/>
+                <a:cs typeface="+mn-cs"/>
+              </a:rPr>
+              <a:t> and </a:t>
+            </a:r>
+            <a:r>
+              <a:rPr lang="en-US" sz="1200" b="0" i="0" u="none" strike="noStrike" kern="1200" dirty="0" smtClean="0">
+                <a:solidFill>
+                  <a:schemeClr val="tx1"/>
+                </a:solidFill>
+                <a:effectLst/>
+                <a:latin typeface="+mn-lt"/>
+                <a:ea typeface="+mn-ea"/>
+                <a:cs typeface="+mn-cs"/>
+                <a:hlinkClick r:id="rId16" tooltip="Scala (programming language)"/>
+              </a:rPr>
+              <a:t>Scala</a:t>
+            </a:r>
+            <a:r>
+              <a:rPr lang="en-US" sz="1200" b="0" i="0" kern="1200" dirty="0" smtClean="0">
+                <a:solidFill>
+                  <a:schemeClr val="tx1"/>
+                </a:solidFill>
+                <a:effectLst/>
+                <a:latin typeface="+mn-lt"/>
+                <a:ea typeface="+mn-ea"/>
+                <a:cs typeface="+mn-cs"/>
+              </a:rPr>
+              <a:t>. The tests can then run against most modern </a:t>
+            </a:r>
+            <a:r>
+              <a:rPr lang="en-US" sz="1200" b="0" i="0" u="none" strike="noStrike" kern="1200" dirty="0" smtClean="0">
+                <a:solidFill>
+                  <a:schemeClr val="tx1"/>
+                </a:solidFill>
+                <a:effectLst/>
+                <a:latin typeface="+mn-lt"/>
+                <a:ea typeface="+mn-ea"/>
+                <a:cs typeface="+mn-cs"/>
+                <a:hlinkClick r:id="rId17" tooltip="Web browser"/>
+              </a:rPr>
+              <a:t>web browsers</a:t>
+            </a:r>
+            <a:r>
+              <a:rPr lang="en-US" sz="1200" b="0" i="0" kern="1200" dirty="0" smtClean="0">
+                <a:solidFill>
+                  <a:schemeClr val="tx1"/>
+                </a:solidFill>
+                <a:effectLst/>
+                <a:latin typeface="+mn-lt"/>
+                <a:ea typeface="+mn-ea"/>
+                <a:cs typeface="+mn-cs"/>
+              </a:rPr>
+              <a:t>. Selenium deploys on </a:t>
+            </a:r>
+            <a:r>
+              <a:rPr lang="en-US" sz="1200" b="0" i="0" u="none" strike="noStrike" kern="1200" dirty="0" smtClean="0">
+                <a:solidFill>
+                  <a:schemeClr val="tx1"/>
+                </a:solidFill>
+                <a:effectLst/>
+                <a:latin typeface="+mn-lt"/>
+                <a:ea typeface="+mn-ea"/>
+                <a:cs typeface="+mn-cs"/>
+                <a:hlinkClick r:id="rId18" tooltip="Microsoft Windows"/>
+              </a:rPr>
+              <a:t>Windows</a:t>
+            </a:r>
+            <a:r>
+              <a:rPr lang="en-US" sz="1200" b="0" i="0" kern="1200" dirty="0" smtClean="0">
+                <a:solidFill>
+                  <a:schemeClr val="tx1"/>
+                </a:solidFill>
+                <a:effectLst/>
+                <a:latin typeface="+mn-lt"/>
+                <a:ea typeface="+mn-ea"/>
+                <a:cs typeface="+mn-cs"/>
+              </a:rPr>
+              <a:t>, </a:t>
+            </a:r>
+            <a:r>
+              <a:rPr lang="en-US" sz="1200" b="0" i="0" u="none" strike="noStrike" kern="1200" dirty="0" smtClean="0">
+                <a:solidFill>
+                  <a:schemeClr val="tx1"/>
+                </a:solidFill>
+                <a:effectLst/>
+                <a:latin typeface="+mn-lt"/>
+                <a:ea typeface="+mn-ea"/>
+                <a:cs typeface="+mn-cs"/>
+                <a:hlinkClick r:id="rId19" tooltip="Linux"/>
+              </a:rPr>
+              <a:t>Linux</a:t>
+            </a:r>
+            <a:r>
+              <a:rPr lang="en-US" sz="1200" b="0" i="0" kern="1200" dirty="0" smtClean="0">
+                <a:solidFill>
+                  <a:schemeClr val="tx1"/>
+                </a:solidFill>
+                <a:effectLst/>
+                <a:latin typeface="+mn-lt"/>
+                <a:ea typeface="+mn-ea"/>
+                <a:cs typeface="+mn-cs"/>
+              </a:rPr>
+              <a:t>, and </a:t>
+            </a:r>
+            <a:r>
+              <a:rPr lang="en-US" sz="1200" b="0" i="0" u="none" strike="noStrike" kern="1200" dirty="0" err="1" smtClean="0">
+                <a:solidFill>
+                  <a:schemeClr val="tx1"/>
+                </a:solidFill>
+                <a:effectLst/>
+                <a:latin typeface="+mn-lt"/>
+                <a:ea typeface="+mn-ea"/>
+                <a:cs typeface="+mn-cs"/>
+                <a:hlinkClick r:id="rId20" tooltip="MacOS"/>
+              </a:rPr>
+              <a:t>macOS</a:t>
+            </a:r>
+            <a:r>
+              <a:rPr lang="en-US" sz="1200" b="0" i="0" kern="1200" dirty="0" smtClean="0">
+                <a:solidFill>
+                  <a:schemeClr val="tx1"/>
+                </a:solidFill>
+                <a:effectLst/>
+                <a:latin typeface="+mn-lt"/>
+                <a:ea typeface="+mn-ea"/>
+                <a:cs typeface="+mn-cs"/>
+              </a:rPr>
+              <a:t> platforms. It is </a:t>
+            </a:r>
+            <a:r>
+              <a:rPr lang="en-US" sz="1200" b="0" i="0" u="none" strike="noStrike" kern="1200" dirty="0" smtClean="0">
+                <a:solidFill>
+                  <a:schemeClr val="tx1"/>
+                </a:solidFill>
+                <a:effectLst/>
+                <a:latin typeface="+mn-lt"/>
+                <a:ea typeface="+mn-ea"/>
+                <a:cs typeface="+mn-cs"/>
+                <a:hlinkClick r:id="rId21" tooltip="Open-source software"/>
+              </a:rPr>
+              <a:t>open-source software</a:t>
+            </a:r>
+            <a:r>
+              <a:rPr lang="en-US" sz="1200" b="0" i="0" kern="1200" dirty="0" smtClean="0">
+                <a:solidFill>
+                  <a:schemeClr val="tx1"/>
+                </a:solidFill>
+                <a:effectLst/>
+                <a:latin typeface="+mn-lt"/>
+                <a:ea typeface="+mn-ea"/>
+                <a:cs typeface="+mn-cs"/>
+              </a:rPr>
+              <a:t>, released under the </a:t>
+            </a:r>
+            <a:r>
+              <a:rPr lang="en-US" sz="1200" b="0" i="0" u="none" strike="noStrike" kern="1200" dirty="0" smtClean="0">
+                <a:solidFill>
+                  <a:schemeClr val="tx1"/>
+                </a:solidFill>
+                <a:effectLst/>
+                <a:latin typeface="+mn-lt"/>
+                <a:ea typeface="+mn-ea"/>
+                <a:cs typeface="+mn-cs"/>
+                <a:hlinkClick r:id="rId22" tooltip="Apache License"/>
+              </a:rPr>
+              <a:t>Apache 2.0 license</a:t>
+            </a:r>
+            <a:r>
+              <a:rPr lang="en-US" sz="1200" b="0" i="0" kern="1200" dirty="0" smtClean="0">
+                <a:solidFill>
+                  <a:schemeClr val="tx1"/>
+                </a:solidFill>
+                <a:effectLst/>
+                <a:latin typeface="+mn-lt"/>
+                <a:ea typeface="+mn-ea"/>
+                <a:cs typeface="+mn-cs"/>
+              </a:rPr>
+              <a:t>: web developers can download and use it without charge</a:t>
+            </a:r>
+            <a:endParaRPr lang="uk-UA" dirty="0"/>
+          </a:p>
+        </p:txBody>
+      </p:sp>
+      <p:sp>
+        <p:nvSpPr>
+          <p:cNvPr id="4" name="Slide Number Placeholder 3"/>
+          <p:cNvSpPr>
+            <a:spLocks noGrp="1"/>
+          </p:cNvSpPr>
+          <p:nvPr>
+            <p:ph type="sldNum" sz="quarter" idx="10"/>
+          </p:nvPr>
+        </p:nvSpPr>
+        <p:spPr/>
+        <p:txBody>
+          <a:bodyPr/>
+          <a:lstStyle/>
+          <a:p>
+            <a:fld id="{90B2056C-F2F4-49F3-9520-6B94758027D3}" type="slidenum">
+              <a:rPr lang="uk-UA" smtClean="0"/>
+              <a:t>3</a:t>
+            </a:fld>
+            <a:endParaRPr lang="uk-UA"/>
+          </a:p>
+        </p:txBody>
+      </p:sp>
+    </p:spTree>
+    <p:extLst>
+      <p:ext uri="{BB962C8B-B14F-4D97-AF65-F5344CB8AC3E}">
+        <p14:creationId xmlns:p14="http://schemas.microsoft.com/office/powerpoint/2010/main" val="456800249"/>
+      </p:ext>
+    </p:extLst>
+  </p:cSld>
+  <p:clrMapOvr>
+    <a:masterClrMapping/>
+  </p:clrMapOvr>
+</p:notes>
+</file>
+
+<file path=ppt/notesSlides/notesSlide2.xml><?xml version="1.0" encoding="utf-8"?>
+<p:notes xmlns:a="http://schemas.openxmlformats.org/drawingml/2006/main" xmlns:r="http://schemas.openxmlformats.org/officeDocument/2006/relationships" xmlns:p="http://schemas.openxmlformats.org/presentationml/2006/main">
+  <p:cSld>
+    <p:spTree>
+      <p:nvGrpSpPr>
+        <p:cNvPr id="1" name=""/>
+        <p:cNvGrpSpPr/>
+        <p:nvPr/>
+      </p:nvGrpSpPr>
+      <p:grpSpPr>
+        <a:xfrm>
+          <a:off x="0" y="0"/>
+          <a:ext cx="0" cy="0"/>
+          <a:chOff x="0" y="0"/>
+          <a:chExt cx="0" cy="0"/>
+        </a:xfrm>
+      </p:grpSpPr>
+      <p:sp>
+        <p:nvSpPr>
+          <p:cNvPr id="2" name="Slide Image Placeholder 1"/>
+          <p:cNvSpPr>
+            <a:spLocks noGrp="1" noRot="1" noChangeAspect="1"/>
+          </p:cNvSpPr>
+          <p:nvPr>
+            <p:ph type="sldImg"/>
+          </p:nvPr>
+        </p:nvSpPr>
+        <p:spPr/>
+      </p:sp>
+      <p:sp>
+        <p:nvSpPr>
+          <p:cNvPr id="3" name="Notes Placeholder 2"/>
+          <p:cNvSpPr>
+            <a:spLocks noGrp="1"/>
+          </p:cNvSpPr>
+          <p:nvPr>
+            <p:ph type="body" idx="1"/>
+          </p:nvPr>
+        </p:nvSpPr>
+        <p:spPr/>
+        <p:txBody>
+          <a:bodyPr/>
+          <a:lstStyle/>
+          <a:p>
+            <a:r>
+              <a:rPr lang="en-US" dirty="0" smtClean="0"/>
+              <a:t>Comparison of UI-test frameworks:</a:t>
+            </a:r>
+            <a:br>
+              <a:rPr lang="en-US" dirty="0" smtClean="0"/>
+            </a:br>
+            <a:r>
+              <a:rPr lang="en-US" dirty="0" smtClean="0">
+                <a:hlinkClick r:id="rId3"/>
+              </a:rPr>
+              <a:t>https://medium.com/@briananderson2209/best-automation-testing-tools-for-2018-top-10-reviews-8a4a19f664d2</a:t>
+            </a:r>
+            <a:endParaRPr lang="en-US" dirty="0" smtClean="0"/>
+          </a:p>
+          <a:p>
+            <a:endParaRPr lang="en-US" dirty="0" smtClean="0"/>
+          </a:p>
+          <a:p>
+            <a:r>
+              <a:rPr lang="en-US" dirty="0" err="1" smtClean="0"/>
+              <a:t>Criterias</a:t>
+            </a:r>
+            <a:r>
+              <a:rPr lang="en-US" dirty="0" smtClean="0"/>
+              <a:t>:</a:t>
+            </a:r>
+          </a:p>
+          <a:p>
+            <a:r>
+              <a:rPr lang="en-US" sz="1200" b="0" i="0" kern="1200" dirty="0" smtClean="0">
+                <a:solidFill>
+                  <a:schemeClr val="tx1"/>
+                </a:solidFill>
+                <a:effectLst/>
+                <a:latin typeface="+mn-lt"/>
+                <a:ea typeface="+mn-ea"/>
+                <a:cs typeface="+mn-cs"/>
+              </a:rPr>
+              <a:t>Supporting API and services testing</a:t>
+            </a:r>
+          </a:p>
+          <a:p>
+            <a:r>
+              <a:rPr lang="en-US" sz="1200" b="0" i="0" kern="1200" dirty="0" smtClean="0">
+                <a:solidFill>
+                  <a:schemeClr val="tx1"/>
+                </a:solidFill>
+                <a:effectLst/>
+                <a:latin typeface="+mn-lt"/>
+                <a:ea typeface="+mn-ea"/>
+                <a:cs typeface="+mn-cs"/>
+              </a:rPr>
+              <a:t>Offering some AI/ML and analytics capabilities</a:t>
+            </a:r>
+          </a:p>
+          <a:p>
+            <a:r>
+              <a:rPr lang="en-US" sz="1200" b="0" i="0" kern="1200" dirty="0" smtClean="0">
+                <a:solidFill>
+                  <a:schemeClr val="tx1"/>
+                </a:solidFill>
+                <a:effectLst/>
+                <a:latin typeface="+mn-lt"/>
+                <a:ea typeface="+mn-ea"/>
+                <a:cs typeface="+mn-cs"/>
+              </a:rPr>
+              <a:t>Popularity and maturity</a:t>
+            </a:r>
+          </a:p>
+          <a:p>
+            <a:endParaRPr lang="en-US" sz="1200" b="0" i="0" kern="1200" dirty="0" smtClean="0">
+              <a:solidFill>
+                <a:schemeClr val="tx1"/>
+              </a:solidFill>
+              <a:effectLst/>
+              <a:latin typeface="+mn-lt"/>
+              <a:ea typeface="+mn-ea"/>
+              <a:cs typeface="+mn-cs"/>
+            </a:endParaRPr>
+          </a:p>
+          <a:p>
+            <a:r>
+              <a:rPr lang="en-US" sz="1200" b="0" i="0" kern="1200" dirty="0" smtClean="0">
+                <a:solidFill>
+                  <a:schemeClr val="tx1"/>
+                </a:solidFill>
+                <a:effectLst/>
+                <a:latin typeface="+mn-lt"/>
+                <a:ea typeface="+mn-ea"/>
+                <a:cs typeface="+mn-cs"/>
+              </a:rPr>
+              <a:t>More challenge info here:</a:t>
+            </a:r>
+            <a:br>
+              <a:rPr lang="en-US" sz="1200" b="0" i="0" kern="1200" dirty="0" smtClean="0">
+                <a:solidFill>
+                  <a:schemeClr val="tx1"/>
+                </a:solidFill>
+                <a:effectLst/>
+                <a:latin typeface="+mn-lt"/>
+                <a:ea typeface="+mn-ea"/>
+                <a:cs typeface="+mn-cs"/>
+              </a:rPr>
+            </a:br>
+            <a:r>
+              <a:rPr lang="en-US" dirty="0" smtClean="0">
+                <a:hlinkClick r:id="rId4"/>
+              </a:rPr>
+              <a:t>https://www.katalon.com/resources-center/blog/infographic-challenges-test-automation/</a:t>
+            </a:r>
+            <a:endParaRPr lang="en-US" sz="1200" b="0" i="0" kern="1200" dirty="0" smtClean="0">
+              <a:solidFill>
+                <a:schemeClr val="tx1"/>
+              </a:solidFill>
+              <a:effectLst/>
+              <a:latin typeface="+mn-lt"/>
+              <a:ea typeface="+mn-ea"/>
+              <a:cs typeface="+mn-cs"/>
+            </a:endParaRPr>
+          </a:p>
+          <a:p>
+            <a:endParaRPr lang="en-US" dirty="0" smtClean="0"/>
+          </a:p>
+          <a:p>
+            <a:endParaRPr lang="uk-UA" dirty="0"/>
+          </a:p>
+        </p:txBody>
+      </p:sp>
+      <p:sp>
+        <p:nvSpPr>
+          <p:cNvPr id="4" name="Slide Number Placeholder 3"/>
+          <p:cNvSpPr>
+            <a:spLocks noGrp="1"/>
+          </p:cNvSpPr>
+          <p:nvPr>
+            <p:ph type="sldNum" sz="quarter" idx="10"/>
+          </p:nvPr>
+        </p:nvSpPr>
+        <p:spPr/>
+        <p:txBody>
+          <a:bodyPr/>
+          <a:lstStyle/>
+          <a:p>
+            <a:fld id="{90B2056C-F2F4-49F3-9520-6B94758027D3}" type="slidenum">
+              <a:rPr lang="uk-UA" smtClean="0"/>
+              <a:t>4</a:t>
+            </a:fld>
+            <a:endParaRPr lang="uk-UA"/>
+          </a:p>
+        </p:txBody>
+      </p:sp>
+    </p:spTree>
+    <p:extLst>
+      <p:ext uri="{BB962C8B-B14F-4D97-AF65-F5344CB8AC3E}">
+        <p14:creationId xmlns:p14="http://schemas.microsoft.com/office/powerpoint/2010/main" val="73904881"/>
+      </p:ext>
+    </p:extLst>
+  </p:cSld>
+  <p:clrMapOvr>
+    <a:masterClrMapping/>
+  </p:clrMapOvr>
+</p:notes>
+</file>
+
+<file path=ppt/notesSlides/notesSlide3.xml><?xml version="1.0" encoding="utf-8"?>
+<p:notes xmlns:a="http://schemas.openxmlformats.org/drawingml/2006/main" xmlns:r="http://schemas.openxmlformats.org/officeDocument/2006/relationships" xmlns:p="http://schemas.openxmlformats.org/presentationml/2006/main">
+  <p:cSld>
+    <p:spTree>
+      <p:nvGrpSpPr>
+        <p:cNvPr id="1" name=""/>
+        <p:cNvGrpSpPr/>
+        <p:nvPr/>
+      </p:nvGrpSpPr>
+      <p:grpSpPr>
+        <a:xfrm>
+          <a:off x="0" y="0"/>
+          <a:ext cx="0" cy="0"/>
+          <a:chOff x="0" y="0"/>
+          <a:chExt cx="0" cy="0"/>
+        </a:xfrm>
+      </p:grpSpPr>
+      <p:sp>
+        <p:nvSpPr>
+          <p:cNvPr id="2" name="Slide Image Placeholder 1"/>
+          <p:cNvSpPr>
+            <a:spLocks noGrp="1" noRot="1" noChangeAspect="1"/>
+          </p:cNvSpPr>
+          <p:nvPr>
+            <p:ph type="sldImg"/>
+          </p:nvPr>
+        </p:nvSpPr>
+        <p:spPr/>
+      </p:sp>
+      <p:sp>
+        <p:nvSpPr>
+          <p:cNvPr id="3" name="Notes Placeholder 2"/>
+          <p:cNvSpPr>
+            <a:spLocks noGrp="1"/>
+          </p:cNvSpPr>
+          <p:nvPr>
+            <p:ph type="body" idx="1"/>
+          </p:nvPr>
+        </p:nvSpPr>
+        <p:spPr/>
+        <p:txBody>
+          <a:bodyPr/>
+          <a:lstStyle/>
+          <a:p>
+            <a:r>
+              <a:rPr lang="en-US" dirty="0" smtClean="0"/>
+              <a:t>Reference: </a:t>
+            </a:r>
+            <a:br>
+              <a:rPr lang="en-US" dirty="0" smtClean="0"/>
+            </a:br>
+            <a:r>
+              <a:rPr lang="en-US" dirty="0" smtClean="0">
+                <a:hlinkClick r:id="rId3"/>
+              </a:rPr>
+              <a:t>http://mehmetkurtipek.blogspot.com/2015/04/selenium-vs-watin-using-net-c.html</a:t>
+            </a:r>
+            <a:endParaRPr lang="en-US" dirty="0" smtClean="0"/>
+          </a:p>
+          <a:p>
+            <a:endParaRPr lang="uk-UA" dirty="0"/>
+          </a:p>
+        </p:txBody>
+      </p:sp>
+      <p:sp>
+        <p:nvSpPr>
+          <p:cNvPr id="4" name="Slide Number Placeholder 3"/>
+          <p:cNvSpPr>
+            <a:spLocks noGrp="1"/>
+          </p:cNvSpPr>
+          <p:nvPr>
+            <p:ph type="sldNum" sz="quarter" idx="10"/>
+          </p:nvPr>
+        </p:nvSpPr>
+        <p:spPr/>
+        <p:txBody>
+          <a:bodyPr/>
+          <a:lstStyle/>
+          <a:p>
+            <a:fld id="{90B2056C-F2F4-49F3-9520-6B94758027D3}" type="slidenum">
+              <a:rPr lang="uk-UA" smtClean="0"/>
+              <a:t>5</a:t>
+            </a:fld>
+            <a:endParaRPr lang="uk-UA"/>
+          </a:p>
+        </p:txBody>
+      </p:sp>
+    </p:spTree>
+    <p:extLst>
+      <p:ext uri="{BB962C8B-B14F-4D97-AF65-F5344CB8AC3E}">
+        <p14:creationId xmlns:p14="http://schemas.microsoft.com/office/powerpoint/2010/main" val="1697549001"/>
+      </p:ext>
+    </p:extLst>
+  </p:cSld>
+  <p:clrMapOvr>
+    <a:masterClrMapping/>
+  </p:clrMapOvr>
+</p:notes>
+</file>
+
+<file path=ppt/notesSlides/notesSlide4.xml><?xml version="1.0" encoding="utf-8"?>
+<p:notes xmlns:a="http://schemas.openxmlformats.org/drawingml/2006/main" xmlns:r="http://schemas.openxmlformats.org/officeDocument/2006/relationships" xmlns:p="http://schemas.openxmlformats.org/presentationml/2006/main">
+  <p:cSld>
+    <p:spTree>
+      <p:nvGrpSpPr>
+        <p:cNvPr id="1" name=""/>
+        <p:cNvGrpSpPr/>
+        <p:nvPr/>
+      </p:nvGrpSpPr>
+      <p:grpSpPr>
+        <a:xfrm>
+          <a:off x="0" y="0"/>
+          <a:ext cx="0" cy="0"/>
+          <a:chOff x="0" y="0"/>
+          <a:chExt cx="0" cy="0"/>
+        </a:xfrm>
+      </p:grpSpPr>
+      <p:sp>
+        <p:nvSpPr>
+          <p:cNvPr id="2" name="Slide Image Placeholder 1"/>
+          <p:cNvSpPr>
+            <a:spLocks noGrp="1" noRot="1" noChangeAspect="1"/>
+          </p:cNvSpPr>
+          <p:nvPr>
+            <p:ph type="sldImg"/>
+          </p:nvPr>
+        </p:nvSpPr>
+        <p:spPr/>
+      </p:sp>
+      <p:sp>
+        <p:nvSpPr>
+          <p:cNvPr id="3" name="Notes Placeholder 2"/>
+          <p:cNvSpPr>
+            <a:spLocks noGrp="1"/>
+          </p:cNvSpPr>
+          <p:nvPr>
+            <p:ph type="body" idx="1"/>
+          </p:nvPr>
+        </p:nvSpPr>
+        <p:spPr/>
+        <p:txBody>
+          <a:bodyPr/>
+          <a:lstStyle/>
+          <a:p>
+            <a:endParaRPr lang="uk-UA" dirty="0"/>
+          </a:p>
+        </p:txBody>
+      </p:sp>
+      <p:sp>
+        <p:nvSpPr>
+          <p:cNvPr id="4" name="Slide Number Placeholder 3"/>
+          <p:cNvSpPr>
+            <a:spLocks noGrp="1"/>
+          </p:cNvSpPr>
+          <p:nvPr>
+            <p:ph type="sldNum" sz="quarter" idx="10"/>
+          </p:nvPr>
+        </p:nvSpPr>
+        <p:spPr/>
+        <p:txBody>
+          <a:bodyPr/>
+          <a:lstStyle/>
+          <a:p>
+            <a:fld id="{90B2056C-F2F4-49F3-9520-6B94758027D3}" type="slidenum">
+              <a:rPr lang="uk-UA" smtClean="0"/>
+              <a:t>10</a:t>
+            </a:fld>
+            <a:endParaRPr lang="uk-UA"/>
+          </a:p>
+        </p:txBody>
+      </p:sp>
+    </p:spTree>
+    <p:extLst>
+      <p:ext uri="{BB962C8B-B14F-4D97-AF65-F5344CB8AC3E}">
+        <p14:creationId xmlns:p14="http://schemas.microsoft.com/office/powerpoint/2010/main" val="1794606189"/>
+      </p:ext>
+    </p:extLst>
+  </p:cSld>
+  <p:clrMapOvr>
+    <a:masterClrMapping/>
+  </p:clrMapOvr>
+</p:notes>
 </file>
 
 <file path=ppt/slideLayouts/slideLayout1.xml><?xml version="1.0" encoding="utf-8"?>
@@ -3865,11 +8028,13 @@
           <a:p>
             <a:r>
               <a:rPr lang="en-US" dirty="0" smtClean="0"/>
-              <a:t>Made By Viacheslav </a:t>
-            </a:r>
-            <a:r>
-              <a:rPr lang="en-US" dirty="0" err="1" smtClean="0"/>
-              <a:t>fesenko</a:t>
+              <a:t>Made By Viacheslav fesenko</a:t>
+            </a:r>
+          </a:p>
+          <a:p>
+            <a:r>
+              <a:rPr lang="en-US" dirty="0" smtClean="0"/>
+              <a:t>Sr. .NET Developer</a:t>
             </a:r>
             <a:endParaRPr lang="uk-UA" dirty="0"/>
           </a:p>
@@ -3916,6 +8081,47 @@
           </a:extLst>
         </p:spPr>
       </p:pic>
+      <p:pic>
+        <p:nvPicPr>
+          <p:cNvPr id="5" name="Picture 2" descr="https://itarena.ua/wp-content/uploads/2015/06/softserve_logo_new-1024x308.png"/>
+          <p:cNvPicPr>
+            <a:picLocks noChangeAspect="1" noChangeArrowheads="1"/>
+          </p:cNvPicPr>
+          <p:nvPr/>
+        </p:nvPicPr>
+        <p:blipFill>
+          <a:blip r:embed="rId3" cstate="print">
+            <a:extLst>
+              <a:ext uri="{28A0092B-C50C-407E-A947-70E740481C1C}">
+                <a14:useLocalDpi xmlns:a14="http://schemas.microsoft.com/office/drawing/2010/main" val="0"/>
+              </a:ext>
+            </a:extLst>
+          </a:blip>
+          <a:srcRect/>
+          <a:stretch>
+            <a:fillRect/>
+          </a:stretch>
+        </p:blipFill>
+        <p:spPr bwMode="auto">
+          <a:xfrm>
+            <a:off x="10252363" y="6330915"/>
+            <a:ext cx="2039793" cy="613532"/>
+          </a:xfrm>
+          <a:prstGeom prst="rect">
+            <a:avLst/>
+          </a:prstGeom>
+          <a:noFill/>
+          <a:extLst>
+            <a:ext uri="{909E8E84-426E-40DD-AFC4-6F175D3DCCD1}">
+              <a14:hiddenFill xmlns:a14="http://schemas.microsoft.com/office/drawing/2010/main">
+                <a:solidFill>
+                  <a:srgbClr val="FFFFFF"/>
+                </a:solidFill>
+              </a14:hiddenFill>
+            </a:ext>
+          </a:extLst>
+        </p:spPr>
+      </p:pic>
     </p:spTree>
     <p:extLst>
       <p:ext uri="{BB962C8B-B14F-4D97-AF65-F5344CB8AC3E}">
@@ -3926,6 +8132,435 @@
   <p:clrMapOvr>
     <a:masterClrMapping/>
   </p:clrMapOvr>
+  <p:timing>
+    <p:tnLst>
+      <p:par>
+        <p:cTn id="1" dur="indefinite" restart="never" nodeType="tmRoot"/>
+      </p:par>
+    </p:tnLst>
+  </p:timing>
+</p:sld>
+</file>
+
+<file path=ppt/slides/slide10.xml><?xml version="1.0" encoding="utf-8"?>
+<p:sld xmlns:a="http://schemas.openxmlformats.org/drawingml/2006/main" xmlns:r="http://schemas.openxmlformats.org/officeDocument/2006/relationships" xmlns:p="http://schemas.openxmlformats.org/presentationml/2006/main">
+  <p:cSld>
+    <p:spTree>
+      <p:nvGrpSpPr>
+        <p:cNvPr id="1" name=""/>
+        <p:cNvGrpSpPr/>
+        <p:nvPr/>
+      </p:nvGrpSpPr>
+      <p:grpSpPr>
+        <a:xfrm>
+          <a:off x="0" y="0"/>
+          <a:ext cx="0" cy="0"/>
+          <a:chOff x="0" y="0"/>
+          <a:chExt cx="0" cy="0"/>
+        </a:xfrm>
+      </p:grpSpPr>
+      <p:sp>
+        <p:nvSpPr>
+          <p:cNvPr id="2" name="Title 1"/>
+          <p:cNvSpPr>
+            <a:spLocks noGrp="1"/>
+          </p:cNvSpPr>
+          <p:nvPr>
+            <p:ph type="title"/>
+          </p:nvPr>
+        </p:nvSpPr>
+        <p:spPr/>
+        <p:txBody>
+          <a:bodyPr/>
+          <a:lstStyle/>
+          <a:p>
+            <a:r>
+              <a:rPr lang="en-US" dirty="0" smtClean="0"/>
+              <a:t>Experienced QA </a:t>
+            </a:r>
+            <a:r>
+              <a:rPr lang="en-US" dirty="0"/>
+              <a:t>Developer Feedback</a:t>
+            </a:r>
+            <a:endParaRPr lang="uk-UA" dirty="0"/>
+          </a:p>
+        </p:txBody>
+      </p:sp>
+      <p:graphicFrame>
+        <p:nvGraphicFramePr>
+          <p:cNvPr id="5" name="Content Placeholder 4"/>
+          <p:cNvGraphicFramePr>
+            <a:graphicFrameLocks noGrp="1"/>
+          </p:cNvGraphicFramePr>
+          <p:nvPr>
+            <p:ph idx="1"/>
+            <p:extLst>
+              <p:ext uri="{D42A27DB-BD31-4B8C-83A1-F6EECF244321}">
+                <p14:modId xmlns:p14="http://schemas.microsoft.com/office/powerpoint/2010/main" val="400077499"/>
+              </p:ext>
+            </p:extLst>
+          </p:nvPr>
+        </p:nvGraphicFramePr>
+        <p:xfrm>
+          <a:off x="1096963" y="1846263"/>
+          <a:ext cx="10058400" cy="4022725"/>
+        </p:xfrm>
+        <a:graphic>
+          <a:graphicData uri="http://schemas.openxmlformats.org/drawingml/2006/diagram">
+            <dgm:relIds xmlns:dgm="http://schemas.openxmlformats.org/drawingml/2006/diagram" xmlns:r="http://schemas.openxmlformats.org/officeDocument/2006/relationships" r:dm="rId3" r:lo="rId4" r:qs="rId5" r:cs="rId6"/>
+          </a:graphicData>
+        </a:graphic>
+      </p:graphicFrame>
+      <p:pic>
+        <p:nvPicPr>
+          <p:cNvPr id="4" name="Picture 2" descr="https://itarena.ua/wp-content/uploads/2015/06/softserve_logo_new-1024x308.png"/>
+          <p:cNvPicPr>
+            <a:picLocks noChangeAspect="1" noChangeArrowheads="1"/>
+          </p:cNvPicPr>
+          <p:nvPr/>
+        </p:nvPicPr>
+        <p:blipFill>
+          <a:blip r:embed="rId8" cstate="print">
+            <a:extLst>
+              <a:ext uri="{28A0092B-C50C-407E-A947-70E740481C1C}">
+                <a14:useLocalDpi xmlns:a14="http://schemas.microsoft.com/office/drawing/2010/main" val="0"/>
+              </a:ext>
+            </a:extLst>
+          </a:blip>
+          <a:srcRect/>
+          <a:stretch>
+            <a:fillRect/>
+          </a:stretch>
+        </p:blipFill>
+        <p:spPr bwMode="auto">
+          <a:xfrm>
+            <a:off x="10252363" y="6330915"/>
+            <a:ext cx="2039793" cy="613532"/>
+          </a:xfrm>
+          <a:prstGeom prst="rect">
+            <a:avLst/>
+          </a:prstGeom>
+          <a:noFill/>
+          <a:extLst>
+            <a:ext uri="{909E8E84-426E-40DD-AFC4-6F175D3DCCD1}">
+              <a14:hiddenFill xmlns:a14="http://schemas.microsoft.com/office/drawing/2010/main">
+                <a:solidFill>
+                  <a:srgbClr val="FFFFFF"/>
+                </a:solidFill>
+              </a14:hiddenFill>
+            </a:ext>
+          </a:extLst>
+        </p:spPr>
+      </p:pic>
+    </p:spTree>
+    <p:extLst>
+      <p:ext uri="{BB962C8B-B14F-4D97-AF65-F5344CB8AC3E}">
+        <p14:creationId xmlns:p14="http://schemas.microsoft.com/office/powerpoint/2010/main" val="3681324842"/>
+      </p:ext>
+    </p:extLst>
+  </p:cSld>
+  <p:clrMapOvr>
+    <a:masterClrMapping/>
+  </p:clrMapOvr>
+  <p:timing>
+    <p:tnLst>
+      <p:par>
+        <p:cTn id="1" dur="indefinite" restart="never" nodeType="tmRoot"/>
+      </p:par>
+    </p:tnLst>
+  </p:timing>
+</p:sld>
+</file>
+
+<file path=ppt/slides/slide11.xml><?xml version="1.0" encoding="utf-8"?>
+<p:sld xmlns:a="http://schemas.openxmlformats.org/drawingml/2006/main" xmlns:r="http://schemas.openxmlformats.org/officeDocument/2006/relationships" xmlns:p="http://schemas.openxmlformats.org/presentationml/2006/main">
+  <p:cSld>
+    <p:spTree>
+      <p:nvGrpSpPr>
+        <p:cNvPr id="1" name=""/>
+        <p:cNvGrpSpPr/>
+        <p:nvPr/>
+      </p:nvGrpSpPr>
+      <p:grpSpPr>
+        <a:xfrm>
+          <a:off x="0" y="0"/>
+          <a:ext cx="0" cy="0"/>
+          <a:chOff x="0" y="0"/>
+          <a:chExt cx="0" cy="0"/>
+        </a:xfrm>
+      </p:grpSpPr>
+      <p:sp>
+        <p:nvSpPr>
+          <p:cNvPr id="2" name="Title 1"/>
+          <p:cNvSpPr>
+            <a:spLocks noGrp="1"/>
+          </p:cNvSpPr>
+          <p:nvPr>
+            <p:ph type="title"/>
+          </p:nvPr>
+        </p:nvSpPr>
+        <p:spPr/>
+        <p:txBody>
+          <a:bodyPr/>
+          <a:lstStyle/>
+          <a:p>
+            <a:r>
+              <a:rPr lang="en-US" dirty="0" smtClean="0"/>
+              <a:t>Summary</a:t>
+            </a:r>
+            <a:endParaRPr lang="uk-UA" dirty="0"/>
+          </a:p>
+        </p:txBody>
+      </p:sp>
+      <p:sp>
+        <p:nvSpPr>
+          <p:cNvPr id="3" name="Content Placeholder 2"/>
+          <p:cNvSpPr>
+            <a:spLocks noGrp="1"/>
+          </p:cNvSpPr>
+          <p:nvPr>
+            <p:ph idx="1"/>
+          </p:nvPr>
+        </p:nvSpPr>
+        <p:spPr/>
+        <p:txBody>
+          <a:bodyPr/>
+          <a:lstStyle/>
+          <a:p>
+            <a:r>
+              <a:rPr lang="en-US" dirty="0" smtClean="0"/>
+              <a:t>- Selenium is the best free tool for UI testing on C#</a:t>
+            </a:r>
+          </a:p>
+          <a:p>
+            <a:r>
+              <a:rPr lang="en-US" dirty="0" smtClean="0"/>
+              <a:t>- Has a lot of advantages and just small disadvantages</a:t>
+            </a:r>
+          </a:p>
+          <a:p>
+            <a:r>
+              <a:rPr lang="en-US" dirty="0" smtClean="0"/>
+              <a:t>- Pleasant working process</a:t>
+            </a:r>
+          </a:p>
+          <a:p>
+            <a:r>
+              <a:rPr lang="en-US" dirty="0" smtClean="0"/>
+              <a:t>- Can be successfully integrated into SACS app, considering its simple page structure</a:t>
+            </a:r>
+          </a:p>
+          <a:p>
+            <a:endParaRPr lang="uk-UA" dirty="0"/>
+          </a:p>
+        </p:txBody>
+      </p:sp>
+      <p:pic>
+        <p:nvPicPr>
+          <p:cNvPr id="4" name="Picture 2" descr="https://itarena.ua/wp-content/uploads/2015/06/softserve_logo_new-1024x308.png"/>
+          <p:cNvPicPr>
+            <a:picLocks noChangeAspect="1" noChangeArrowheads="1"/>
+          </p:cNvPicPr>
+          <p:nvPr/>
+        </p:nvPicPr>
+        <p:blipFill>
+          <a:blip r:embed="rId2" cstate="print">
+            <a:extLst>
+              <a:ext uri="{28A0092B-C50C-407E-A947-70E740481C1C}">
+                <a14:useLocalDpi xmlns:a14="http://schemas.microsoft.com/office/drawing/2010/main" val="0"/>
+              </a:ext>
+            </a:extLst>
+          </a:blip>
+          <a:srcRect/>
+          <a:stretch>
+            <a:fillRect/>
+          </a:stretch>
+        </p:blipFill>
+        <p:spPr bwMode="auto">
+          <a:xfrm>
+            <a:off x="10252363" y="6330915"/>
+            <a:ext cx="2039793" cy="613532"/>
+          </a:xfrm>
+          <a:prstGeom prst="rect">
+            <a:avLst/>
+          </a:prstGeom>
+          <a:noFill/>
+          <a:extLst>
+            <a:ext uri="{909E8E84-426E-40DD-AFC4-6F175D3DCCD1}">
+              <a14:hiddenFill xmlns:a14="http://schemas.microsoft.com/office/drawing/2010/main">
+                <a:solidFill>
+                  <a:srgbClr val="FFFFFF"/>
+                </a:solidFill>
+              </a14:hiddenFill>
+            </a:ext>
+          </a:extLst>
+        </p:spPr>
+      </p:pic>
+    </p:spTree>
+    <p:extLst>
+      <p:ext uri="{BB962C8B-B14F-4D97-AF65-F5344CB8AC3E}">
+        <p14:creationId xmlns:p14="http://schemas.microsoft.com/office/powerpoint/2010/main" val="1707705552"/>
+      </p:ext>
+    </p:extLst>
+  </p:cSld>
+  <p:clrMapOvr>
+    <a:masterClrMapping/>
+  </p:clrMapOvr>
+  <p:timing>
+    <p:tnLst>
+      <p:par>
+        <p:cTn id="1" dur="indefinite" restart="never" nodeType="tmRoot"/>
+      </p:par>
+    </p:tnLst>
+  </p:timing>
+</p:sld>
+</file>
+
+<file path=ppt/slides/slide12.xml><?xml version="1.0" encoding="utf-8"?>
+<p:sld xmlns:a="http://schemas.openxmlformats.org/drawingml/2006/main" xmlns:r="http://schemas.openxmlformats.org/officeDocument/2006/relationships" xmlns:p="http://schemas.openxmlformats.org/presentationml/2006/main">
+  <p:cSld>
+    <p:spTree>
+      <p:nvGrpSpPr>
+        <p:cNvPr id="1" name=""/>
+        <p:cNvGrpSpPr/>
+        <p:nvPr/>
+      </p:nvGrpSpPr>
+      <p:grpSpPr>
+        <a:xfrm>
+          <a:off x="0" y="0"/>
+          <a:ext cx="0" cy="0"/>
+          <a:chOff x="0" y="0"/>
+          <a:chExt cx="0" cy="0"/>
+        </a:xfrm>
+      </p:grpSpPr>
+      <p:sp>
+        <p:nvSpPr>
+          <p:cNvPr id="2" name="Title 1"/>
+          <p:cNvSpPr>
+            <a:spLocks noGrp="1"/>
+          </p:cNvSpPr>
+          <p:nvPr>
+            <p:ph type="title"/>
+          </p:nvPr>
+        </p:nvSpPr>
+        <p:spPr/>
+        <p:txBody>
+          <a:bodyPr/>
+          <a:lstStyle/>
+          <a:p>
+            <a:r>
+              <a:rPr lang="en-US" dirty="0" smtClean="0"/>
+              <a:t>Questions </a:t>
+            </a:r>
+            <a:r>
+              <a:rPr lang="en-US" dirty="0"/>
+              <a:t>And Discussions</a:t>
+            </a:r>
+            <a:endParaRPr lang="uk-UA" dirty="0"/>
+          </a:p>
+        </p:txBody>
+      </p:sp>
+      <p:pic>
+        <p:nvPicPr>
+          <p:cNvPr id="6146" name="Picture 2" descr="http://plotandscatter.com/assets/images/questions.png"/>
+          <p:cNvPicPr>
+            <a:picLocks noGrp="1" noChangeAspect="1" noChangeArrowheads="1"/>
+          </p:cNvPicPr>
+          <p:nvPr>
+            <p:ph idx="1"/>
+          </p:nvPr>
+        </p:nvPicPr>
+        <p:blipFill>
+          <a:blip r:embed="rId2">
+            <a:extLst>
+              <a:ext uri="{28A0092B-C50C-407E-A947-70E740481C1C}">
+                <a14:useLocalDpi xmlns:a14="http://schemas.microsoft.com/office/drawing/2010/main" val="0"/>
+              </a:ext>
+            </a:extLst>
+          </a:blip>
+          <a:srcRect/>
+          <a:stretch>
+            <a:fillRect/>
+          </a:stretch>
+        </p:blipFill>
+        <p:spPr bwMode="auto">
+          <a:xfrm>
+            <a:off x="2576700" y="1846263"/>
+            <a:ext cx="7098926" cy="4022725"/>
+          </a:xfrm>
+          <a:prstGeom prst="rect">
+            <a:avLst/>
+          </a:prstGeom>
+          <a:noFill/>
+          <a:extLst>
+            <a:ext uri="{909E8E84-426E-40DD-AFC4-6F175D3DCCD1}">
+              <a14:hiddenFill xmlns:a14="http://schemas.microsoft.com/office/drawing/2010/main">
+                <a:solidFill>
+                  <a:srgbClr val="FFFFFF"/>
+                </a:solidFill>
+              </a14:hiddenFill>
+            </a:ext>
+          </a:extLst>
+        </p:spPr>
+      </p:pic>
+      <p:pic>
+        <p:nvPicPr>
+          <p:cNvPr id="5" name="Picture 2" descr="https://itarena.ua/wp-content/uploads/2015/06/softserve_logo_new-1024x308.png"/>
+          <p:cNvPicPr>
+            <a:picLocks noChangeAspect="1" noChangeArrowheads="1"/>
+          </p:cNvPicPr>
+          <p:nvPr/>
+        </p:nvPicPr>
+        <p:blipFill>
+          <a:blip r:embed="rId3" cstate="print">
+            <a:extLst>
+              <a:ext uri="{28A0092B-C50C-407E-A947-70E740481C1C}">
+                <a14:useLocalDpi xmlns:a14="http://schemas.microsoft.com/office/drawing/2010/main" val="0"/>
+              </a:ext>
+            </a:extLst>
+          </a:blip>
+          <a:srcRect/>
+          <a:stretch>
+            <a:fillRect/>
+          </a:stretch>
+        </p:blipFill>
+        <p:spPr bwMode="auto">
+          <a:xfrm>
+            <a:off x="10252363" y="6330915"/>
+            <a:ext cx="2039793" cy="613532"/>
+          </a:xfrm>
+          <a:prstGeom prst="rect">
+            <a:avLst/>
+          </a:prstGeom>
+          <a:noFill/>
+          <a:extLst>
+            <a:ext uri="{909E8E84-426E-40DD-AFC4-6F175D3DCCD1}">
+              <a14:hiddenFill xmlns:a14="http://schemas.microsoft.com/office/drawing/2010/main">
+                <a:solidFill>
+                  <a:srgbClr val="FFFFFF"/>
+                </a:solidFill>
+              </a14:hiddenFill>
+            </a:ext>
+          </a:extLst>
+        </p:spPr>
+      </p:pic>
+    </p:spTree>
+    <p:extLst>
+      <p:ext uri="{BB962C8B-B14F-4D97-AF65-F5344CB8AC3E}">
+        <p14:creationId xmlns:p14="http://schemas.microsoft.com/office/powerpoint/2010/main" val="982513984"/>
+      </p:ext>
+    </p:extLst>
+  </p:cSld>
+  <p:clrMapOvr>
+    <a:masterClrMapping/>
+  </p:clrMapOvr>
+  <p:timing>
+    <p:tnLst>
+      <p:par>
+        <p:cTn id="1" dur="indefinite" restart="never" nodeType="tmRoot"/>
+      </p:par>
+    </p:tnLst>
+  </p:timing>
 </p:sld>
 </file>
 
@@ -3981,7 +8616,9 @@
         </p:nvSpPr>
         <p:spPr/>
         <p:txBody>
-          <a:bodyPr/>
+          <a:bodyPr>
+            <a:normAutofit fontScale="92500" lnSpcReduction="10000"/>
+          </a:bodyPr>
           <a:lstStyle/>
           <a:p>
             <a:r>
@@ -4016,7 +8653,7 @@
           <a:p>
             <a:r>
               <a:rPr lang="en-US" dirty="0" smtClean="0"/>
-              <a:t>6. Selenium Like A Tool For Integrations’ Tests</a:t>
+              <a:t>6. Selenium Like A Tool For Functional Tests</a:t>
             </a:r>
           </a:p>
           <a:p>
@@ -4027,27 +8664,66 @@
           </a:p>
           <a:p>
             <a:r>
-              <a:rPr lang="en-US" dirty="0"/>
-              <a:t>8</a:t>
-            </a:r>
-            <a:r>
               <a:rPr lang="en-US" dirty="0" smtClean="0"/>
-              <a:t>. Summary</a:t>
+              <a:t>8. Experienced Developer Feedback</a:t>
             </a:r>
           </a:p>
           <a:p>
             <a:r>
               <a:rPr lang="en-US" dirty="0" smtClean="0"/>
-              <a:t>9. Questions </a:t>
-            </a:r>
-            <a:r>
-              <a:rPr lang="en-US" smtClean="0"/>
-              <a:t>And Discussions</a:t>
+              <a:t>9. Summary</a:t>
+            </a:r>
+          </a:p>
+          <a:p>
+            <a:r>
+              <a:rPr lang="en-US" dirty="0" smtClean="0"/>
+              <a:t>10. Questions And Discussions</a:t>
             </a:r>
             <a:endParaRPr lang="uk-UA" dirty="0"/>
           </a:p>
         </p:txBody>
       </p:sp>
+      <p:pic>
+        <p:nvPicPr>
+          <p:cNvPr id="2050" name="Picture 2" descr="https://itarena.ua/wp-content/uploads/2015/06/softserve_logo_new-1024x308.png"/>
+          <p:cNvPicPr>
+            <a:picLocks noChangeAspect="1" noChangeArrowheads="1"/>
+          </p:cNvPicPr>
+          <p:nvPr/>
+        </p:nvPicPr>
+        <p:blipFill>
+          <a:blip r:embed="rId2" cstate="print">
+            <a:extLst>
+              <a:ext uri="{28A0092B-C50C-407E-A947-70E740481C1C}">
+                <a14:useLocalDpi xmlns:a14="http://schemas.microsoft.com/office/drawing/2010/main" val="0"/>
+              </a:ext>
+            </a:extLst>
+          </a:blip>
+          <a:srcRect/>
+          <a:stretch>
+            <a:fillRect/>
+          </a:stretch>
+        </p:blipFill>
+        <p:spPr bwMode="auto">
+          <a:xfrm>
+            <a:off x="10252363" y="6330915"/>
+            <a:ext cx="2039793" cy="613532"/>
+          </a:xfrm>
+          <a:prstGeom prst="rect">
+            <a:avLst/>
+          </a:prstGeom>
+          <a:noFill/>
+          <a:extLst>
+            <a:ext uri="{909E8E84-426E-40DD-AFC4-6F175D3DCCD1}">
+              <a14:hiddenFill xmlns:a14="http://schemas.microsoft.com/office/drawing/2010/main">
+                <a:solidFill>
+                  <a:srgbClr val="FFFFFF"/>
+                </a:solidFill>
+              </a14:hiddenFill>
+            </a:ext>
+          </a:extLst>
+        </p:spPr>
+      </p:pic>
     </p:spTree>
     <p:extLst>
       <p:ext uri="{BB962C8B-B14F-4D97-AF65-F5344CB8AC3E}">
@@ -4058,6 +8734,1036 @@
   <p:clrMapOvr>
     <a:masterClrMapping/>
   </p:clrMapOvr>
+  <p:timing>
+    <p:tnLst>
+      <p:par>
+        <p:cTn id="1" dur="indefinite" restart="never" nodeType="tmRoot"/>
+      </p:par>
+    </p:tnLst>
+  </p:timing>
+</p:sld>
+</file>
+
+<file path=ppt/slides/slide3.xml><?xml version="1.0" encoding="utf-8"?>
+<p:sld xmlns:a="http://schemas.openxmlformats.org/drawingml/2006/main" xmlns:r="http://schemas.openxmlformats.org/officeDocument/2006/relationships" xmlns:p="http://schemas.openxmlformats.org/presentationml/2006/main">
+  <p:cSld>
+    <p:spTree>
+      <p:nvGrpSpPr>
+        <p:cNvPr id="1" name=""/>
+        <p:cNvGrpSpPr/>
+        <p:nvPr/>
+      </p:nvGrpSpPr>
+      <p:grpSpPr>
+        <a:xfrm>
+          <a:off x="0" y="0"/>
+          <a:ext cx="0" cy="0"/>
+          <a:chOff x="0" y="0"/>
+          <a:chExt cx="0" cy="0"/>
+        </a:xfrm>
+      </p:grpSpPr>
+      <p:sp>
+        <p:nvSpPr>
+          <p:cNvPr id="2" name="Title 1"/>
+          <p:cNvSpPr>
+            <a:spLocks noGrp="1"/>
+          </p:cNvSpPr>
+          <p:nvPr>
+            <p:ph type="title"/>
+          </p:nvPr>
+        </p:nvSpPr>
+        <p:spPr/>
+        <p:txBody>
+          <a:bodyPr/>
+          <a:lstStyle/>
+          <a:p>
+            <a:r>
+              <a:rPr lang="en-US" dirty="0"/>
+              <a:t>What is Selenium</a:t>
+            </a:r>
+            <a:r>
+              <a:rPr lang="en-US" dirty="0" smtClean="0"/>
+              <a:t>?</a:t>
+            </a:r>
+            <a:endParaRPr lang="uk-UA" dirty="0"/>
+          </a:p>
+        </p:txBody>
+      </p:sp>
+      <p:sp>
+        <p:nvSpPr>
+          <p:cNvPr id="3" name="Content Placeholder 2"/>
+          <p:cNvSpPr>
+            <a:spLocks noGrp="1"/>
+          </p:cNvSpPr>
+          <p:nvPr>
+            <p:ph idx="1"/>
+          </p:nvPr>
+        </p:nvSpPr>
+        <p:spPr/>
+        <p:txBody>
+          <a:bodyPr/>
+          <a:lstStyle/>
+          <a:p>
+            <a:r>
+              <a:rPr lang="en-US" dirty="0" smtClean="0"/>
+              <a:t>Selenium is a portable framework for testing web applications. It provides:</a:t>
+            </a:r>
+            <a:endParaRPr lang="en-US" dirty="0"/>
+          </a:p>
+          <a:p>
+            <a:r>
+              <a:rPr lang="en-US" dirty="0" smtClean="0"/>
+              <a:t>- Possibility to build UI-tests without scripting language knowledge (Selenium IDE).</a:t>
+            </a:r>
+          </a:p>
+          <a:p>
+            <a:r>
+              <a:rPr lang="en-US" dirty="0" smtClean="0"/>
+              <a:t>- Multi-language support, including C#</a:t>
+            </a:r>
+          </a:p>
+          <a:p>
+            <a:r>
+              <a:rPr lang="en-US" dirty="0" smtClean="0"/>
+              <a:t>- Support of the most modern browsers, like Chrome, Mozilla, IE</a:t>
+            </a:r>
+          </a:p>
+          <a:p>
+            <a:r>
+              <a:rPr lang="en-US" dirty="0" smtClean="0"/>
+              <a:t>- Cross platform support (Windows, Linux, </a:t>
+            </a:r>
+            <a:r>
+              <a:rPr lang="en-US" dirty="0" err="1" smtClean="0"/>
+              <a:t>MacOS</a:t>
+            </a:r>
+            <a:r>
+              <a:rPr lang="en-US" dirty="0" smtClean="0"/>
+              <a:t>)</a:t>
+            </a:r>
+          </a:p>
+          <a:p>
+            <a:r>
+              <a:rPr lang="en-US" dirty="0" smtClean="0"/>
+              <a:t>- Open-source project type, under Apache 2.0 license</a:t>
+            </a:r>
+            <a:endParaRPr lang="uk-UA" dirty="0"/>
+          </a:p>
+        </p:txBody>
+      </p:sp>
+      <p:pic>
+        <p:nvPicPr>
+          <p:cNvPr id="4" name="Picture 2" descr="https://itarena.ua/wp-content/uploads/2015/06/softserve_logo_new-1024x308.png"/>
+          <p:cNvPicPr>
+            <a:picLocks noChangeAspect="1" noChangeArrowheads="1"/>
+          </p:cNvPicPr>
+          <p:nvPr/>
+        </p:nvPicPr>
+        <p:blipFill>
+          <a:blip r:embed="rId3" cstate="print">
+            <a:extLst>
+              <a:ext uri="{28A0092B-C50C-407E-A947-70E740481C1C}">
+                <a14:useLocalDpi xmlns:a14="http://schemas.microsoft.com/office/drawing/2010/main" val="0"/>
+              </a:ext>
+            </a:extLst>
+          </a:blip>
+          <a:srcRect/>
+          <a:stretch>
+            <a:fillRect/>
+          </a:stretch>
+        </p:blipFill>
+        <p:spPr bwMode="auto">
+          <a:xfrm>
+            <a:off x="10252363" y="6330915"/>
+            <a:ext cx="2039793" cy="613532"/>
+          </a:xfrm>
+          <a:prstGeom prst="rect">
+            <a:avLst/>
+          </a:prstGeom>
+          <a:noFill/>
+          <a:extLst>
+            <a:ext uri="{909E8E84-426E-40DD-AFC4-6F175D3DCCD1}">
+              <a14:hiddenFill xmlns:a14="http://schemas.microsoft.com/office/drawing/2010/main">
+                <a:solidFill>
+                  <a:srgbClr val="FFFFFF"/>
+                </a:solidFill>
+              </a14:hiddenFill>
+            </a:ext>
+          </a:extLst>
+        </p:spPr>
+      </p:pic>
+    </p:spTree>
+    <p:extLst>
+      <p:ext uri="{BB962C8B-B14F-4D97-AF65-F5344CB8AC3E}">
+        <p14:creationId xmlns:p14="http://schemas.microsoft.com/office/powerpoint/2010/main" val="3929260957"/>
+      </p:ext>
+    </p:extLst>
+  </p:cSld>
+  <p:clrMapOvr>
+    <a:masterClrMapping/>
+  </p:clrMapOvr>
+  <p:timing>
+    <p:tnLst>
+      <p:par>
+        <p:cTn id="1" dur="indefinite" restart="never" nodeType="tmRoot"/>
+      </p:par>
+    </p:tnLst>
+  </p:timing>
+</p:sld>
+</file>
+
+<file path=ppt/slides/slide4.xml><?xml version="1.0" encoding="utf-8"?>
+<p:sld xmlns:a="http://schemas.openxmlformats.org/drawingml/2006/main" xmlns:r="http://schemas.openxmlformats.org/officeDocument/2006/relationships" xmlns:p="http://schemas.openxmlformats.org/presentationml/2006/main">
+  <p:cSld>
+    <p:spTree>
+      <p:nvGrpSpPr>
+        <p:cNvPr id="1" name=""/>
+        <p:cNvGrpSpPr/>
+        <p:nvPr/>
+      </p:nvGrpSpPr>
+      <p:grpSpPr>
+        <a:xfrm>
+          <a:off x="0" y="0"/>
+          <a:ext cx="0" cy="0"/>
+          <a:chOff x="0" y="0"/>
+          <a:chExt cx="0" cy="0"/>
+        </a:xfrm>
+      </p:grpSpPr>
+      <p:sp>
+        <p:nvSpPr>
+          <p:cNvPr id="2" name="Title 1"/>
+          <p:cNvSpPr>
+            <a:spLocks noGrp="1"/>
+          </p:cNvSpPr>
+          <p:nvPr>
+            <p:ph type="title"/>
+          </p:nvPr>
+        </p:nvSpPr>
+        <p:spPr/>
+        <p:txBody>
+          <a:bodyPr/>
+          <a:lstStyle/>
+          <a:p>
+            <a:r>
+              <a:rPr lang="en-US" dirty="0"/>
+              <a:t>Selenium vs General Competitors</a:t>
+            </a:r>
+            <a:endParaRPr lang="uk-UA" dirty="0"/>
+          </a:p>
+        </p:txBody>
+      </p:sp>
+      <p:pic>
+        <p:nvPicPr>
+          <p:cNvPr id="6" name="Content Placeholder 5"/>
+          <p:cNvPicPr>
+            <a:picLocks noGrp="1" noChangeAspect="1"/>
+          </p:cNvPicPr>
+          <p:nvPr>
+            <p:ph idx="1"/>
+          </p:nvPr>
+        </p:nvPicPr>
+        <p:blipFill>
+          <a:blip r:embed="rId3"/>
+          <a:stretch>
+            <a:fillRect/>
+          </a:stretch>
+        </p:blipFill>
+        <p:spPr>
+          <a:xfrm>
+            <a:off x="1207449" y="1885970"/>
+            <a:ext cx="8405870" cy="4296334"/>
+          </a:xfrm>
+          <a:prstGeom prst="rect">
+            <a:avLst/>
+          </a:prstGeom>
+        </p:spPr>
+      </p:pic>
+      <p:pic>
+        <p:nvPicPr>
+          <p:cNvPr id="7" name="Picture 2" descr="https://itarena.ua/wp-content/uploads/2015/06/softserve_logo_new-1024x308.png"/>
+          <p:cNvPicPr>
+            <a:picLocks noChangeAspect="1" noChangeArrowheads="1"/>
+          </p:cNvPicPr>
+          <p:nvPr/>
+        </p:nvPicPr>
+        <p:blipFill>
+          <a:blip r:embed="rId4" cstate="print">
+            <a:extLst>
+              <a:ext uri="{28A0092B-C50C-407E-A947-70E740481C1C}">
+                <a14:useLocalDpi xmlns:a14="http://schemas.microsoft.com/office/drawing/2010/main" val="0"/>
+              </a:ext>
+            </a:extLst>
+          </a:blip>
+          <a:srcRect/>
+          <a:stretch>
+            <a:fillRect/>
+          </a:stretch>
+        </p:blipFill>
+        <p:spPr bwMode="auto">
+          <a:xfrm>
+            <a:off x="10252363" y="6330915"/>
+            <a:ext cx="2039793" cy="613532"/>
+          </a:xfrm>
+          <a:prstGeom prst="rect">
+            <a:avLst/>
+          </a:prstGeom>
+          <a:noFill/>
+          <a:extLst>
+            <a:ext uri="{909E8E84-426E-40DD-AFC4-6F175D3DCCD1}">
+              <a14:hiddenFill xmlns:a14="http://schemas.microsoft.com/office/drawing/2010/main">
+                <a:solidFill>
+                  <a:srgbClr val="FFFFFF"/>
+                </a:solidFill>
+              </a14:hiddenFill>
+            </a:ext>
+          </a:extLst>
+        </p:spPr>
+      </p:pic>
+    </p:spTree>
+    <p:extLst>
+      <p:ext uri="{BB962C8B-B14F-4D97-AF65-F5344CB8AC3E}">
+        <p14:creationId xmlns:p14="http://schemas.microsoft.com/office/powerpoint/2010/main" val="3817158194"/>
+      </p:ext>
+    </p:extLst>
+  </p:cSld>
+  <p:clrMapOvr>
+    <a:masterClrMapping/>
+  </p:clrMapOvr>
+  <p:timing>
+    <p:tnLst>
+      <p:par>
+        <p:cTn id="1" dur="indefinite" restart="never" nodeType="tmRoot"/>
+      </p:par>
+    </p:tnLst>
+  </p:timing>
+</p:sld>
+</file>
+
+<file path=ppt/slides/slide5.xml><?xml version="1.0" encoding="utf-8"?>
+<p:sld xmlns:a="http://schemas.openxmlformats.org/drawingml/2006/main" xmlns:r="http://schemas.openxmlformats.org/officeDocument/2006/relationships" xmlns:p="http://schemas.openxmlformats.org/presentationml/2006/main">
+  <p:cSld>
+    <p:spTree>
+      <p:nvGrpSpPr>
+        <p:cNvPr id="1" name=""/>
+        <p:cNvGrpSpPr/>
+        <p:nvPr/>
+      </p:nvGrpSpPr>
+      <p:grpSpPr>
+        <a:xfrm>
+          <a:off x="0" y="0"/>
+          <a:ext cx="0" cy="0"/>
+          <a:chOff x="0" y="0"/>
+          <a:chExt cx="0" cy="0"/>
+        </a:xfrm>
+      </p:grpSpPr>
+      <p:sp>
+        <p:nvSpPr>
+          <p:cNvPr id="2" name="Title 1"/>
+          <p:cNvSpPr>
+            <a:spLocks noGrp="1"/>
+          </p:cNvSpPr>
+          <p:nvPr>
+            <p:ph type="title"/>
+          </p:nvPr>
+        </p:nvSpPr>
+        <p:spPr/>
+        <p:txBody>
+          <a:bodyPr/>
+          <a:lstStyle/>
+          <a:p>
+            <a:r>
+              <a:rPr lang="en-US" dirty="0"/>
+              <a:t>Selenium vs .NET </a:t>
+            </a:r>
+            <a:r>
+              <a:rPr lang="en-US" dirty="0" smtClean="0"/>
+              <a:t>Competitors (</a:t>
+            </a:r>
+            <a:r>
+              <a:rPr lang="en-US" dirty="0" err="1" smtClean="0"/>
+              <a:t>Watin</a:t>
+            </a:r>
+            <a:r>
+              <a:rPr lang="en-US" dirty="0" smtClean="0"/>
+              <a:t>)</a:t>
+            </a:r>
+            <a:endParaRPr lang="uk-UA" dirty="0"/>
+          </a:p>
+        </p:txBody>
+      </p:sp>
+      <p:pic>
+        <p:nvPicPr>
+          <p:cNvPr id="4" name="Content Placeholder 3"/>
+          <p:cNvPicPr>
+            <a:picLocks noGrp="1" noChangeAspect="1"/>
+          </p:cNvPicPr>
+          <p:nvPr>
+            <p:ph idx="1"/>
+          </p:nvPr>
+        </p:nvPicPr>
+        <p:blipFill>
+          <a:blip r:embed="rId3"/>
+          <a:stretch>
+            <a:fillRect/>
+          </a:stretch>
+        </p:blipFill>
+        <p:spPr>
+          <a:xfrm>
+            <a:off x="1509362" y="2027104"/>
+            <a:ext cx="9646318" cy="3824680"/>
+          </a:xfrm>
+          <a:prstGeom prst="rect">
+            <a:avLst/>
+          </a:prstGeom>
+        </p:spPr>
+      </p:pic>
+      <p:pic>
+        <p:nvPicPr>
+          <p:cNvPr id="5" name="Picture 2" descr="https://itarena.ua/wp-content/uploads/2015/06/softserve_logo_new-1024x308.png"/>
+          <p:cNvPicPr>
+            <a:picLocks noChangeAspect="1" noChangeArrowheads="1"/>
+          </p:cNvPicPr>
+          <p:nvPr/>
+        </p:nvPicPr>
+        <p:blipFill>
+          <a:blip r:embed="rId4" cstate="print">
+            <a:extLst>
+              <a:ext uri="{28A0092B-C50C-407E-A947-70E740481C1C}">
+                <a14:useLocalDpi xmlns:a14="http://schemas.microsoft.com/office/drawing/2010/main" val="0"/>
+              </a:ext>
+            </a:extLst>
+          </a:blip>
+          <a:srcRect/>
+          <a:stretch>
+            <a:fillRect/>
+          </a:stretch>
+        </p:blipFill>
+        <p:spPr bwMode="auto">
+          <a:xfrm>
+            <a:off x="10252363" y="6330915"/>
+            <a:ext cx="2039793" cy="613532"/>
+          </a:xfrm>
+          <a:prstGeom prst="rect">
+            <a:avLst/>
+          </a:prstGeom>
+          <a:noFill/>
+          <a:extLst>
+            <a:ext uri="{909E8E84-426E-40DD-AFC4-6F175D3DCCD1}">
+              <a14:hiddenFill xmlns:a14="http://schemas.microsoft.com/office/drawing/2010/main">
+                <a:solidFill>
+                  <a:srgbClr val="FFFFFF"/>
+                </a:solidFill>
+              </a14:hiddenFill>
+            </a:ext>
+          </a:extLst>
+        </p:spPr>
+      </p:pic>
+    </p:spTree>
+    <p:extLst>
+      <p:ext uri="{BB962C8B-B14F-4D97-AF65-F5344CB8AC3E}">
+        <p14:creationId xmlns:p14="http://schemas.microsoft.com/office/powerpoint/2010/main" val="909161766"/>
+      </p:ext>
+    </p:extLst>
+  </p:cSld>
+  <p:clrMapOvr>
+    <a:masterClrMapping/>
+  </p:clrMapOvr>
+  <p:timing>
+    <p:tnLst>
+      <p:par>
+        <p:cTn id="1" dur="indefinite" restart="never" nodeType="tmRoot"/>
+      </p:par>
+    </p:tnLst>
+  </p:timing>
+</p:sld>
+</file>
+
+<file path=ppt/slides/slide6.xml><?xml version="1.0" encoding="utf-8"?>
+<p:sld xmlns:a="http://schemas.openxmlformats.org/drawingml/2006/main" xmlns:r="http://schemas.openxmlformats.org/officeDocument/2006/relationships" xmlns:p="http://schemas.openxmlformats.org/presentationml/2006/main">
+  <p:cSld>
+    <p:spTree>
+      <p:nvGrpSpPr>
+        <p:cNvPr id="1" name=""/>
+        <p:cNvGrpSpPr/>
+        <p:nvPr/>
+      </p:nvGrpSpPr>
+      <p:grpSpPr>
+        <a:xfrm>
+          <a:off x="0" y="0"/>
+          <a:ext cx="0" cy="0"/>
+          <a:chOff x="0" y="0"/>
+          <a:chExt cx="0" cy="0"/>
+        </a:xfrm>
+      </p:grpSpPr>
+      <p:sp>
+        <p:nvSpPr>
+          <p:cNvPr id="2" name="Title 1"/>
+          <p:cNvSpPr>
+            <a:spLocks noGrp="1"/>
+          </p:cNvSpPr>
+          <p:nvPr>
+            <p:ph type="title"/>
+          </p:nvPr>
+        </p:nvSpPr>
+        <p:spPr/>
+        <p:txBody>
+          <a:bodyPr/>
+          <a:lstStyle/>
+          <a:p>
+            <a:r>
+              <a:rPr lang="en-US" dirty="0"/>
+              <a:t>Recap: Why Selenium</a:t>
+            </a:r>
+            <a:r>
+              <a:rPr lang="en-US" dirty="0" smtClean="0"/>
+              <a:t>?</a:t>
+            </a:r>
+            <a:endParaRPr lang="uk-UA" dirty="0"/>
+          </a:p>
+        </p:txBody>
+      </p:sp>
+      <p:sp>
+        <p:nvSpPr>
+          <p:cNvPr id="3" name="Content Placeholder 2"/>
+          <p:cNvSpPr>
+            <a:spLocks noGrp="1"/>
+          </p:cNvSpPr>
+          <p:nvPr>
+            <p:ph idx="1"/>
+          </p:nvPr>
+        </p:nvSpPr>
+        <p:spPr/>
+        <p:txBody>
+          <a:bodyPr/>
+          <a:lstStyle/>
+          <a:p>
+            <a:r>
+              <a:rPr lang="en-US" dirty="0" smtClean="0"/>
+              <a:t>1. Best tool for UI-testing amongst others non-.NET frameworks</a:t>
+            </a:r>
+          </a:p>
+          <a:p>
+            <a:r>
+              <a:rPr lang="en-US" dirty="0" smtClean="0"/>
+              <a:t>2. Too weak competitors in a .NET area</a:t>
+            </a:r>
+          </a:p>
+          <a:p>
+            <a:r>
+              <a:rPr lang="en-US" dirty="0" smtClean="0"/>
+              <a:t>3. Has a good Wiki</a:t>
+            </a:r>
+          </a:p>
+          <a:p>
+            <a:r>
+              <a:rPr lang="en-US" dirty="0" smtClean="0"/>
+              <a:t>4. Free To Use</a:t>
+            </a:r>
+            <a:endParaRPr lang="uk-UA" dirty="0"/>
+          </a:p>
+        </p:txBody>
+      </p:sp>
+      <p:pic>
+        <p:nvPicPr>
+          <p:cNvPr id="4" name="Picture 2" descr="https://itarena.ua/wp-content/uploads/2015/06/softserve_logo_new-1024x308.png"/>
+          <p:cNvPicPr>
+            <a:picLocks noChangeAspect="1" noChangeArrowheads="1"/>
+          </p:cNvPicPr>
+          <p:nvPr/>
+        </p:nvPicPr>
+        <p:blipFill>
+          <a:blip r:embed="rId2" cstate="print">
+            <a:extLst>
+              <a:ext uri="{28A0092B-C50C-407E-A947-70E740481C1C}">
+                <a14:useLocalDpi xmlns:a14="http://schemas.microsoft.com/office/drawing/2010/main" val="0"/>
+              </a:ext>
+            </a:extLst>
+          </a:blip>
+          <a:srcRect/>
+          <a:stretch>
+            <a:fillRect/>
+          </a:stretch>
+        </p:blipFill>
+        <p:spPr bwMode="auto">
+          <a:xfrm>
+            <a:off x="10252363" y="6330915"/>
+            <a:ext cx="2039793" cy="613532"/>
+          </a:xfrm>
+          <a:prstGeom prst="rect">
+            <a:avLst/>
+          </a:prstGeom>
+          <a:noFill/>
+          <a:extLst>
+            <a:ext uri="{909E8E84-426E-40DD-AFC4-6F175D3DCCD1}">
+              <a14:hiddenFill xmlns:a14="http://schemas.microsoft.com/office/drawing/2010/main">
+                <a:solidFill>
+                  <a:srgbClr val="FFFFFF"/>
+                </a:solidFill>
+              </a14:hiddenFill>
+            </a:ext>
+          </a:extLst>
+        </p:spPr>
+      </p:pic>
+    </p:spTree>
+    <p:extLst>
+      <p:ext uri="{BB962C8B-B14F-4D97-AF65-F5344CB8AC3E}">
+        <p14:creationId xmlns:p14="http://schemas.microsoft.com/office/powerpoint/2010/main" val="3942572258"/>
+      </p:ext>
+    </p:extLst>
+  </p:cSld>
+  <p:clrMapOvr>
+    <a:masterClrMapping/>
+  </p:clrMapOvr>
+  <p:timing>
+    <p:tnLst>
+      <p:par>
+        <p:cTn id="1" dur="indefinite" restart="never" nodeType="tmRoot"/>
+      </p:par>
+    </p:tnLst>
+  </p:timing>
+</p:sld>
+</file>
+
+<file path=ppt/slides/slide7.xml><?xml version="1.0" encoding="utf-8"?>
+<p:sld xmlns:a="http://schemas.openxmlformats.org/drawingml/2006/main" xmlns:r="http://schemas.openxmlformats.org/officeDocument/2006/relationships" xmlns:p="http://schemas.openxmlformats.org/presentationml/2006/main">
+  <p:cSld>
+    <p:spTree>
+      <p:nvGrpSpPr>
+        <p:cNvPr id="1" name=""/>
+        <p:cNvGrpSpPr/>
+        <p:nvPr/>
+      </p:nvGrpSpPr>
+      <p:grpSpPr>
+        <a:xfrm>
+          <a:off x="0" y="0"/>
+          <a:ext cx="0" cy="0"/>
+          <a:chOff x="0" y="0"/>
+          <a:chExt cx="0" cy="0"/>
+        </a:xfrm>
+      </p:grpSpPr>
+      <p:sp>
+        <p:nvSpPr>
+          <p:cNvPr id="2" name="Title 1"/>
+          <p:cNvSpPr>
+            <a:spLocks noGrp="1"/>
+          </p:cNvSpPr>
+          <p:nvPr>
+            <p:ph type="title"/>
+          </p:nvPr>
+        </p:nvSpPr>
+        <p:spPr/>
+        <p:txBody>
+          <a:bodyPr/>
+          <a:lstStyle/>
+          <a:p>
+            <a:r>
+              <a:rPr lang="en-US" dirty="0"/>
+              <a:t>Selenium’s Intro Feature List</a:t>
+            </a:r>
+            <a:endParaRPr lang="uk-UA" dirty="0"/>
+          </a:p>
+        </p:txBody>
+      </p:sp>
+      <p:sp>
+        <p:nvSpPr>
+          <p:cNvPr id="3" name="Content Placeholder 2"/>
+          <p:cNvSpPr>
+            <a:spLocks noGrp="1"/>
+          </p:cNvSpPr>
+          <p:nvPr>
+            <p:ph idx="1"/>
+          </p:nvPr>
+        </p:nvSpPr>
+        <p:spPr/>
+        <p:txBody>
+          <a:bodyPr/>
+          <a:lstStyle/>
+          <a:p>
+            <a:r>
+              <a:rPr lang="en-US" dirty="0" smtClean="0"/>
+              <a:t>- Automatically start selected browser</a:t>
+            </a:r>
+          </a:p>
+          <a:p>
+            <a:r>
+              <a:rPr lang="en-US" dirty="0" smtClean="0"/>
+              <a:t>- Find and open web page by URI</a:t>
+            </a:r>
+          </a:p>
+          <a:p>
+            <a:r>
+              <a:rPr lang="en-US" dirty="0" smtClean="0"/>
+              <a:t>- Find a DOM-element by id, class-name etc.</a:t>
+            </a:r>
+          </a:p>
+          <a:p>
+            <a:r>
+              <a:rPr lang="en-US" dirty="0" smtClean="0"/>
+              <a:t>- Fill textboxes, press buttons etc.</a:t>
+            </a:r>
+          </a:p>
+          <a:p>
+            <a:r>
+              <a:rPr lang="en-US" dirty="0" smtClean="0"/>
+              <a:t>- Set a smart delay for web-surfing (implicit/explicit) </a:t>
+            </a:r>
+            <a:endParaRPr lang="uk-UA" dirty="0"/>
+          </a:p>
+        </p:txBody>
+      </p:sp>
+      <p:pic>
+        <p:nvPicPr>
+          <p:cNvPr id="4" name="Picture 2" descr="https://itarena.ua/wp-content/uploads/2015/06/softserve_logo_new-1024x308.png"/>
+          <p:cNvPicPr>
+            <a:picLocks noChangeAspect="1" noChangeArrowheads="1"/>
+          </p:cNvPicPr>
+          <p:nvPr/>
+        </p:nvPicPr>
+        <p:blipFill>
+          <a:blip r:embed="rId2" cstate="print">
+            <a:extLst>
+              <a:ext uri="{28A0092B-C50C-407E-A947-70E740481C1C}">
+                <a14:useLocalDpi xmlns:a14="http://schemas.microsoft.com/office/drawing/2010/main" val="0"/>
+              </a:ext>
+            </a:extLst>
+          </a:blip>
+          <a:srcRect/>
+          <a:stretch>
+            <a:fillRect/>
+          </a:stretch>
+        </p:blipFill>
+        <p:spPr bwMode="auto">
+          <a:xfrm>
+            <a:off x="10252363" y="6330915"/>
+            <a:ext cx="2039793" cy="613532"/>
+          </a:xfrm>
+          <a:prstGeom prst="rect">
+            <a:avLst/>
+          </a:prstGeom>
+          <a:noFill/>
+          <a:extLst>
+            <a:ext uri="{909E8E84-426E-40DD-AFC4-6F175D3DCCD1}">
+              <a14:hiddenFill xmlns:a14="http://schemas.microsoft.com/office/drawing/2010/main">
+                <a:solidFill>
+                  <a:srgbClr val="FFFFFF"/>
+                </a:solidFill>
+              </a14:hiddenFill>
+            </a:ext>
+          </a:extLst>
+        </p:spPr>
+      </p:pic>
+    </p:spTree>
+    <p:extLst>
+      <p:ext uri="{BB962C8B-B14F-4D97-AF65-F5344CB8AC3E}">
+        <p14:creationId xmlns:p14="http://schemas.microsoft.com/office/powerpoint/2010/main" val="4046683895"/>
+      </p:ext>
+    </p:extLst>
+  </p:cSld>
+  <p:clrMapOvr>
+    <a:masterClrMapping/>
+  </p:clrMapOvr>
+  <p:timing>
+    <p:tnLst>
+      <p:par>
+        <p:cTn id="1" dur="indefinite" restart="never" nodeType="tmRoot"/>
+      </p:par>
+    </p:tnLst>
+  </p:timing>
+</p:sld>
+</file>
+
+<file path=ppt/slides/slide8.xml><?xml version="1.0" encoding="utf-8"?>
+<p:sld xmlns:a="http://schemas.openxmlformats.org/drawingml/2006/main" xmlns:r="http://schemas.openxmlformats.org/officeDocument/2006/relationships" xmlns:p="http://schemas.openxmlformats.org/presentationml/2006/main">
+  <p:cSld>
+    <p:spTree>
+      <p:nvGrpSpPr>
+        <p:cNvPr id="1" name=""/>
+        <p:cNvGrpSpPr/>
+        <p:nvPr/>
+      </p:nvGrpSpPr>
+      <p:grpSpPr>
+        <a:xfrm>
+          <a:off x="0" y="0"/>
+          <a:ext cx="0" cy="0"/>
+          <a:chOff x="0" y="0"/>
+          <a:chExt cx="0" cy="0"/>
+        </a:xfrm>
+      </p:grpSpPr>
+      <p:sp>
+        <p:nvSpPr>
+          <p:cNvPr id="2" name="Title 1"/>
+          <p:cNvSpPr>
+            <a:spLocks noGrp="1"/>
+          </p:cNvSpPr>
+          <p:nvPr>
+            <p:ph type="title"/>
+          </p:nvPr>
+        </p:nvSpPr>
+        <p:spPr/>
+        <p:txBody>
+          <a:bodyPr/>
+          <a:lstStyle/>
+          <a:p>
+            <a:r>
+              <a:rPr lang="en-US" dirty="0"/>
+              <a:t>Selenium Like A Tool For </a:t>
+            </a:r>
+            <a:r>
+              <a:rPr lang="en-US" dirty="0" smtClean="0"/>
+              <a:t>Functional </a:t>
+            </a:r>
+            <a:r>
+              <a:rPr lang="en-US" dirty="0"/>
+              <a:t>Tests</a:t>
+            </a:r>
+            <a:endParaRPr lang="uk-UA" dirty="0"/>
+          </a:p>
+        </p:txBody>
+      </p:sp>
+      <p:pic>
+        <p:nvPicPr>
+          <p:cNvPr id="3076" name="Picture 4" descr="https://www.promisec.com/wp-content/uploads/2016/09/livedemo-1.png"/>
+          <p:cNvPicPr>
+            <a:picLocks noGrp="1" noChangeAspect="1" noChangeArrowheads="1"/>
+          </p:cNvPicPr>
+          <p:nvPr>
+            <p:ph idx="1"/>
+          </p:nvPr>
+        </p:nvPicPr>
+        <p:blipFill>
+          <a:blip r:embed="rId2">
+            <a:extLst>
+              <a:ext uri="{28A0092B-C50C-407E-A947-70E740481C1C}">
+                <a14:useLocalDpi xmlns:a14="http://schemas.microsoft.com/office/drawing/2010/main" val="0"/>
+              </a:ext>
+            </a:extLst>
+          </a:blip>
+          <a:srcRect/>
+          <a:stretch>
+            <a:fillRect/>
+          </a:stretch>
+        </p:blipFill>
+        <p:spPr bwMode="auto">
+          <a:xfrm>
+            <a:off x="2595104" y="1846263"/>
+            <a:ext cx="7062117" cy="4022725"/>
+          </a:xfrm>
+          <a:prstGeom prst="rect">
+            <a:avLst/>
+          </a:prstGeom>
+          <a:noFill/>
+          <a:extLst>
+            <a:ext uri="{909E8E84-426E-40DD-AFC4-6F175D3DCCD1}">
+              <a14:hiddenFill xmlns:a14="http://schemas.microsoft.com/office/drawing/2010/main">
+                <a:solidFill>
+                  <a:srgbClr val="FFFFFF"/>
+                </a:solidFill>
+              </a14:hiddenFill>
+            </a:ext>
+          </a:extLst>
+        </p:spPr>
+      </p:pic>
+      <p:pic>
+        <p:nvPicPr>
+          <p:cNvPr id="6" name="Picture 2" descr="https://itarena.ua/wp-content/uploads/2015/06/softserve_logo_new-1024x308.png"/>
+          <p:cNvPicPr>
+            <a:picLocks noChangeAspect="1" noChangeArrowheads="1"/>
+          </p:cNvPicPr>
+          <p:nvPr/>
+        </p:nvPicPr>
+        <p:blipFill>
+          <a:blip r:embed="rId3" cstate="print">
+            <a:extLst>
+              <a:ext uri="{28A0092B-C50C-407E-A947-70E740481C1C}">
+                <a14:useLocalDpi xmlns:a14="http://schemas.microsoft.com/office/drawing/2010/main" val="0"/>
+              </a:ext>
+            </a:extLst>
+          </a:blip>
+          <a:srcRect/>
+          <a:stretch>
+            <a:fillRect/>
+          </a:stretch>
+        </p:blipFill>
+        <p:spPr bwMode="auto">
+          <a:xfrm>
+            <a:off x="10252363" y="6330915"/>
+            <a:ext cx="2039793" cy="613532"/>
+          </a:xfrm>
+          <a:prstGeom prst="rect">
+            <a:avLst/>
+          </a:prstGeom>
+          <a:noFill/>
+          <a:extLst>
+            <a:ext uri="{909E8E84-426E-40DD-AFC4-6F175D3DCCD1}">
+              <a14:hiddenFill xmlns:a14="http://schemas.microsoft.com/office/drawing/2010/main">
+                <a:solidFill>
+                  <a:srgbClr val="FFFFFF"/>
+                </a:solidFill>
+              </a14:hiddenFill>
+            </a:ext>
+          </a:extLst>
+        </p:spPr>
+      </p:pic>
+    </p:spTree>
+    <p:extLst>
+      <p:ext uri="{BB962C8B-B14F-4D97-AF65-F5344CB8AC3E}">
+        <p14:creationId xmlns:p14="http://schemas.microsoft.com/office/powerpoint/2010/main" val="3899058296"/>
+      </p:ext>
+    </p:extLst>
+  </p:cSld>
+  <p:clrMapOvr>
+    <a:masterClrMapping/>
+  </p:clrMapOvr>
+  <p:timing>
+    <p:tnLst>
+      <p:par>
+        <p:cTn id="1" dur="indefinite" restart="never" nodeType="tmRoot"/>
+      </p:par>
+    </p:tnLst>
+  </p:timing>
+</p:sld>
+</file>
+
+<file path=ppt/slides/slide9.xml><?xml version="1.0" encoding="utf-8"?>
+<p:sld xmlns:a="http://schemas.openxmlformats.org/drawingml/2006/main" xmlns:r="http://schemas.openxmlformats.org/officeDocument/2006/relationships" xmlns:p="http://schemas.openxmlformats.org/presentationml/2006/main">
+  <p:cSld>
+    <p:spTree>
+      <p:nvGrpSpPr>
+        <p:cNvPr id="1" name=""/>
+        <p:cNvGrpSpPr/>
+        <p:nvPr/>
+      </p:nvGrpSpPr>
+      <p:grpSpPr>
+        <a:xfrm>
+          <a:off x="0" y="0"/>
+          <a:ext cx="0" cy="0"/>
+          <a:chOff x="0" y="0"/>
+          <a:chExt cx="0" cy="0"/>
+        </a:xfrm>
+      </p:grpSpPr>
+      <p:sp>
+        <p:nvSpPr>
+          <p:cNvPr id="2" name="Title 1"/>
+          <p:cNvSpPr>
+            <a:spLocks noGrp="1"/>
+          </p:cNvSpPr>
+          <p:nvPr>
+            <p:ph type="title"/>
+          </p:nvPr>
+        </p:nvSpPr>
+        <p:spPr/>
+        <p:txBody>
+          <a:bodyPr/>
+          <a:lstStyle/>
+          <a:p>
+            <a:r>
+              <a:rPr lang="en-US" dirty="0"/>
+              <a:t>Selenium and SACS</a:t>
+            </a:r>
+            <a:endParaRPr lang="uk-UA" dirty="0"/>
+          </a:p>
+        </p:txBody>
+      </p:sp>
+      <p:pic>
+        <p:nvPicPr>
+          <p:cNvPr id="4" name="Picture 4" descr="https://www.promisec.com/wp-content/uploads/2016/09/livedemo-1.png"/>
+          <p:cNvPicPr>
+            <a:picLocks noGrp="1" noChangeAspect="1" noChangeArrowheads="1"/>
+          </p:cNvPicPr>
+          <p:nvPr>
+            <p:ph idx="1"/>
+          </p:nvPr>
+        </p:nvPicPr>
+        <p:blipFill>
+          <a:blip r:embed="rId2">
+            <a:extLst>
+              <a:ext uri="{28A0092B-C50C-407E-A947-70E740481C1C}">
+                <a14:useLocalDpi xmlns:a14="http://schemas.microsoft.com/office/drawing/2010/main" val="0"/>
+              </a:ext>
+            </a:extLst>
+          </a:blip>
+          <a:srcRect/>
+          <a:stretch>
+            <a:fillRect/>
+          </a:stretch>
+        </p:blipFill>
+        <p:spPr bwMode="auto">
+          <a:xfrm>
+            <a:off x="2595104" y="1846263"/>
+            <a:ext cx="7062117" cy="4022725"/>
+          </a:xfrm>
+          <a:prstGeom prst="rect">
+            <a:avLst/>
+          </a:prstGeom>
+          <a:noFill/>
+          <a:extLst>
+            <a:ext uri="{909E8E84-426E-40DD-AFC4-6F175D3DCCD1}">
+              <a14:hiddenFill xmlns:a14="http://schemas.microsoft.com/office/drawing/2010/main">
+                <a:solidFill>
+                  <a:srgbClr val="FFFFFF"/>
+                </a:solidFill>
+              </a14:hiddenFill>
+            </a:ext>
+          </a:extLst>
+        </p:spPr>
+      </p:pic>
+      <p:pic>
+        <p:nvPicPr>
+          <p:cNvPr id="5" name="Picture 2" descr="https://itarena.ua/wp-content/uploads/2015/06/softserve_logo_new-1024x308.png"/>
+          <p:cNvPicPr>
+            <a:picLocks noChangeAspect="1" noChangeArrowheads="1"/>
+          </p:cNvPicPr>
+          <p:nvPr/>
+        </p:nvPicPr>
+        <p:blipFill>
+          <a:blip r:embed="rId3" cstate="print">
+            <a:extLst>
+              <a:ext uri="{28A0092B-C50C-407E-A947-70E740481C1C}">
+                <a14:useLocalDpi xmlns:a14="http://schemas.microsoft.com/office/drawing/2010/main" val="0"/>
+              </a:ext>
+            </a:extLst>
+          </a:blip>
+          <a:srcRect/>
+          <a:stretch>
+            <a:fillRect/>
+          </a:stretch>
+        </p:blipFill>
+        <p:spPr bwMode="auto">
+          <a:xfrm>
+            <a:off x="10252363" y="6330915"/>
+            <a:ext cx="2039793" cy="613532"/>
+          </a:xfrm>
+          <a:prstGeom prst="rect">
+            <a:avLst/>
+          </a:prstGeom>
+          <a:noFill/>
+          <a:extLst>
+            <a:ext uri="{909E8E84-426E-40DD-AFC4-6F175D3DCCD1}">
+              <a14:hiddenFill xmlns:a14="http://schemas.microsoft.com/office/drawing/2010/main">
+                <a:solidFill>
+                  <a:srgbClr val="FFFFFF"/>
+                </a:solidFill>
+              </a14:hiddenFill>
+            </a:ext>
+          </a:extLst>
+        </p:spPr>
+      </p:pic>
+    </p:spTree>
+    <p:extLst>
+      <p:ext uri="{BB962C8B-B14F-4D97-AF65-F5344CB8AC3E}">
+        <p14:creationId xmlns:p14="http://schemas.microsoft.com/office/powerpoint/2010/main" val="3879096575"/>
+      </p:ext>
+    </p:extLst>
+  </p:cSld>
+  <p:clrMapOvr>
+    <a:masterClrMapping/>
+  </p:clrMapOvr>
+  <p:timing>
+    <p:tnLst>
+      <p:par>
+        <p:cTn id="1" dur="indefinite" restart="never" nodeType="tmRoot"/>
+      </p:par>
+    </p:tnLst>
+  </p:timing>
 </p:sld>
 </file>
 
@@ -4342,4 +10048,265 @@
     </a:ext>
   </a:extLst>
 </a:theme>
+</file>
+
+<file path=ppt/theme/theme2.xml><?xml version="1.0" encoding="utf-8"?>
+<a:theme xmlns:a="http://schemas.openxmlformats.org/drawingml/2006/main" name="Office Theme">
+  <a:themeElements>
+    <a:clrScheme name="Office">
+      <a:dk1>
+        <a:sysClr val="windowText" lastClr="000000"/>
+      </a:dk1>
+      <a:lt1>
+        <a:sysClr val="window" lastClr="FFFFFF"/>
+      </a:lt1>
+      <a:dk2>
+        <a:srgbClr val="44546A"/>
+      </a:dk2>
+      <a:lt2>
+        <a:srgbClr val="E7E6E6"/>
+      </a:lt2>
+      <a:accent1>
+        <a:srgbClr val="5B9BD5"/>
+      </a:accent1>
+      <a:accent2>
+        <a:srgbClr val="ED7D31"/>
+      </a:accent2>
+      <a:accent3>
+        <a:srgbClr val="A5A5A5"/>
+      </a:accent3>
+      <a:accent4>
+        <a:srgbClr val="FFC000"/>
+      </a:accent4>
+      <a:accent5>
+        <a:srgbClr val="4472C4"/>
+      </a:accent5>
+      <a:accent6>
+        <a:srgbClr val="70AD47"/>
+      </a:accent6>
+      <a:hlink>
+        <a:srgbClr val="0563C1"/>
+      </a:hlink>
+      <a:folHlink>
+        <a:srgbClr val="954F72"/>
+      </a:folHlink>
+    </a:clrScheme>
+    <a:fontScheme name="Office">
+      <a:majorFont>
+        <a:latin typeface="Calibri Light" panose="020F0302020204030204"/>
+        <a:ea typeface=""/>
+        <a:cs typeface=""/>
+        <a:font script="Jpan" typeface="游ゴシック Light"/>
+        <a:font script="Hang" typeface="맑은 고딕"/>
+        <a:font script="Hans" typeface="等线 Light"/>
+        <a:font script="Hant" typeface="新細明體"/>
+        <a:font script="Arab" typeface="Times New Roman"/>
+        <a:font script="Hebr" typeface="Times New Roman"/>
+        <a:font script="Thai" typeface="Angsana New"/>
+        <a:font script="Ethi" typeface="Nyala"/>
+        <a:font script="Beng" typeface="Vrinda"/>
+        <a:font script="Gujr" typeface="Shruti"/>
+        <a:font script="Khmr" typeface="MoolBoran"/>
+        <a:font script="Knda" typeface="Tunga"/>
+        <a:font script="Guru" typeface="Raavi"/>
+        <a:font script="Cans" typeface="Euphemia"/>
+        <a:font script="Cher" typeface="Plantagenet Cherokee"/>
+        <a:font script="Yiii" typeface="Microsoft Yi Baiti"/>
+        <a:font script="Tibt" typeface="Microsoft Himalaya"/>
+        <a:font script="Thaa" typeface="MV Boli"/>
+        <a:font script="Deva" typeface="Mangal"/>
+        <a:font script="Telu" typeface="Gautami"/>
+        <a:font script="Taml" typeface="Latha"/>
+        <a:font script="Syrc" typeface="Estrangelo Edessa"/>
+        <a:font script="Orya" typeface="Kalinga"/>
+        <a:font script="Mlym" typeface="Kartika"/>
+        <a:font script="Laoo" typeface="DokChampa"/>
+        <a:font script="Sinh" typeface="Iskoola Pota"/>
+        <a:font script="Mong" typeface="Mongolian Baiti"/>
+        <a:font script="Viet" typeface="Times New Roman"/>
+        <a:font script="Uigh" typeface="Microsoft Uighur"/>
+        <a:font script="Geor" typeface="Sylfaen"/>
+      </a:majorFont>
+      <a:minorFont>
+        <a:latin typeface="Calibri" panose="020F0502020204030204"/>
+        <a:ea typeface=""/>
+        <a:cs typeface=""/>
+        <a:font script="Jpan" typeface="游ゴシック"/>
+        <a:font script="Hang" typeface="맑은 고딕"/>
+        <a:font script="Hans" typeface="等线"/>
+        <a:font script="Hant" typeface="新細明體"/>
+        <a:font script="Arab" typeface="Arial"/>
+        <a:font script="Hebr" typeface="Arial"/>
+        <a:font script="Thai" typeface="Cordia New"/>
+        <a:font script="Ethi" typeface="Nyala"/>
+        <a:font script="Beng" typeface="Vrinda"/>
+        <a:font script="Gujr" typeface="Shruti"/>
+        <a:font script="Khmr" typeface="DaunPenh"/>
+        <a:font script="Knda" typeface="Tunga"/>
+        <a:font script="Guru" typeface="Raavi"/>
+        <a:font script="Cans" typeface="Euphemia"/>
+        <a:font script="Cher" typeface="Plantagenet Cherokee"/>
+        <a:font script="Yiii" typeface="Microsoft Yi Baiti"/>
+        <a:font script="Tibt" typeface="Microsoft Himalaya"/>
+        <a:font script="Thaa" typeface="MV Boli"/>
+        <a:font script="Deva" typeface="Mangal"/>
+        <a:font script="Telu" typeface="Gautami"/>
+        <a:font script="Taml" typeface="Latha"/>
+        <a:font script="Syrc" typeface="Estrangelo Edessa"/>
+        <a:font script="Orya" typeface="Kalinga"/>
+        <a:font script="Mlym" typeface="Kartika"/>
+        <a:font script="Laoo" typeface="DokChampa"/>
+        <a:font script="Sinh" typeface="Iskoola Pota"/>
+        <a:font script="Mong" typeface="Mongolian Baiti"/>
+        <a:font script="Viet" typeface="Arial"/>
+        <a:font script="Uigh" typeface="Microsoft Uighur"/>
+        <a:font script="Geor" typeface="Sylfaen"/>
+      </a:minorFont>
+    </a:fontScheme>
+    <a:fmtScheme name="Office">
+      <a:fillStyleLst>
+        <a:solidFill>
+          <a:schemeClr val="phClr"/>
+        </a:solidFill>
+        <a:gradFill rotWithShape="1">
+          <a:gsLst>
+            <a:gs pos="0">
+              <a:schemeClr val="phClr">
+                <a:lumMod val="110000"/>
+                <a:satMod val="105000"/>
+                <a:tint val="67000"/>
+              </a:schemeClr>
+            </a:gs>
+            <a:gs pos="50000">
+              <a:schemeClr val="phClr">
+                <a:lumMod val="105000"/>
+                <a:satMod val="103000"/>
+                <a:tint val="73000"/>
+              </a:schemeClr>
+            </a:gs>
+            <a:gs pos="100000">
+              <a:schemeClr val="phClr">
+                <a:lumMod val="105000"/>
+                <a:satMod val="109000"/>
+                <a:tint val="81000"/>
+              </a:schemeClr>
+            </a:gs>
+          </a:gsLst>
+          <a:lin ang="5400000" scaled="0"/>
+        </a:gradFill>
+        <a:gradFill rotWithShape="1">
+          <a:gsLst>
+            <a:gs pos="0">
+              <a:schemeClr val="phClr">
+                <a:satMod val="103000"/>
+                <a:lumMod val="102000"/>
+                <a:tint val="94000"/>
+              </a:schemeClr>
+            </a:gs>
+            <a:gs pos="50000">
+              <a:schemeClr val="phClr">
+                <a:satMod val="110000"/>
+                <a:lumMod val="100000"/>
+                <a:shade val="100000"/>
+              </a:schemeClr>
+            </a:gs>
+            <a:gs pos="100000">
+              <a:schemeClr val="phClr">
+                <a:lumMod val="99000"/>
+                <a:satMod val="120000"/>
+                <a:shade val="78000"/>
+              </a:schemeClr>
+            </a:gs>
+          </a:gsLst>
+          <a:lin ang="5400000" scaled="0"/>
+        </a:gradFill>
+      </a:fillStyleLst>
+      <a:lnStyleLst>
+        <a:ln w="6350" cap="flat" cmpd="sng" algn="ctr">
+          <a:solidFill>
+            <a:schemeClr val="phClr"/>
+          </a:solidFill>
+          <a:prstDash val="solid"/>
+          <a:miter lim="800000"/>
+        </a:ln>
+        <a:ln w="12700" cap="flat" cmpd="sng" algn="ctr">
+          <a:solidFill>
+            <a:schemeClr val="phClr"/>
+          </a:solidFill>
+          <a:prstDash val="solid"/>
+          <a:miter lim="800000"/>
+        </a:ln>
+        <a:ln w="19050" cap="flat" cmpd="sng" algn="ctr">
+          <a:solidFill>
+            <a:schemeClr val="phClr"/>
+          </a:solidFill>
+          <a:prstDash val="solid"/>
+          <a:miter lim="800000"/>
+        </a:ln>
+      </a:lnStyleLst>
+      <a:effectStyleLst>
+        <a:effectStyle>
+          <a:effectLst/>
+        </a:effectStyle>
+        <a:effectStyle>
+          <a:effectLst/>
+        </a:effectStyle>
+        <a:effectStyle>
+          <a:effectLst>
+            <a:outerShdw blurRad="57150" dist="19050" dir="5400000" algn="ctr" rotWithShape="0">
+              <a:srgbClr val="000000">
+                <a:alpha val="63000"/>
+              </a:srgbClr>
+            </a:outerShdw>
+          </a:effectLst>
+        </a:effectStyle>
+      </a:effectStyleLst>
+      <a:bgFillStyleLst>
+        <a:solidFill>
+          <a:schemeClr val="phClr"/>
+        </a:solidFill>
+        <a:solidFill>
+          <a:schemeClr val="phClr">
+            <a:tint val="95000"/>
+            <a:satMod val="170000"/>
+          </a:schemeClr>
+        </a:solidFill>
+        <a:gradFill rotWithShape="1">
+          <a:gsLst>
+            <a:gs pos="0">
+              <a:schemeClr val="phClr">
+                <a:tint val="93000"/>
+                <a:satMod val="150000"/>
+                <a:shade val="98000"/>
+                <a:lumMod val="102000"/>
+              </a:schemeClr>
+            </a:gs>
+            <a:gs pos="50000">
+              <a:schemeClr val="phClr">
+                <a:tint val="98000"/>
+                <a:satMod val="130000"/>
+                <a:shade val="90000"/>
+                <a:lumMod val="103000"/>
+              </a:schemeClr>
+            </a:gs>
+            <a:gs pos="100000">
+              <a:schemeClr val="phClr">
+                <a:shade val="63000"/>
+                <a:satMod val="120000"/>
+              </a:schemeClr>
+            </a:gs>
+          </a:gsLst>
+          <a:lin ang="5400000" scaled="0"/>
+        </a:gradFill>
+      </a:bgFillStyleLst>
+    </a:fmtScheme>
+  </a:themeElements>
+  <a:objectDefaults/>
+  <a:extraClrSchemeLst/>
+  <a:extLst>
+    <a:ext uri="{05A4C25C-085E-4340-85A3-A5531E510DB2}">
+      <thm15:themeFamily xmlns:thm15="http://schemas.microsoft.com/office/thememl/2012/main" name="Office Theme" id="{62F939B6-93AF-4DB8-9C6B-D6C7DFDC589F}" vid="{4A3C46E8-61CC-4603-A589-7422A47A8E4A}"/>
+    </a:ext>
+  </a:extLst>
+</a:theme>
 </file>
--- a/SeleniumOverview.pptx
+++ b/SeleniumOverview.pptx
@@ -5,7 +5,7 @@
     <p:sldMasterId id="2147483689" r:id="rId1"/>
   </p:sldMasterIdLst>
   <p:notesMasterIdLst>
-    <p:notesMasterId r:id="rId14"/>
+    <p:notesMasterId r:id="rId13"/>
   </p:notesMasterIdLst>
   <p:sldIdLst>
     <p:sldId id="256" r:id="rId2"/>
@@ -16,10 +16,9 @@
     <p:sldId id="261" r:id="rId7"/>
     <p:sldId id="262" r:id="rId8"/>
     <p:sldId id="263" r:id="rId9"/>
-    <p:sldId id="264" r:id="rId10"/>
-    <p:sldId id="265" r:id="rId11"/>
-    <p:sldId id="266" r:id="rId12"/>
-    <p:sldId id="267" r:id="rId13"/>
+    <p:sldId id="265" r:id="rId10"/>
+    <p:sldId id="266" r:id="rId11"/>
+    <p:sldId id="267" r:id="rId12"/>
   </p:sldIdLst>
   <p:sldSz cx="12192000" cy="6858000"/>
   <p:notesSz cx="6858000" cy="9144000"/>
@@ -1150,6 +1149,13 @@
         </dgm:presLayoutVars>
       </dgm:prSet>
       <dgm:spPr/>
+      <dgm:t>
+        <a:bodyPr/>
+        <a:lstStyle/>
+        <a:p>
+          <a:endParaRPr lang="ru-RU"/>
+        </a:p>
+      </dgm:t>
     </dgm:pt>
     <dgm:pt modelId="{7C093604-A1AF-40AF-990E-A0AF2D7FFEC3}" type="pres">
       <dgm:prSet presAssocID="{26AE94EC-AF2A-4D98-8795-AD683AFC67D2}" presName="linNode" presStyleCnt="0"/>
@@ -1163,6 +1169,13 @@
         </dgm:presLayoutVars>
       </dgm:prSet>
       <dgm:spPr/>
+      <dgm:t>
+        <a:bodyPr/>
+        <a:lstStyle/>
+        <a:p>
+          <a:endParaRPr lang="ru-RU"/>
+        </a:p>
+      </dgm:t>
     </dgm:pt>
     <dgm:pt modelId="{8390BF4F-F856-4F41-BDF7-E63A6D07DAF8}" type="pres">
       <dgm:prSet presAssocID="{26AE94EC-AF2A-4D98-8795-AD683AFC67D2}" presName="descendantText" presStyleLbl="alignAccFollowNode1" presStyleIdx="0" presStyleCnt="2">
@@ -1195,6 +1208,13 @@
         </dgm:presLayoutVars>
       </dgm:prSet>
       <dgm:spPr/>
+      <dgm:t>
+        <a:bodyPr/>
+        <a:lstStyle/>
+        <a:p>
+          <a:endParaRPr lang="ru-RU"/>
+        </a:p>
+      </dgm:t>
     </dgm:pt>
     <dgm:pt modelId="{F3594678-428E-4AB3-862F-BE7B84E8E9AD}" type="pres">
       <dgm:prSet presAssocID="{0CB3B1F7-E540-4B81-AD08-76BBB1E9CDCA}" presName="descendantText" presStyleLbl="alignAccFollowNode1" presStyleIdx="1" presStyleCnt="2">
@@ -1213,21 +1233,21 @@
     </dgm:pt>
   </dgm:ptLst>
   <dgm:cxnLst>
-    <dgm:cxn modelId="{E22DEB0B-D811-4ACC-AF81-62B0ACA34FCB}" type="presOf" srcId="{20672938-0D36-43D6-86AC-8389156B8A6B}" destId="{F3594678-428E-4AB3-862F-BE7B84E8E9AD}" srcOrd="0" destOrd="0" presId="urn:microsoft.com/office/officeart/2005/8/layout/vList5"/>
-    <dgm:cxn modelId="{21451AFE-37C3-4ED3-A610-643868DC2F6A}" srcId="{4D7D60FA-ACE1-4698-824A-424AAC4A77EF}" destId="{0CB3B1F7-E540-4B81-AD08-76BBB1E9CDCA}" srcOrd="1" destOrd="0" parTransId="{6835E8A4-9EB9-47FD-B0A7-CA744211F0C6}" sibTransId="{49E6A03B-913D-4DAC-921F-325C2F505200}"/>
-    <dgm:cxn modelId="{7A857B9F-4B5A-4C2B-9EA6-19919CDD3631}" srcId="{0CB3B1F7-E540-4B81-AD08-76BBB1E9CDCA}" destId="{20672938-0D36-43D6-86AC-8389156B8A6B}" srcOrd="0" destOrd="0" parTransId="{218A2EF4-8C14-4118-AA40-238AAF483A8C}" sibTransId="{10F59FB7-2962-40C7-A97D-7E6A20260A61}"/>
+    <dgm:cxn modelId="{697AE67F-E351-4E58-83BD-81D7CB560F93}" type="presOf" srcId="{EF39A31B-74CE-4E82-9DD2-C7C761AA81D2}" destId="{8390BF4F-F856-4F41-BDF7-E63A6D07DAF8}" srcOrd="0" destOrd="1" presId="urn:microsoft.com/office/officeart/2005/8/layout/vList5"/>
+    <dgm:cxn modelId="{57710D95-2E69-4DAA-A300-EF5F2D132A7C}" type="presOf" srcId="{4D7D60FA-ACE1-4698-824A-424AAC4A77EF}" destId="{78371243-1A99-4938-9385-5F00B7933E31}" srcOrd="0" destOrd="0" presId="urn:microsoft.com/office/officeart/2005/8/layout/vList5"/>
+    <dgm:cxn modelId="{4A026413-E1A0-43E5-8DFF-B1A7F9C4C718}" type="presOf" srcId="{0CB3B1F7-E540-4B81-AD08-76BBB1E9CDCA}" destId="{8D84ECD9-2DB0-4B5A-A783-30A089CAED24}" srcOrd="0" destOrd="0" presId="urn:microsoft.com/office/officeart/2005/8/layout/vList5"/>
     <dgm:cxn modelId="{8943A201-6DB0-4260-B442-8071317CB17D}" srcId="{26AE94EC-AF2A-4D98-8795-AD683AFC67D2}" destId="{AA677EB2-51DC-4A75-9018-A97C9584612B}" srcOrd="0" destOrd="0" parTransId="{C134D194-6EA9-4785-BED9-29802A715ABD}" sibTransId="{CE864CDF-D56F-4FB5-BE20-6AFF9B11E6A7}"/>
+    <dgm:cxn modelId="{94E44A00-33CA-492C-99DE-4D1E15183536}" type="presOf" srcId="{859894A0-A44E-47C3-B680-93240143C432}" destId="{8390BF4F-F856-4F41-BDF7-E63A6D07DAF8}" srcOrd="0" destOrd="2" presId="urn:microsoft.com/office/officeart/2005/8/layout/vList5"/>
+    <dgm:cxn modelId="{7113DBA4-F07A-4035-9EC6-4C4ABADBEE44}" type="presOf" srcId="{26AE94EC-AF2A-4D98-8795-AD683AFC67D2}" destId="{258566A4-033E-4C2B-B43C-36ED2E0F43B6}" srcOrd="0" destOrd="0" presId="urn:microsoft.com/office/officeart/2005/8/layout/vList5"/>
     <dgm:cxn modelId="{C7CDAE3F-5268-4626-9828-A637D83B8FB9}" srcId="{0CB3B1F7-E540-4B81-AD08-76BBB1E9CDCA}" destId="{1AC9F2A9-C610-4D8B-BCE2-2691AD1E843D}" srcOrd="1" destOrd="0" parTransId="{3FC76F23-E0D6-4421-8C89-7F23B4DB3BFE}" sibTransId="{C4CD254A-90BC-418D-AA50-368754F13CD7}"/>
     <dgm:cxn modelId="{0C0DB3CD-1E80-4AEE-9DD7-5F7A3801BB89}" type="presOf" srcId="{1AC9F2A9-C610-4D8B-BCE2-2691AD1E843D}" destId="{F3594678-428E-4AB3-862F-BE7B84E8E9AD}" srcOrd="0" destOrd="1" presId="urn:microsoft.com/office/officeart/2005/8/layout/vList5"/>
-    <dgm:cxn modelId="{697AE67F-E351-4E58-83BD-81D7CB560F93}" type="presOf" srcId="{EF39A31B-74CE-4E82-9DD2-C7C761AA81D2}" destId="{8390BF4F-F856-4F41-BDF7-E63A6D07DAF8}" srcOrd="0" destOrd="1" presId="urn:microsoft.com/office/officeart/2005/8/layout/vList5"/>
+    <dgm:cxn modelId="{E22DEB0B-D811-4ACC-AF81-62B0ACA34FCB}" type="presOf" srcId="{20672938-0D36-43D6-86AC-8389156B8A6B}" destId="{F3594678-428E-4AB3-862F-BE7B84E8E9AD}" srcOrd="0" destOrd="0" presId="urn:microsoft.com/office/officeart/2005/8/layout/vList5"/>
+    <dgm:cxn modelId="{7A857B9F-4B5A-4C2B-9EA6-19919CDD3631}" srcId="{0CB3B1F7-E540-4B81-AD08-76BBB1E9CDCA}" destId="{20672938-0D36-43D6-86AC-8389156B8A6B}" srcOrd="0" destOrd="0" parTransId="{218A2EF4-8C14-4118-AA40-238AAF483A8C}" sibTransId="{10F59FB7-2962-40C7-A97D-7E6A20260A61}"/>
     <dgm:cxn modelId="{4D324CB0-00C0-4D88-8DAD-9BEF6047F736}" srcId="{26AE94EC-AF2A-4D98-8795-AD683AFC67D2}" destId="{859894A0-A44E-47C3-B680-93240143C432}" srcOrd="2" destOrd="0" parTransId="{D45643B2-D847-4803-899A-47A6A5294524}" sibTransId="{796C9429-6E67-4A88-9F1C-6EC20D0258DC}"/>
-    <dgm:cxn modelId="{57710D95-2E69-4DAA-A300-EF5F2D132A7C}" type="presOf" srcId="{4D7D60FA-ACE1-4698-824A-424AAC4A77EF}" destId="{78371243-1A99-4938-9385-5F00B7933E31}" srcOrd="0" destOrd="0" presId="urn:microsoft.com/office/officeart/2005/8/layout/vList5"/>
-    <dgm:cxn modelId="{4A026413-E1A0-43E5-8DFF-B1A7F9C4C718}" type="presOf" srcId="{0CB3B1F7-E540-4B81-AD08-76BBB1E9CDCA}" destId="{8D84ECD9-2DB0-4B5A-A783-30A089CAED24}" srcOrd="0" destOrd="0" presId="urn:microsoft.com/office/officeart/2005/8/layout/vList5"/>
-    <dgm:cxn modelId="{94E44A00-33CA-492C-99DE-4D1E15183536}" type="presOf" srcId="{859894A0-A44E-47C3-B680-93240143C432}" destId="{8390BF4F-F856-4F41-BDF7-E63A6D07DAF8}" srcOrd="0" destOrd="2" presId="urn:microsoft.com/office/officeart/2005/8/layout/vList5"/>
+    <dgm:cxn modelId="{4DD72703-4062-4432-BEF8-147CDC601F72}" srcId="{26AE94EC-AF2A-4D98-8795-AD683AFC67D2}" destId="{EF39A31B-74CE-4E82-9DD2-C7C761AA81D2}" srcOrd="1" destOrd="0" parTransId="{4204A5FD-9C53-4B35-9191-99958A6306AA}" sibTransId="{188DA1CC-5E28-4D99-B2F8-D4A201762A0C}"/>
+    <dgm:cxn modelId="{E2915A74-5F75-4E3C-92CF-6E62EBF0A2FF}" srcId="{4D7D60FA-ACE1-4698-824A-424AAC4A77EF}" destId="{26AE94EC-AF2A-4D98-8795-AD683AFC67D2}" srcOrd="0" destOrd="0" parTransId="{406572AB-40DB-48E9-877E-463ADB34C757}" sibTransId="{54E657B7-4F2E-416F-9404-2A2EB6D2D4A0}"/>
     <dgm:cxn modelId="{3B65C2C5-AAA7-4519-8C88-C68CF30B1691}" type="presOf" srcId="{AA677EB2-51DC-4A75-9018-A97C9584612B}" destId="{8390BF4F-F856-4F41-BDF7-E63A6D07DAF8}" srcOrd="0" destOrd="0" presId="urn:microsoft.com/office/officeart/2005/8/layout/vList5"/>
-    <dgm:cxn modelId="{4DD72703-4062-4432-BEF8-147CDC601F72}" srcId="{26AE94EC-AF2A-4D98-8795-AD683AFC67D2}" destId="{EF39A31B-74CE-4E82-9DD2-C7C761AA81D2}" srcOrd="1" destOrd="0" parTransId="{4204A5FD-9C53-4B35-9191-99958A6306AA}" sibTransId="{188DA1CC-5E28-4D99-B2F8-D4A201762A0C}"/>
-    <dgm:cxn modelId="{7113DBA4-F07A-4035-9EC6-4C4ABADBEE44}" type="presOf" srcId="{26AE94EC-AF2A-4D98-8795-AD683AFC67D2}" destId="{258566A4-033E-4C2B-B43C-36ED2E0F43B6}" srcOrd="0" destOrd="0" presId="urn:microsoft.com/office/officeart/2005/8/layout/vList5"/>
-    <dgm:cxn modelId="{E2915A74-5F75-4E3C-92CF-6E62EBF0A2FF}" srcId="{4D7D60FA-ACE1-4698-824A-424AAC4A77EF}" destId="{26AE94EC-AF2A-4D98-8795-AD683AFC67D2}" srcOrd="0" destOrd="0" parTransId="{406572AB-40DB-48E9-877E-463ADB34C757}" sibTransId="{54E657B7-4F2E-416F-9404-2A2EB6D2D4A0}"/>
+    <dgm:cxn modelId="{21451AFE-37C3-4ED3-A610-643868DC2F6A}" srcId="{4D7D60FA-ACE1-4698-824A-424AAC4A77EF}" destId="{0CB3B1F7-E540-4B81-AD08-76BBB1E9CDCA}" srcOrd="1" destOrd="0" parTransId="{6835E8A4-9EB9-47FD-B0A7-CA744211F0C6}" sibTransId="{49E6A03B-913D-4DAC-921F-325C2F505200}"/>
     <dgm:cxn modelId="{7FA4BB63-33B4-4B30-82B7-7E18CCC301F2}" type="presParOf" srcId="{78371243-1A99-4938-9385-5F00B7933E31}" destId="{7C093604-A1AF-40AF-990E-A0AF2D7FFEC3}" srcOrd="0" destOrd="0" presId="urn:microsoft.com/office/officeart/2005/8/layout/vList5"/>
     <dgm:cxn modelId="{8BEF8EEB-19D3-4460-A245-959BED29C7DA}" type="presParOf" srcId="{7C093604-A1AF-40AF-990E-A0AF2D7FFEC3}" destId="{258566A4-033E-4C2B-B43C-36ED2E0F43B6}" srcOrd="0" destOrd="0" presId="urn:microsoft.com/office/officeart/2005/8/layout/vList5"/>
     <dgm:cxn modelId="{3CD58166-4B9A-4007-A9D8-62CF82789279}" type="presParOf" srcId="{7C093604-A1AF-40AF-990E-A0AF2D7FFEC3}" destId="{8390BF4F-F856-4F41-BDF7-E63A6D07DAF8}" srcOrd="1" destOrd="0" presId="urn:microsoft.com/office/officeart/2005/8/layout/vList5"/>
@@ -2978,7 +2998,7 @@
           <a:p>
             <a:fld id="{80BA4606-B14D-45EF-8CAC-2D7780CCEFF2}" type="datetimeFigureOut">
               <a:rPr lang="uk-UA" smtClean="0"/>
-              <a:t>08.04.2019</a:t>
+              <a:t>09.04.2019</a:t>
             </a:fld>
             <a:endParaRPr lang="uk-UA"/>
           </a:p>
@@ -4252,7 +4272,7 @@
           <a:p>
             <a:fld id="{90B2056C-F2F4-49F3-9520-6B94758027D3}" type="slidenum">
               <a:rPr lang="uk-UA" smtClean="0"/>
-              <a:t>10</a:t>
+              <a:t>9</a:t>
             </a:fld>
             <a:endParaRPr lang="uk-UA"/>
           </a:p>
@@ -4497,7 +4517,7 @@
           <a:p>
             <a:fld id="{FFEDE399-5C34-4284-8036-5A3A5E255160}" type="datetimeFigureOut">
               <a:rPr lang="uk-UA" smtClean="0"/>
-              <a:t>08.04.2019</a:t>
+              <a:t>09.04.2019</a:t>
             </a:fld>
             <a:endParaRPr lang="uk-UA"/>
           </a:p>
@@ -4705,7 +4725,7 @@
           <a:p>
             <a:fld id="{FFEDE399-5C34-4284-8036-5A3A5E255160}" type="datetimeFigureOut">
               <a:rPr lang="uk-UA" smtClean="0"/>
-              <a:t>08.04.2019</a:t>
+              <a:t>09.04.2019</a:t>
             </a:fld>
             <a:endParaRPr lang="uk-UA"/>
           </a:p>
@@ -4961,7 +4981,7 @@
           <a:p>
             <a:fld id="{FFEDE399-5C34-4284-8036-5A3A5E255160}" type="datetimeFigureOut">
               <a:rPr lang="uk-UA" smtClean="0"/>
-              <a:t>08.04.2019</a:t>
+              <a:t>09.04.2019</a:t>
             </a:fld>
             <a:endParaRPr lang="uk-UA"/>
           </a:p>
@@ -5135,7 +5155,7 @@
           <a:p>
             <a:fld id="{FFEDE399-5C34-4284-8036-5A3A5E255160}" type="datetimeFigureOut">
               <a:rPr lang="uk-UA" smtClean="0"/>
-              <a:t>08.04.2019</a:t>
+              <a:t>09.04.2019</a:t>
             </a:fld>
             <a:endParaRPr lang="uk-UA"/>
           </a:p>
@@ -5478,7 +5498,7 @@
           <a:p>
             <a:fld id="{FFEDE399-5C34-4284-8036-5A3A5E255160}" type="datetimeFigureOut">
               <a:rPr lang="uk-UA" smtClean="0"/>
-              <a:t>08.04.2019</a:t>
+              <a:t>09.04.2019</a:t>
             </a:fld>
             <a:endParaRPr lang="uk-UA"/>
           </a:p>
@@ -5753,7 +5773,7 @@
           <a:p>
             <a:fld id="{FFEDE399-5C34-4284-8036-5A3A5E255160}" type="datetimeFigureOut">
               <a:rPr lang="uk-UA" smtClean="0"/>
-              <a:t>08.04.2019</a:t>
+              <a:t>09.04.2019</a:t>
             </a:fld>
             <a:endParaRPr lang="uk-UA"/>
           </a:p>
@@ -5813,7 +5833,7 @@
   </p:clrMapOvr>
   <p:extLst>
     <p:ext uri="{DCECCB84-F9BA-43D5-87BE-67443E8EF086}">
-      <p15:sldGuideLst xmlns:p15="http://schemas.microsoft.com/office/powerpoint/2012/main"/>
+      <p15:sldGuideLst xmlns:p15="http://schemas.microsoft.com/office/powerpoint/2012/main" xmlns=""/>
     </p:ext>
   </p:extLst>
 </p:sldLayout>
@@ -6137,7 +6157,7 @@
           <a:p>
             <a:fld id="{FFEDE399-5C34-4284-8036-5A3A5E255160}" type="datetimeFigureOut">
               <a:rPr lang="uk-UA" smtClean="0"/>
-              <a:t>08.04.2019</a:t>
+              <a:t>09.04.2019</a:t>
             </a:fld>
             <a:endParaRPr lang="uk-UA"/>
           </a:p>
@@ -6197,7 +6217,7 @@
   </p:clrMapOvr>
   <p:extLst>
     <p:ext uri="{DCECCB84-F9BA-43D5-87BE-67443E8EF086}">
-      <p15:sldGuideLst xmlns:p15="http://schemas.microsoft.com/office/powerpoint/2012/main"/>
+      <p15:sldGuideLst xmlns:p15="http://schemas.microsoft.com/office/powerpoint/2012/main" xmlns=""/>
     </p:ext>
   </p:extLst>
 </p:sldLayout>
@@ -6260,7 +6280,7 @@
           <a:p>
             <a:fld id="{FFEDE399-5C34-4284-8036-5A3A5E255160}" type="datetimeFigureOut">
               <a:rPr lang="uk-UA" smtClean="0"/>
-              <a:t>08.04.2019</a:t>
+              <a:t>09.04.2019</a:t>
             </a:fld>
             <a:endParaRPr lang="uk-UA"/>
           </a:p>
@@ -6431,7 +6451,7 @@
           <a:p>
             <a:fld id="{FFEDE399-5C34-4284-8036-5A3A5E255160}" type="datetimeFigureOut">
               <a:rPr lang="uk-UA" smtClean="0"/>
-              <a:t>08.04.2019</a:t>
+              <a:t>09.04.2019</a:t>
             </a:fld>
             <a:endParaRPr lang="uk-UA"/>
           </a:p>
@@ -6785,7 +6805,7 @@
           <a:p>
             <a:fld id="{FFEDE399-5C34-4284-8036-5A3A5E255160}" type="datetimeFigureOut">
               <a:rPr lang="uk-UA" smtClean="0"/>
-              <a:t>08.04.2019</a:t>
+              <a:t>09.04.2019</a:t>
             </a:fld>
             <a:endParaRPr lang="uk-UA"/>
           </a:p>
@@ -6866,7 +6886,7 @@
   </p:clrMapOvr>
   <p:extLst>
     <p:ext uri="{DCECCB84-F9BA-43D5-87BE-67443E8EF086}">
-      <p15:sldGuideLst xmlns:p15="http://schemas.microsoft.com/office/powerpoint/2012/main"/>
+      <p15:sldGuideLst xmlns:p15="http://schemas.microsoft.com/office/powerpoint/2012/main" xmlns=""/>
     </p:ext>
   </p:extLst>
 </p:sldLayout>
@@ -7172,7 +7192,7 @@
           <a:p>
             <a:fld id="{FFEDE399-5C34-4284-8036-5A3A5E255160}" type="datetimeFigureOut">
               <a:rPr lang="uk-UA" smtClean="0"/>
-              <a:t>08.04.2019</a:t>
+              <a:t>09.04.2019</a:t>
             </a:fld>
             <a:endParaRPr lang="uk-UA"/>
           </a:p>
@@ -7459,7 +7479,7 @@
           <a:p>
             <a:fld id="{FFEDE399-5C34-4284-8036-5A3A5E255160}" type="datetimeFigureOut">
               <a:rPr lang="uk-UA" smtClean="0"/>
-              <a:t>08.04.2019</a:t>
+              <a:t>09.04.2019</a:t>
             </a:fld>
             <a:endParaRPr lang="uk-UA"/>
           </a:p>
@@ -7965,7 +7985,7 @@
   </p:txStyles>
   <p:extLst>
     <p:ext uri="{27BBF7A9-308A-43DC-89C8-2F10F3537804}">
-      <p15:sldGuideLst xmlns:p15="http://schemas.microsoft.com/office/powerpoint/2012/main"/>
+      <p15:sldGuideLst xmlns:p15="http://schemas.microsoft.com/office/powerpoint/2012/main" xmlns=""/>
     </p:ext>
   </p:extLst>
 </p:sldMaster>
@@ -8176,136 +8196,6 @@
           <a:p>
             <a:r>
               <a:rPr lang="en-US" dirty="0" smtClean="0"/>
-              <a:t>Experienced QA </a:t>
-            </a:r>
-            <a:r>
-              <a:rPr lang="en-US" dirty="0"/>
-              <a:t>Developer Feedback</a:t>
-            </a:r>
-            <a:endParaRPr lang="uk-UA" dirty="0"/>
-          </a:p>
-        </p:txBody>
-      </p:sp>
-      <p:graphicFrame>
-        <p:nvGraphicFramePr>
-          <p:cNvPr id="5" name="Content Placeholder 4"/>
-          <p:cNvGraphicFramePr>
-            <a:graphicFrameLocks noGrp="1"/>
-          </p:cNvGraphicFramePr>
-          <p:nvPr>
-            <p:ph idx="1"/>
-            <p:extLst>
-              <p:ext uri="{D42A27DB-BD31-4B8C-83A1-F6EECF244321}">
-                <p14:modId xmlns:p14="http://schemas.microsoft.com/office/powerpoint/2010/main" val="400077499"/>
-              </p:ext>
-            </p:extLst>
-          </p:nvPr>
-        </p:nvGraphicFramePr>
-        <p:xfrm>
-          <a:off x="1096963" y="1846263"/>
-          <a:ext cx="10058400" cy="4022725"/>
-        </p:xfrm>
-        <a:graphic>
-          <a:graphicData uri="http://schemas.openxmlformats.org/drawingml/2006/diagram">
-            <dgm:relIds xmlns:dgm="http://schemas.openxmlformats.org/drawingml/2006/diagram" xmlns:r="http://schemas.openxmlformats.org/officeDocument/2006/relationships" r:dm="rId3" r:lo="rId4" r:qs="rId5" r:cs="rId6"/>
-          </a:graphicData>
-        </a:graphic>
-      </p:graphicFrame>
-      <p:pic>
-        <p:nvPicPr>
-          <p:cNvPr id="4" name="Picture 2" descr="https://itarena.ua/wp-content/uploads/2015/06/softserve_logo_new-1024x308.png"/>
-          <p:cNvPicPr>
-            <a:picLocks noChangeAspect="1" noChangeArrowheads="1"/>
-          </p:cNvPicPr>
-          <p:nvPr/>
-        </p:nvPicPr>
-        <p:blipFill>
-          <a:blip r:embed="rId8" cstate="print">
-            <a:extLst>
-              <a:ext uri="{28A0092B-C50C-407E-A947-70E740481C1C}">
-                <a14:useLocalDpi xmlns:a14="http://schemas.microsoft.com/office/drawing/2010/main" val="0"/>
-              </a:ext>
-            </a:extLst>
-          </a:blip>
-          <a:srcRect/>
-          <a:stretch>
-            <a:fillRect/>
-          </a:stretch>
-        </p:blipFill>
-        <p:spPr bwMode="auto">
-          <a:xfrm>
-            <a:off x="10252363" y="6330915"/>
-            <a:ext cx="2039793" cy="613532"/>
-          </a:xfrm>
-          <a:prstGeom prst="rect">
-            <a:avLst/>
-          </a:prstGeom>
-          <a:noFill/>
-          <a:extLst>
-            <a:ext uri="{909E8E84-426E-40DD-AFC4-6F175D3DCCD1}">
-              <a14:hiddenFill xmlns:a14="http://schemas.microsoft.com/office/drawing/2010/main">
-                <a:solidFill>
-                  <a:srgbClr val="FFFFFF"/>
-                </a:solidFill>
-              </a14:hiddenFill>
-            </a:ext>
-          </a:extLst>
-        </p:spPr>
-      </p:pic>
-    </p:spTree>
-    <p:extLst>
-      <p:ext uri="{BB962C8B-B14F-4D97-AF65-F5344CB8AC3E}">
-        <p14:creationId xmlns:p14="http://schemas.microsoft.com/office/powerpoint/2010/main" val="3681324842"/>
-      </p:ext>
-    </p:extLst>
-  </p:cSld>
-  <p:clrMapOvr>
-    <a:masterClrMapping/>
-  </p:clrMapOvr>
-  <p:timing>
-    <p:tnLst>
-      <p:par>
-        <p:cTn id="1" dur="indefinite" restart="never" nodeType="tmRoot"/>
-      </p:par>
-    </p:tnLst>
-  </p:timing>
-</p:sld>
-</file>
-
-<file path=ppt/slides/slide11.xml><?xml version="1.0" encoding="utf-8"?>
-<p:sld xmlns:a="http://schemas.openxmlformats.org/drawingml/2006/main" xmlns:r="http://schemas.openxmlformats.org/officeDocument/2006/relationships" xmlns:p="http://schemas.openxmlformats.org/presentationml/2006/main">
-  <p:cSld>
-    <p:spTree>
-      <p:nvGrpSpPr>
-        <p:cNvPr id="1" name=""/>
-        <p:cNvGrpSpPr/>
-        <p:nvPr/>
-      </p:nvGrpSpPr>
-      <p:grpSpPr>
-        <a:xfrm>
-          <a:off x="0" y="0"/>
-          <a:ext cx="0" cy="0"/>
-          <a:chOff x="0" y="0"/>
-          <a:chExt cx="0" cy="0"/>
-        </a:xfrm>
-      </p:grpSpPr>
-      <p:sp>
-        <p:nvSpPr>
-          <p:cNvPr id="2" name="Title 1"/>
-          <p:cNvSpPr>
-            <a:spLocks noGrp="1"/>
-          </p:cNvSpPr>
-          <p:nvPr>
-            <p:ph type="title"/>
-          </p:nvPr>
-        </p:nvSpPr>
-        <p:spPr/>
-        <p:txBody>
-          <a:bodyPr/>
-          <a:lstStyle/>
-          <a:p>
-            <a:r>
-              <a:rPr lang="en-US" dirty="0" smtClean="0"/>
               <a:t>Summary</a:t>
             </a:r>
             <a:endParaRPr lang="uk-UA" dirty="0"/>
@@ -8416,7 +8306,7 @@
 </p:sld>
 </file>
 
-<file path=ppt/slides/slide12.xml><?xml version="1.0" encoding="utf-8"?>
+<file path=ppt/slides/slide11.xml><?xml version="1.0" encoding="utf-8"?>
 <p:sld xmlns:a="http://schemas.openxmlformats.org/drawingml/2006/main" xmlns:r="http://schemas.openxmlformats.org/officeDocument/2006/relationships" xmlns:p="http://schemas.openxmlformats.org/presentationml/2006/main">
   <p:cSld>
     <p:spTree>
@@ -9656,66 +9546,52 @@
           <a:lstStyle/>
           <a:p>
             <a:r>
+              <a:rPr lang="en-US" dirty="0" smtClean="0"/>
+              <a:t>Experienced QA </a:t>
+            </a:r>
+            <a:r>
               <a:rPr lang="en-US" dirty="0"/>
-              <a:t>Selenium and SACS</a:t>
+              <a:t>Developer Feedback</a:t>
             </a:r>
             <a:endParaRPr lang="uk-UA" dirty="0"/>
           </a:p>
         </p:txBody>
       </p:sp>
+      <p:graphicFrame>
+        <p:nvGraphicFramePr>
+          <p:cNvPr id="5" name="Content Placeholder 4"/>
+          <p:cNvGraphicFramePr>
+            <a:graphicFrameLocks noGrp="1"/>
+          </p:cNvGraphicFramePr>
+          <p:nvPr>
+            <p:ph idx="1"/>
+            <p:extLst>
+              <p:ext uri="{D42A27DB-BD31-4B8C-83A1-F6EECF244321}">
+                <p14:modId xmlns:p14="http://schemas.microsoft.com/office/powerpoint/2010/main" val="400077499"/>
+              </p:ext>
+            </p:extLst>
+          </p:nvPr>
+        </p:nvGraphicFramePr>
+        <p:xfrm>
+          <a:off x="1096963" y="1846263"/>
+          <a:ext cx="10058400" cy="4022725"/>
+        </p:xfrm>
+        <a:graphic>
+          <a:graphicData uri="http://schemas.openxmlformats.org/drawingml/2006/diagram">
+            <dgm:relIds xmlns:dgm="http://schemas.openxmlformats.org/drawingml/2006/diagram" xmlns:r="http://schemas.openxmlformats.org/officeDocument/2006/relationships" r:dm="rId3" r:lo="rId4" r:qs="rId5" r:cs="rId6"/>
+          </a:graphicData>
+        </a:graphic>
+      </p:graphicFrame>
       <p:pic>
         <p:nvPicPr>
-          <p:cNvPr id="4" name="Picture 4" descr="https://www.promisec.com/wp-content/uploads/2016/09/livedemo-1.png"/>
-          <p:cNvPicPr>
-            <a:picLocks noGrp="1" noChangeAspect="1" noChangeArrowheads="1"/>
-          </p:cNvPicPr>
-          <p:nvPr>
-            <p:ph idx="1"/>
-          </p:nvPr>
-        </p:nvPicPr>
-        <p:blipFill>
-          <a:blip r:embed="rId2">
-            <a:extLst>
-              <a:ext uri="{28A0092B-C50C-407E-A947-70E740481C1C}">
-                <a14:useLocalDpi xmlns:a14="http://schemas.microsoft.com/office/drawing/2010/main" val="0"/>
-              </a:ext>
-            </a:extLst>
-          </a:blip>
-          <a:srcRect/>
-          <a:stretch>
-            <a:fillRect/>
-          </a:stretch>
-        </p:blipFill>
-        <p:spPr bwMode="auto">
-          <a:xfrm>
-            <a:off x="2595104" y="1846263"/>
-            <a:ext cx="7062117" cy="4022725"/>
-          </a:xfrm>
-          <a:prstGeom prst="rect">
-            <a:avLst/>
-          </a:prstGeom>
-          <a:noFill/>
-          <a:extLst>
-            <a:ext uri="{909E8E84-426E-40DD-AFC4-6F175D3DCCD1}">
-              <a14:hiddenFill xmlns:a14="http://schemas.microsoft.com/office/drawing/2010/main">
-                <a:solidFill>
-                  <a:srgbClr val="FFFFFF"/>
-                </a:solidFill>
-              </a14:hiddenFill>
-            </a:ext>
-          </a:extLst>
-        </p:spPr>
-      </p:pic>
-      <p:pic>
-        <p:nvPicPr>
-          <p:cNvPr id="5" name="Picture 2" descr="https://itarena.ua/wp-content/uploads/2015/06/softserve_logo_new-1024x308.png"/>
+          <p:cNvPr id="4" name="Picture 2" descr="https://itarena.ua/wp-content/uploads/2015/06/softserve_logo_new-1024x308.png"/>
           <p:cNvPicPr>
             <a:picLocks noChangeAspect="1" noChangeArrowheads="1"/>
           </p:cNvPicPr>
           <p:nvPr/>
         </p:nvPicPr>
         <p:blipFill>
-          <a:blip r:embed="rId3" cstate="print">
+          <a:blip r:embed="rId8" cstate="print">
             <a:extLst>
               <a:ext uri="{28A0092B-C50C-407E-A947-70E740481C1C}">
                 <a14:useLocalDpi xmlns:a14="http://schemas.microsoft.com/office/drawing/2010/main" val="0"/>
@@ -9750,7 +9626,7 @@
     </p:spTree>
     <p:extLst>
       <p:ext uri="{BB962C8B-B14F-4D97-AF65-F5344CB8AC3E}">
-        <p14:creationId xmlns:p14="http://schemas.microsoft.com/office/powerpoint/2010/main" val="3879096575"/>
+        <p14:creationId xmlns:p14="http://schemas.microsoft.com/office/powerpoint/2010/main" val="3681324842"/>
       </p:ext>
     </p:extLst>
   </p:cSld>
@@ -9775,7 +9651,7 @@
         <a:srgbClr val="000000"/>
       </a:dk1>
       <a:lt1>
-        <a:sysClr val="window" lastClr="FFFFFF"/>
+        <a:sysClr val="window" lastClr="D3D5DB"/>
       </a:lt1>
       <a:dk2>
         <a:srgbClr val="637052"/>
@@ -10044,7 +9920,7 @@
   <a:extraClrSchemeLst/>
   <a:extLst>
     <a:ext uri="{05A4C25C-085E-4340-85A3-A5531E510DB2}">
-      <thm15:themeFamily xmlns:thm15="http://schemas.microsoft.com/office/thememl/2012/main" name="Retrospect" id="{5F128B03-DCCA-4EEB-AB3B-CF2899314A46}" vid="{3F1AAB62-24C6-49D2-8E01-B56FAC9A3DCD}"/>
+      <thm15:themeFamily xmlns:thm15="http://schemas.microsoft.com/office/thememl/2012/main" xmlns="" name="Retrospect" id="{5F128B03-DCCA-4EEB-AB3B-CF2899314A46}" vid="{3F1AAB62-24C6-49D2-8E01-B56FAC9A3DCD}"/>
     </a:ext>
   </a:extLst>
 </a:theme>
@@ -10058,7 +9934,7 @@
         <a:sysClr val="windowText" lastClr="000000"/>
       </a:dk1>
       <a:lt1>
-        <a:sysClr val="window" lastClr="FFFFFF"/>
+        <a:sysClr val="window" lastClr="D3D5DB"/>
       </a:lt1>
       <a:dk2>
         <a:srgbClr val="44546A"/>
@@ -10305,7 +10181,7 @@
   <a:extraClrSchemeLst/>
   <a:extLst>
     <a:ext uri="{05A4C25C-085E-4340-85A3-A5531E510DB2}">
-      <thm15:themeFamily xmlns:thm15="http://schemas.microsoft.com/office/thememl/2012/main" name="Office Theme" id="{62F939B6-93AF-4DB8-9C6B-D6C7DFDC589F}" vid="{4A3C46E8-61CC-4603-A589-7422A47A8E4A}"/>
+      <thm15:themeFamily xmlns:thm15="http://schemas.microsoft.com/office/thememl/2012/main" xmlns="" name="Office Theme" id="{62F939B6-93AF-4DB8-9C6B-D6C7DFDC589F}" vid="{4A3C46E8-61CC-4603-A589-7422A47A8E4A}"/>
     </a:ext>
   </a:extLst>
 </a:theme>
